--- a/doc/quals/quals.pptx
+++ b/doc/quals/quals.pptx
@@ -5,19 +5,30 @@
     <p:sldMasterId id="2147483648" r:id="rId1"/>
   </p:sldMasterIdLst>
   <p:notesMasterIdLst>
-    <p:notesMasterId r:id="rId12"/>
+    <p:notesMasterId r:id="rId23"/>
   </p:notesMasterIdLst>
   <p:sldIdLst>
     <p:sldId id="256" r:id="rId2"/>
-    <p:sldId id="258" r:id="rId3"/>
-    <p:sldId id="259" r:id="rId4"/>
-    <p:sldId id="260" r:id="rId5"/>
-    <p:sldId id="261" r:id="rId6"/>
-    <p:sldId id="262" r:id="rId7"/>
-    <p:sldId id="263" r:id="rId8"/>
-    <p:sldId id="264" r:id="rId9"/>
-    <p:sldId id="265" r:id="rId10"/>
-    <p:sldId id="257" r:id="rId11"/>
+    <p:sldId id="273" r:id="rId3"/>
+    <p:sldId id="266" r:id="rId4"/>
+    <p:sldId id="274" r:id="rId5"/>
+    <p:sldId id="275" r:id="rId6"/>
+    <p:sldId id="259" r:id="rId7"/>
+    <p:sldId id="260" r:id="rId8"/>
+    <p:sldId id="261" r:id="rId9"/>
+    <p:sldId id="263" r:id="rId10"/>
+    <p:sldId id="264" r:id="rId11"/>
+    <p:sldId id="265" r:id="rId12"/>
+    <p:sldId id="267" r:id="rId13"/>
+    <p:sldId id="276" r:id="rId14"/>
+    <p:sldId id="277" r:id="rId15"/>
+    <p:sldId id="278" r:id="rId16"/>
+    <p:sldId id="268" r:id="rId17"/>
+    <p:sldId id="269" r:id="rId18"/>
+    <p:sldId id="270" r:id="rId19"/>
+    <p:sldId id="271" r:id="rId20"/>
+    <p:sldId id="272" r:id="rId21"/>
+    <p:sldId id="257" r:id="rId22"/>
   </p:sldIdLst>
   <p:sldSz cx="12192000" cy="6858000"/>
   <p:notesSz cx="6858000" cy="9144000"/>
@@ -116,6 +127,76 @@
       </a:defRPr>
     </a:lvl9pPr>
   </p:defaultTextStyle>
+  <p:extLst>
+    <p:ext uri="{521415D9-36F7-43E2-AB2F-B90AF26B5E84}">
+      <p14:sectionLst xmlns:p14="http://schemas.microsoft.com/office/powerpoint/2010/main">
+        <p14:section name="Default Section" id="{3C681731-2F5C-4EB1-A613-3E0D734D0AB3}">
+          <p14:sldIdLst>
+            <p14:sldId id="256"/>
+          </p14:sldIdLst>
+        </p14:section>
+        <p14:section name="Summary Section" id="{5DB89C18-2450-47F1-8356-E96134B09DDF}">
+          <p14:sldIdLst>
+            <p14:sldId id="273"/>
+          </p14:sldIdLst>
+        </p14:section>
+        <p14:section name="Apel" id="{4D04E098-2A98-4214-B13D-53488DDFB861}">
+          <p14:sldIdLst>
+            <p14:sldId id="266"/>
+            <p14:sldId id="274"/>
+            <p14:sldId id="275"/>
+            <p14:sldId id="259"/>
+            <p14:sldId id="260"/>
+            <p14:sldId id="261"/>
+            <p14:sldId id="263"/>
+            <p14:sldId id="264"/>
+            <p14:sldId id="265"/>
+          </p14:sldIdLst>
+        </p14:section>
+        <p14:section name="Liebig" id="{C71A9F2F-C877-4B24-B48E-80922AE39E65}">
+          <p14:sldIdLst>
+            <p14:sldId id="267"/>
+            <p14:sldId id="276"/>
+            <p14:sldId id="277"/>
+            <p14:sldId id="278"/>
+          </p14:sldIdLst>
+        </p14:section>
+        <p14:section name="Midtgaard" id="{DAB6F46B-91D1-4BAF-812C-C84ED5AFCDB0}">
+          <p14:sldIdLst>
+            <p14:sldId id="268"/>
+          </p14:sldIdLst>
+        </p14:section>
+        <p14:section name="Kastner" id="{6D02E88D-8E9A-4B7C-963B-BD7321E70B3F}">
+          <p14:sldIdLst>
+            <p14:sldId id="269"/>
+          </p14:sldIdLst>
+        </p14:section>
+        <p14:section name="Gazzillo" id="{10453073-A4EF-4ADE-853C-283DEABEF1F1}">
+          <p14:sldIdLst>
+            <p14:sldId id="270"/>
+          </p14:sldIdLst>
+        </p14:section>
+        <p14:section name="Bodden" id="{070D9104-EDC0-4526-BC03-B8735222AE51}">
+          <p14:sldIdLst>
+            <p14:sldId id="271"/>
+          </p14:sldIdLst>
+        </p14:section>
+        <p14:section name="Classen" id="{916CAC13-82D1-410D-953F-B73487ED3522}">
+          <p14:sldIdLst>
+            <p14:sldId id="272"/>
+          </p14:sldIdLst>
+        </p14:section>
+        <p14:section name="End" id="{38793B7D-3ECF-42A2-A344-398AF75B35BE}">
+          <p14:sldIdLst>
+            <p14:sldId id="257"/>
+          </p14:sldIdLst>
+        </p14:section>
+      </p14:sectionLst>
+    </p:ext>
+    <p:ext uri="{EFAFB233-063F-42B5-8137-9DF3F51BA10A}">
+      <p15:sldGuideLst xmlns:p15="http://schemas.microsoft.com/office/powerpoint/2012/main"/>
+    </p:ext>
+  </p:extLst>
 </p:presentation>
 </file>
 
@@ -129,6 +210,10 @@
     </p:extLst>
   </p:cmAuthor>
 </p:cmAuthorLst>
+</file>
+
+<file path=ppt/revisionInfo.xml><?xml version="1.0" encoding="utf-8"?>
+<p1510:revInfo xmlns:a="http://schemas.openxmlformats.org/drawingml/2006/main" xmlns:r="http://schemas.openxmlformats.org/officeDocument/2006/relationships" xmlns:p1510="http://schemas.microsoft.com/office/powerpoint/2015/10/main"/>
 </file>
 
 <file path=ppt/notesMasters/notesMaster1.xml><?xml version="1.0" encoding="utf-8"?>
@@ -213,7 +298,7 @@
           <a:p>
             <a:fld id="{8C03D7C4-7A52-42FC-8016-7FE310BAC717}" type="datetimeFigureOut">
               <a:rPr lang="en-CA" smtClean="0"/>
-              <a:t>2018-03-08</a:t>
+              <a:t>2018-03-09</a:t>
             </a:fld>
             <a:endParaRPr lang="en-CA"/>
           </a:p>
@@ -562,29 +647,6 @@
             </a:r>
           </a:p>
           <a:p>
-            <a:pPr marL="0" marR="0" lvl="0" indent="0" algn="l" defTabSz="914400" rtl="0" eaLnBrk="1" fontAlgn="auto" latinLnBrk="0" hangingPunct="1">
-              <a:lnSpc>
-                <a:spcPct val="100000"/>
-              </a:lnSpc>
-              <a:spcBef>
-                <a:spcPts val="0"/>
-              </a:spcBef>
-              <a:spcAft>
-                <a:spcPts val="0"/>
-              </a:spcAft>
-              <a:buClrTx/>
-              <a:buSzTx/>
-              <a:buFontTx/>
-              <a:buNone/>
-              <a:tabLst/>
-              <a:defRPr/>
-            </a:pPr>
-            <a:r>
-              <a:rPr lang="en-CA" dirty="0"/>
-              <a:t>Aspect-Oriented C – generative PL</a:t>
-            </a:r>
-          </a:p>
-          <a:p>
             <a:endParaRPr lang="en-CA" dirty="0"/>
           </a:p>
         </p:txBody>
@@ -606,7 +668,7 @@
           <a:p>
             <a:fld id="{68344B80-E642-4A73-A7E6-33D2A982F192}" type="slidenum">
               <a:rPr lang="en-CA" smtClean="0"/>
-              <a:t>2</a:t>
+              <a:t>6</a:t>
             </a:fld>
             <a:endParaRPr lang="en-CA"/>
           </a:p>
@@ -615,7 +677,7 @@
     </p:spTree>
     <p:extLst>
       <p:ext uri="{BB962C8B-B14F-4D97-AF65-F5344CB8AC3E}">
-        <p14:creationId xmlns:p14="http://schemas.microsoft.com/office/powerpoint/2010/main" val="2562872597"/>
+        <p14:creationId xmlns:p14="http://schemas.microsoft.com/office/powerpoint/2010/main" val="2923637078"/>
       </p:ext>
     </p:extLst>
   </p:cSld>
@@ -727,7 +789,7 @@
           <a:p>
             <a:fld id="{68344B80-E642-4A73-A7E6-33D2A982F192}" type="slidenum">
               <a:rPr lang="en-CA" smtClean="0"/>
-              <a:t>3</a:t>
+              <a:t>7</a:t>
             </a:fld>
             <a:endParaRPr lang="en-CA"/>
           </a:p>
@@ -736,7 +798,7 @@
     </p:spTree>
     <p:extLst>
       <p:ext uri="{BB962C8B-B14F-4D97-AF65-F5344CB8AC3E}">
-        <p14:creationId xmlns:p14="http://schemas.microsoft.com/office/powerpoint/2010/main" val="2923637078"/>
+        <p14:creationId xmlns:p14="http://schemas.microsoft.com/office/powerpoint/2010/main" val="901410135"/>
       </p:ext>
     </p:extLst>
   </p:cSld>
@@ -848,7 +910,7 @@
           <a:p>
             <a:fld id="{68344B80-E642-4A73-A7E6-33D2A982F192}" type="slidenum">
               <a:rPr lang="en-CA" smtClean="0"/>
-              <a:t>4</a:t>
+              <a:t>8</a:t>
             </a:fld>
             <a:endParaRPr lang="en-CA"/>
           </a:p>
@@ -857,7 +919,7 @@
     </p:spTree>
     <p:extLst>
       <p:ext uri="{BB962C8B-B14F-4D97-AF65-F5344CB8AC3E}">
-        <p14:creationId xmlns:p14="http://schemas.microsoft.com/office/powerpoint/2010/main" val="901410135"/>
+        <p14:creationId xmlns:p14="http://schemas.microsoft.com/office/powerpoint/2010/main" val="2169500569"/>
       </p:ext>
     </p:extLst>
   </p:cSld>
@@ -913,42 +975,26 @@
           <a:p>
             <a:r>
               <a:rPr lang="en-CA" dirty="0"/>
-              <a:t>ICSE’13 – Sven </a:t>
-            </a:r>
-            <a:r>
-              <a:rPr lang="en-CA" dirty="0" err="1"/>
-              <a:t>Apel</a:t>
-            </a:r>
+              <a:t>Aspect weaving</a:t>
+            </a:r>
+          </a:p>
+          <a:p>
             <a:r>
               <a:rPr lang="en-CA" dirty="0"/>
-              <a:t> et al. – University of Passau, Germany</a:t>
-            </a:r>
-          </a:p>
-          <a:p>
-            <a:pPr marL="0" marR="0" lvl="0" indent="0" algn="l" defTabSz="914400" rtl="0" eaLnBrk="1" fontAlgn="auto" latinLnBrk="0" hangingPunct="1">
-              <a:lnSpc>
-                <a:spcPct val="100000"/>
-              </a:lnSpc>
-              <a:spcBef>
-                <a:spcPts val="0"/>
-              </a:spcBef>
-              <a:spcAft>
-                <a:spcPts val="0"/>
-              </a:spcAft>
-              <a:buClrTx/>
-              <a:buSzTx/>
-              <a:buFontTx/>
-              <a:buNone/>
-              <a:tabLst/>
-              <a:defRPr/>
-            </a:pPr>
+              <a:t>Boolean variable per feature</a:t>
+            </a:r>
+          </a:p>
+          <a:p>
             <a:r>
               <a:rPr lang="en-CA" dirty="0"/>
-              <a:t>Product-based, Sample-based and Family-based strategies</a:t>
-            </a:r>
-          </a:p>
-          <a:p>
-            <a:endParaRPr lang="en-CA" dirty="0"/>
+              <a:t>Feature model predicate</a:t>
+            </a:r>
+          </a:p>
+          <a:p>
+            <a:r>
+              <a:rPr lang="en-CA" dirty="0"/>
+              <a:t>Incoming dispatch function</a:t>
+            </a:r>
           </a:p>
         </p:txBody>
       </p:sp>
@@ -969,7 +1015,7 @@
           <a:p>
             <a:fld id="{68344B80-E642-4A73-A7E6-33D2A982F192}" type="slidenum">
               <a:rPr lang="en-CA" smtClean="0"/>
-              <a:t>5</a:t>
+              <a:t>9</a:t>
             </a:fld>
             <a:endParaRPr lang="en-CA"/>
           </a:p>
@@ -978,7 +1024,7 @@
     </p:spTree>
     <p:extLst>
       <p:ext uri="{BB962C8B-B14F-4D97-AF65-F5344CB8AC3E}">
-        <p14:creationId xmlns:p14="http://schemas.microsoft.com/office/powerpoint/2010/main" val="2169500569"/>
+        <p14:creationId xmlns:p14="http://schemas.microsoft.com/office/powerpoint/2010/main" val="1770323078"/>
       </p:ext>
     </p:extLst>
   </p:cSld>
@@ -1034,7 +1080,35 @@
           <a:p>
             <a:r>
               <a:rPr lang="en-CA" dirty="0"/>
-              <a:t>Aspect weaving</a:t>
+              <a:t>Evaluation: small systems (LOC, features, specifications and # of products)</a:t>
+            </a:r>
+          </a:p>
+          <a:p>
+            <a:r>
+              <a:rPr lang="en-CA" dirty="0" err="1"/>
+              <a:t>CPAChecker</a:t>
+            </a:r>
+            <a:r>
+              <a:rPr lang="en-CA" dirty="0"/>
+              <a:t> for C code, Java Pathfinder for Java</a:t>
+            </a:r>
+          </a:p>
+          <a:p>
+            <a:r>
+              <a:rPr lang="en-CA" dirty="0"/>
+              <a:t>Product-based is the baseline</a:t>
+            </a:r>
+          </a:p>
+          <a:p>
+            <a:r>
+              <a:rPr lang="en-CA" dirty="0"/>
+              <a:t>Sampling does not find all defects</a:t>
+            </a:r>
+          </a:p>
+          <a:p>
+            <a:r>
+              <a:rPr lang="en-CA" dirty="0"/>
+              <a:t>In some cases family-based outperform sampling</a:t>
             </a:r>
           </a:p>
         </p:txBody>
@@ -1056,7 +1130,7 @@
           <a:p>
             <a:fld id="{68344B80-E642-4A73-A7E6-33D2A982F192}" type="slidenum">
               <a:rPr lang="en-CA" smtClean="0"/>
-              <a:t>6</a:t>
+              <a:t>10</a:t>
             </a:fld>
             <a:endParaRPr lang="en-CA"/>
           </a:p>
@@ -1065,7 +1139,7 @@
     </p:spTree>
     <p:extLst>
       <p:ext uri="{BB962C8B-B14F-4D97-AF65-F5344CB8AC3E}">
-        <p14:creationId xmlns:p14="http://schemas.microsoft.com/office/powerpoint/2010/main" val="2856867515"/>
+        <p14:creationId xmlns:p14="http://schemas.microsoft.com/office/powerpoint/2010/main" val="2189393584"/>
       </p:ext>
     </p:extLst>
   </p:cSld>
@@ -1121,25 +1195,35 @@
           <a:p>
             <a:r>
               <a:rPr lang="en-CA" dirty="0"/>
-              <a:t>Aspect weaving</a:t>
-            </a:r>
-          </a:p>
-          <a:p>
+              <a:t>Evaluation: small systems (LOC, features, specifications and # of products)</a:t>
+            </a:r>
+          </a:p>
+          <a:p>
+            <a:r>
+              <a:rPr lang="en-CA" dirty="0" err="1"/>
+              <a:t>CPAChecker</a:t>
+            </a:r>
             <a:r>
               <a:rPr lang="en-CA" dirty="0"/>
-              <a:t>Boolean variable per feature</a:t>
+              <a:t> for C code, Java Pathfinder for Java</a:t>
             </a:r>
           </a:p>
           <a:p>
             <a:r>
               <a:rPr lang="en-CA" dirty="0"/>
-              <a:t>Feature model predicate</a:t>
+              <a:t>Product-based is the baseline</a:t>
             </a:r>
           </a:p>
           <a:p>
             <a:r>
               <a:rPr lang="en-CA" dirty="0"/>
-              <a:t>Incoming dispatch function</a:t>
+              <a:t>Sampling does not find all defects</a:t>
+            </a:r>
+          </a:p>
+          <a:p>
+            <a:r>
+              <a:rPr lang="en-CA" dirty="0"/>
+              <a:t>In some cases family-based outperform sampling</a:t>
             </a:r>
           </a:p>
         </p:txBody>
@@ -1161,237 +1245,7 @@
           <a:p>
             <a:fld id="{68344B80-E642-4A73-A7E6-33D2A982F192}" type="slidenum">
               <a:rPr lang="en-CA" smtClean="0"/>
-              <a:t>7</a:t>
-            </a:fld>
-            <a:endParaRPr lang="en-CA"/>
-          </a:p>
-        </p:txBody>
-      </p:sp>
-    </p:spTree>
-    <p:extLst>
-      <p:ext uri="{BB962C8B-B14F-4D97-AF65-F5344CB8AC3E}">
-        <p14:creationId xmlns:p14="http://schemas.microsoft.com/office/powerpoint/2010/main" val="1770323078"/>
-      </p:ext>
-    </p:extLst>
-  </p:cSld>
-  <p:clrMapOvr>
-    <a:masterClrMapping/>
-  </p:clrMapOvr>
-</p:notes>
-</file>
-
-<file path=ppt/notesSlides/notesSlide7.xml><?xml version="1.0" encoding="utf-8"?>
-<p:notes xmlns:a="http://schemas.openxmlformats.org/drawingml/2006/main" xmlns:r="http://schemas.openxmlformats.org/officeDocument/2006/relationships" xmlns:p="http://schemas.openxmlformats.org/presentationml/2006/main">
-  <p:cSld>
-    <p:spTree>
-      <p:nvGrpSpPr>
-        <p:cNvPr id="1" name=""/>
-        <p:cNvGrpSpPr/>
-        <p:nvPr/>
-      </p:nvGrpSpPr>
-      <p:grpSpPr>
-        <a:xfrm>
-          <a:off x="0" y="0"/>
-          <a:ext cx="0" cy="0"/>
-          <a:chOff x="0" y="0"/>
-          <a:chExt cx="0" cy="0"/>
-        </a:xfrm>
-      </p:grpSpPr>
-      <p:sp>
-        <p:nvSpPr>
-          <p:cNvPr id="2" name="Slide Image Placeholder 1"/>
-          <p:cNvSpPr>
-            <a:spLocks noGrp="1" noRot="1" noChangeAspect="1"/>
-          </p:cNvSpPr>
-          <p:nvPr>
-            <p:ph type="sldImg"/>
-          </p:nvPr>
-        </p:nvSpPr>
-        <p:spPr/>
-      </p:sp>
-      <p:sp>
-        <p:nvSpPr>
-          <p:cNvPr id="3" name="Notes Placeholder 2"/>
-          <p:cNvSpPr>
-            <a:spLocks noGrp="1"/>
-          </p:cNvSpPr>
-          <p:nvPr>
-            <p:ph type="body" idx="1"/>
-          </p:nvPr>
-        </p:nvSpPr>
-        <p:spPr/>
-        <p:txBody>
-          <a:bodyPr/>
-          <a:lstStyle/>
-          <a:p>
-            <a:r>
-              <a:rPr lang="en-CA" dirty="0"/>
-              <a:t>Evaluation: small systems (LOC, features, specifications and # of products)</a:t>
-            </a:r>
-          </a:p>
-          <a:p>
-            <a:r>
-              <a:rPr lang="en-CA" dirty="0" err="1"/>
-              <a:t>CPAChecker</a:t>
-            </a:r>
-            <a:r>
-              <a:rPr lang="en-CA" dirty="0"/>
-              <a:t> for C code, Java Pathfinder for Java</a:t>
-            </a:r>
-          </a:p>
-          <a:p>
-            <a:r>
-              <a:rPr lang="en-CA" dirty="0"/>
-              <a:t>Product-based is the baseline</a:t>
-            </a:r>
-          </a:p>
-          <a:p>
-            <a:r>
-              <a:rPr lang="en-CA" dirty="0"/>
-              <a:t>Sampling does not find all defects</a:t>
-            </a:r>
-          </a:p>
-          <a:p>
-            <a:r>
-              <a:rPr lang="en-CA" dirty="0"/>
-              <a:t>In some cases family-based outperform sampling</a:t>
-            </a:r>
-          </a:p>
-        </p:txBody>
-      </p:sp>
-      <p:sp>
-        <p:nvSpPr>
-          <p:cNvPr id="4" name="Slide Number Placeholder 3"/>
-          <p:cNvSpPr>
-            <a:spLocks noGrp="1"/>
-          </p:cNvSpPr>
-          <p:nvPr>
-            <p:ph type="sldNum" sz="quarter" idx="10"/>
-          </p:nvPr>
-        </p:nvSpPr>
-        <p:spPr/>
-        <p:txBody>
-          <a:bodyPr/>
-          <a:lstStyle/>
-          <a:p>
-            <a:fld id="{68344B80-E642-4A73-A7E6-33D2A982F192}" type="slidenum">
-              <a:rPr lang="en-CA" smtClean="0"/>
-              <a:t>8</a:t>
-            </a:fld>
-            <a:endParaRPr lang="en-CA"/>
-          </a:p>
-        </p:txBody>
-      </p:sp>
-    </p:spTree>
-    <p:extLst>
-      <p:ext uri="{BB962C8B-B14F-4D97-AF65-F5344CB8AC3E}">
-        <p14:creationId xmlns:p14="http://schemas.microsoft.com/office/powerpoint/2010/main" val="2189393584"/>
-      </p:ext>
-    </p:extLst>
-  </p:cSld>
-  <p:clrMapOvr>
-    <a:masterClrMapping/>
-  </p:clrMapOvr>
-</p:notes>
-</file>
-
-<file path=ppt/notesSlides/notesSlide8.xml><?xml version="1.0" encoding="utf-8"?>
-<p:notes xmlns:a="http://schemas.openxmlformats.org/drawingml/2006/main" xmlns:r="http://schemas.openxmlformats.org/officeDocument/2006/relationships" xmlns:p="http://schemas.openxmlformats.org/presentationml/2006/main">
-  <p:cSld>
-    <p:spTree>
-      <p:nvGrpSpPr>
-        <p:cNvPr id="1" name=""/>
-        <p:cNvGrpSpPr/>
-        <p:nvPr/>
-      </p:nvGrpSpPr>
-      <p:grpSpPr>
-        <a:xfrm>
-          <a:off x="0" y="0"/>
-          <a:ext cx="0" cy="0"/>
-          <a:chOff x="0" y="0"/>
-          <a:chExt cx="0" cy="0"/>
-        </a:xfrm>
-      </p:grpSpPr>
-      <p:sp>
-        <p:nvSpPr>
-          <p:cNvPr id="2" name="Slide Image Placeholder 1"/>
-          <p:cNvSpPr>
-            <a:spLocks noGrp="1" noRot="1" noChangeAspect="1"/>
-          </p:cNvSpPr>
-          <p:nvPr>
-            <p:ph type="sldImg"/>
-          </p:nvPr>
-        </p:nvSpPr>
-        <p:spPr/>
-      </p:sp>
-      <p:sp>
-        <p:nvSpPr>
-          <p:cNvPr id="3" name="Notes Placeholder 2"/>
-          <p:cNvSpPr>
-            <a:spLocks noGrp="1"/>
-          </p:cNvSpPr>
-          <p:nvPr>
-            <p:ph type="body" idx="1"/>
-          </p:nvPr>
-        </p:nvSpPr>
-        <p:spPr/>
-        <p:txBody>
-          <a:bodyPr/>
-          <a:lstStyle/>
-          <a:p>
-            <a:r>
-              <a:rPr lang="en-CA" dirty="0"/>
-              <a:t>Evaluation: small systems (LOC, features, specifications and # of products)</a:t>
-            </a:r>
-          </a:p>
-          <a:p>
-            <a:r>
-              <a:rPr lang="en-CA" dirty="0" err="1"/>
-              <a:t>CPAChecker</a:t>
-            </a:r>
-            <a:r>
-              <a:rPr lang="en-CA" dirty="0"/>
-              <a:t> for C code, Java Pathfinder for Java</a:t>
-            </a:r>
-          </a:p>
-          <a:p>
-            <a:r>
-              <a:rPr lang="en-CA" dirty="0"/>
-              <a:t>Product-based is the baseline</a:t>
-            </a:r>
-          </a:p>
-          <a:p>
-            <a:r>
-              <a:rPr lang="en-CA" dirty="0"/>
-              <a:t>Sampling does not find all defects</a:t>
-            </a:r>
-          </a:p>
-          <a:p>
-            <a:r>
-              <a:rPr lang="en-CA" dirty="0"/>
-              <a:t>In some cases family-based outperform sampling</a:t>
-            </a:r>
-          </a:p>
-        </p:txBody>
-      </p:sp>
-      <p:sp>
-        <p:nvSpPr>
-          <p:cNvPr id="4" name="Slide Number Placeholder 3"/>
-          <p:cNvSpPr>
-            <a:spLocks noGrp="1"/>
-          </p:cNvSpPr>
-          <p:nvPr>
-            <p:ph type="sldNum" sz="quarter" idx="10"/>
-          </p:nvPr>
-        </p:nvSpPr>
-        <p:spPr/>
-        <p:txBody>
-          <a:bodyPr/>
-          <a:lstStyle/>
-          <a:p>
-            <a:fld id="{68344B80-E642-4A73-A7E6-33D2A982F192}" type="slidenum">
-              <a:rPr lang="en-CA" smtClean="0"/>
-              <a:t>9</a:t>
+              <a:t>11</a:t>
             </a:fld>
             <a:endParaRPr lang="en-CA"/>
           </a:p>
@@ -1559,7 +1413,7 @@
           <a:p>
             <a:fld id="{0D8164AF-4D6E-44F5-BD76-2201DA7E5EEB}" type="datetime1">
               <a:rPr lang="en-CA" smtClean="0"/>
-              <a:t>2018-03-08</a:t>
+              <a:t>2018-03-09</a:t>
             </a:fld>
             <a:endParaRPr lang="en-CA"/>
           </a:p>
@@ -1759,7 +1613,7 @@
           <a:p>
             <a:fld id="{72790011-C1A1-486D-B78E-337B9DFCB209}" type="datetime1">
               <a:rPr lang="en-CA" smtClean="0"/>
-              <a:t>2018-03-08</a:t>
+              <a:t>2018-03-09</a:t>
             </a:fld>
             <a:endParaRPr lang="en-CA"/>
           </a:p>
@@ -1969,7 +1823,7 @@
           <a:p>
             <a:fld id="{F0BCAC19-6C06-4A84-A370-4611122BFAC8}" type="datetime1">
               <a:rPr lang="en-CA" smtClean="0"/>
-              <a:t>2018-03-08</a:t>
+              <a:t>2018-03-09</a:t>
             </a:fld>
             <a:endParaRPr lang="en-CA"/>
           </a:p>
@@ -2169,7 +2023,7 @@
           <a:p>
             <a:fld id="{15242769-1B03-4902-B004-C81C3B9C524F}" type="datetime1">
               <a:rPr lang="en-CA" smtClean="0"/>
-              <a:t>2018-03-08</a:t>
+              <a:t>2018-03-09</a:t>
             </a:fld>
             <a:endParaRPr lang="en-CA"/>
           </a:p>
@@ -2445,7 +2299,7 @@
           <a:p>
             <a:fld id="{872E92BD-416A-495B-995E-52562A77CC89}" type="datetime1">
               <a:rPr lang="en-CA" smtClean="0"/>
-              <a:t>2018-03-08</a:t>
+              <a:t>2018-03-09</a:t>
             </a:fld>
             <a:endParaRPr lang="en-CA"/>
           </a:p>
@@ -2713,7 +2567,7 @@
           <a:p>
             <a:fld id="{686CF6FE-2995-4B6A-B630-106EB88B23DE}" type="datetime1">
               <a:rPr lang="en-CA" smtClean="0"/>
-              <a:t>2018-03-08</a:t>
+              <a:t>2018-03-09</a:t>
             </a:fld>
             <a:endParaRPr lang="en-CA"/>
           </a:p>
@@ -3128,7 +2982,7 @@
           <a:p>
             <a:fld id="{43C866A1-9F23-4BF5-AC4B-6CBFEFD71256}" type="datetime1">
               <a:rPr lang="en-CA" smtClean="0"/>
-              <a:t>2018-03-08</a:t>
+              <a:t>2018-03-09</a:t>
             </a:fld>
             <a:endParaRPr lang="en-CA"/>
           </a:p>
@@ -3270,7 +3124,7 @@
           <a:p>
             <a:fld id="{FA2A8ABA-0ADC-4BE0-8DE1-D95DE0C6D8CE}" type="datetime1">
               <a:rPr lang="en-CA" smtClean="0"/>
-              <a:t>2018-03-08</a:t>
+              <a:t>2018-03-09</a:t>
             </a:fld>
             <a:endParaRPr lang="en-CA"/>
           </a:p>
@@ -3383,7 +3237,7 @@
           <a:p>
             <a:fld id="{17D64B02-917B-4733-B192-3EA13C0C4867}" type="datetime1">
               <a:rPr lang="en-CA" smtClean="0"/>
-              <a:t>2018-03-08</a:t>
+              <a:t>2018-03-09</a:t>
             </a:fld>
             <a:endParaRPr lang="en-CA"/>
           </a:p>
@@ -3696,7 +3550,7 @@
           <a:p>
             <a:fld id="{04695811-CF1E-4F04-8316-376A4A54930A}" type="datetime1">
               <a:rPr lang="en-CA" smtClean="0"/>
-              <a:t>2018-03-08</a:t>
+              <a:t>2018-03-09</a:t>
             </a:fld>
             <a:endParaRPr lang="en-CA"/>
           </a:p>
@@ -3985,7 +3839,7 @@
           <a:p>
             <a:fld id="{48ED49EA-9ABA-42F9-B053-4574F3B4D395}" type="datetime1">
               <a:rPr lang="en-CA" smtClean="0"/>
-              <a:t>2018-03-08</a:t>
+              <a:t>2018-03-09</a:t>
             </a:fld>
             <a:endParaRPr lang="en-CA"/>
           </a:p>
@@ -4228,7 +4082,7 @@
           <a:p>
             <a:fld id="{7B7D7F22-E276-4523-AFBF-075FECA3C2DF}" type="datetime1">
               <a:rPr lang="en-CA" smtClean="0"/>
-              <a:t>2018-03-08</a:t>
+              <a:t>2018-03-09</a:t>
             </a:fld>
             <a:endParaRPr lang="en-CA"/>
           </a:p>
@@ -4703,7 +4557,7 @@
           <a:p>
             <a:r>
               <a:rPr lang="en-CA" dirty="0"/>
-              <a:t>March 19</a:t>
+              <a:t>Qualifying Oral - March 19</a:t>
             </a:r>
             <a:r>
               <a:rPr lang="en-CA" baseline="30000" dirty="0"/>
@@ -4780,7 +4634,7 @@
           <p:cNvPr id="2" name="Title 1">
             <a:extLst>
               <a:ext uri="{FF2B5EF4-FFF2-40B4-BE49-F238E27FC236}">
-                <a16:creationId xmlns:a16="http://schemas.microsoft.com/office/drawing/2014/main" id="{2594B07B-B15E-40A4-BB85-9A4FADE5BC36}"/>
+                <a16:creationId xmlns:a16="http://schemas.microsoft.com/office/drawing/2014/main" id="{EE8E102B-5563-4DF4-BBFB-7A521914ED54}"/>
               </a:ext>
             </a:extLst>
           </p:cNvPr>
@@ -4798,306 +4652,7 @@
           <a:p>
             <a:r>
               <a:rPr lang="en-CA" dirty="0"/>
-              <a:t>References</a:t>
-            </a:r>
-          </a:p>
-        </p:txBody>
-      </p:sp>
-      <p:sp>
-        <p:nvSpPr>
-          <p:cNvPr id="3" name="Content Placeholder 2">
-            <a:extLst>
-              <a:ext uri="{FF2B5EF4-FFF2-40B4-BE49-F238E27FC236}">
-                <a16:creationId xmlns:a16="http://schemas.microsoft.com/office/drawing/2014/main" id="{79B4D4DC-69D3-4645-A577-1F73D4010B19}"/>
-              </a:ext>
-            </a:extLst>
-          </p:cNvPr>
-          <p:cNvSpPr>
-            <a:spLocks noGrp="1"/>
-          </p:cNvSpPr>
-          <p:nvPr>
-            <p:ph idx="1"/>
-          </p:nvPr>
-        </p:nvSpPr>
-        <p:spPr/>
-        <p:txBody>
-          <a:bodyPr>
-            <a:noAutofit/>
-          </a:bodyPr>
-          <a:lstStyle/>
-          <a:p>
-            <a:pPr marL="0" indent="0">
-              <a:buNone/>
-            </a:pPr>
-            <a:r>
-              <a:rPr lang="de-DE" sz="1600" dirty="0"/>
-              <a:t>[1] S. Apel, A. v. Rhein, P. Wendler, A. Gröÿlinger, and D. Beyer. Strategies for Product-Line </a:t>
-            </a:r>
-            <a:r>
-              <a:rPr lang="en-CA" sz="1600" dirty="0"/>
-              <a:t>Verification: Case Studies and Experiments. In Proceedings of the 2013 International Conference on Software Engineering, ICSE '13, pages 482491, Piscataway, NJ, USA, 2013. IEEE Press.</a:t>
-            </a:r>
-          </a:p>
-          <a:p>
-            <a:pPr marL="0" indent="0">
-              <a:buNone/>
-            </a:pPr>
-            <a:r>
-              <a:rPr lang="en-CA" sz="1600" dirty="0"/>
-              <a:t>[2] J. Liebig, A. von Rhein, C. </a:t>
-            </a:r>
-            <a:r>
-              <a:rPr lang="en-CA" sz="1600" dirty="0" err="1"/>
-              <a:t>Kästner</a:t>
-            </a:r>
-            <a:r>
-              <a:rPr lang="en-CA" sz="1600" dirty="0"/>
-              <a:t>, S. </a:t>
-            </a:r>
-            <a:r>
-              <a:rPr lang="en-CA" sz="1600" dirty="0" err="1"/>
-              <a:t>Apel</a:t>
-            </a:r>
-            <a:r>
-              <a:rPr lang="en-CA" sz="1600" dirty="0"/>
-              <a:t>, J. </a:t>
-            </a:r>
-            <a:r>
-              <a:rPr lang="en-CA" sz="1600" dirty="0" err="1"/>
-              <a:t>Dörre</a:t>
-            </a:r>
-            <a:r>
-              <a:rPr lang="en-CA" sz="1600" dirty="0"/>
-              <a:t>, and C. </a:t>
-            </a:r>
-            <a:r>
-              <a:rPr lang="en-CA" sz="1600" dirty="0" err="1"/>
-              <a:t>Lengauer</a:t>
-            </a:r>
-            <a:r>
-              <a:rPr lang="en-CA" sz="1600" dirty="0"/>
-              <a:t>. Scalable Analysis of Variable Software. In Proceedings of the 2013 9th Joint Meeting on Foundations of Software Engineering, ESEC/FSE 2013, pages 8191, New York, NY, USA, 2013. ACM.</a:t>
-            </a:r>
-          </a:p>
-          <a:p>
-            <a:pPr marL="0" indent="0">
-              <a:buNone/>
-            </a:pPr>
-            <a:r>
-              <a:rPr lang="en-CA" sz="1600" dirty="0"/>
-              <a:t>[3] J. </a:t>
-            </a:r>
-            <a:r>
-              <a:rPr lang="en-CA" sz="1600" dirty="0" err="1"/>
-              <a:t>Midtgaard</a:t>
-            </a:r>
-            <a:r>
-              <a:rPr lang="en-CA" sz="1600" dirty="0"/>
-              <a:t>, A. S. </a:t>
-            </a:r>
-            <a:r>
-              <a:rPr lang="en-CA" sz="1600" dirty="0" err="1"/>
-              <a:t>Dimovski</a:t>
-            </a:r>
-            <a:r>
-              <a:rPr lang="en-CA" sz="1600" dirty="0"/>
-              <a:t>, C. </a:t>
-            </a:r>
-            <a:r>
-              <a:rPr lang="en-CA" sz="1600" dirty="0" err="1"/>
-              <a:t>Brabrand</a:t>
-            </a:r>
-            <a:r>
-              <a:rPr lang="en-CA" sz="1600" dirty="0"/>
-              <a:t>, and A. </a:t>
-            </a:r>
-            <a:r>
-              <a:rPr lang="en-CA" sz="1600" dirty="0" err="1"/>
-              <a:t>W¡sowski</a:t>
-            </a:r>
-            <a:r>
-              <a:rPr lang="en-CA" sz="1600" dirty="0"/>
-              <a:t>. Systematic derivation of correct variability-aware program analyses. Sci. </a:t>
-            </a:r>
-            <a:r>
-              <a:rPr lang="en-CA" sz="1600" dirty="0" err="1"/>
-              <a:t>Comput</a:t>
-            </a:r>
-            <a:r>
-              <a:rPr lang="en-CA" sz="1600" dirty="0"/>
-              <a:t>. Program., 105(C):145170, July 2015.</a:t>
-            </a:r>
-          </a:p>
-          <a:p>
-            <a:pPr marL="0" indent="0">
-              <a:buNone/>
-            </a:pPr>
-            <a:r>
-              <a:rPr lang="en-CA" sz="1600" dirty="0"/>
-              <a:t>[4] C. </a:t>
-            </a:r>
-            <a:r>
-              <a:rPr lang="en-CA" sz="1600" dirty="0" err="1"/>
-              <a:t>Kästner</a:t>
-            </a:r>
-            <a:r>
-              <a:rPr lang="en-CA" sz="1600" dirty="0"/>
-              <a:t>, S. </a:t>
-            </a:r>
-            <a:r>
-              <a:rPr lang="en-CA" sz="1600" dirty="0" err="1"/>
-              <a:t>Apel</a:t>
-            </a:r>
-            <a:r>
-              <a:rPr lang="en-CA" sz="1600" dirty="0"/>
-              <a:t>, T. </a:t>
-            </a:r>
-            <a:r>
-              <a:rPr lang="en-CA" sz="1600" dirty="0" err="1"/>
-              <a:t>Thüm</a:t>
-            </a:r>
-            <a:r>
-              <a:rPr lang="en-CA" sz="1600" dirty="0"/>
-              <a:t>, and G. </a:t>
-            </a:r>
-            <a:r>
-              <a:rPr lang="en-CA" sz="1600" dirty="0" err="1"/>
-              <a:t>Saake</a:t>
-            </a:r>
-            <a:r>
-              <a:rPr lang="en-CA" sz="1600" dirty="0"/>
-              <a:t>. Type Checking Annotation-Based Product Lines. ACM Trans. </a:t>
-            </a:r>
-            <a:r>
-              <a:rPr lang="en-CA" sz="1600" dirty="0" err="1"/>
-              <a:t>Softw</a:t>
-            </a:r>
-            <a:r>
-              <a:rPr lang="en-CA" sz="1600" dirty="0"/>
-              <a:t>. Eng. </a:t>
-            </a:r>
-            <a:r>
-              <a:rPr lang="en-CA" sz="1600" dirty="0" err="1"/>
-              <a:t>Methodol</a:t>
-            </a:r>
-            <a:r>
-              <a:rPr lang="en-CA" sz="1600" dirty="0"/>
-              <a:t>., 21(3):14:114:39, July 2012.</a:t>
-            </a:r>
-          </a:p>
-          <a:p>
-            <a:pPr marL="0" indent="0">
-              <a:buNone/>
-            </a:pPr>
-            <a:r>
-              <a:rPr lang="en-CA" sz="1600" dirty="0"/>
-              <a:t>[5] P. </a:t>
-            </a:r>
-            <a:r>
-              <a:rPr lang="en-CA" sz="1600" dirty="0" err="1"/>
-              <a:t>Gazzillo</a:t>
-            </a:r>
-            <a:r>
-              <a:rPr lang="en-CA" sz="1600" dirty="0"/>
-              <a:t> and R. Grimm. </a:t>
-            </a:r>
-            <a:r>
-              <a:rPr lang="en-CA" sz="1600" dirty="0" err="1"/>
-              <a:t>SuperC</a:t>
-            </a:r>
-            <a:r>
-              <a:rPr lang="en-CA" sz="1600" dirty="0"/>
-              <a:t>: Parsing All of C by Taming the Preprocessor. In Proceedings of the 33rd ACM SIGPLAN Conference on Programming Language Design and Implementation, PLDI '12, pages 323334, New York, NY, USA, 2012. ACM.</a:t>
-            </a:r>
-          </a:p>
-          <a:p>
-            <a:pPr marL="0" indent="0">
-              <a:buNone/>
-            </a:pPr>
-            <a:r>
-              <a:rPr lang="en-CA" sz="1600" dirty="0"/>
-              <a:t>[6] E. </a:t>
-            </a:r>
-            <a:r>
-              <a:rPr lang="en-CA" sz="1600" dirty="0" err="1"/>
-              <a:t>Bodden</a:t>
-            </a:r>
-            <a:r>
-              <a:rPr lang="en-CA" sz="1600" dirty="0"/>
-              <a:t>, T. </a:t>
-            </a:r>
-            <a:r>
-              <a:rPr lang="en-CA" sz="1600" dirty="0" err="1"/>
-              <a:t>Tolêdo</a:t>
-            </a:r>
-            <a:r>
-              <a:rPr lang="en-CA" sz="1600" dirty="0"/>
-              <a:t>, M. Ribeiro, C. </a:t>
-            </a:r>
-            <a:r>
-              <a:rPr lang="en-CA" sz="1600" dirty="0" err="1"/>
-              <a:t>Brabrand</a:t>
-            </a:r>
-            <a:r>
-              <a:rPr lang="en-CA" sz="1600" dirty="0"/>
-              <a:t>, P. </a:t>
-            </a:r>
-            <a:r>
-              <a:rPr lang="en-CA" sz="1600" dirty="0" err="1"/>
-              <a:t>Borba</a:t>
-            </a:r>
-            <a:r>
-              <a:rPr lang="en-CA" sz="1600" dirty="0"/>
-              <a:t>, and M. </a:t>
-            </a:r>
-            <a:r>
-              <a:rPr lang="en-CA" sz="1600" dirty="0" err="1"/>
-              <a:t>Mezini</a:t>
-            </a:r>
-            <a:r>
-              <a:rPr lang="en-CA" sz="1600" dirty="0"/>
-              <a:t>. SPLLIFT: Statically Analyzing Software Product Lines in Minutes Instead of Years. In Proceedings of the 34th ACM SIGPLAN Conference on Programming Language Design and Implementation, PLDI '13, pages 355364, New York, NY, USA, 2013. ACM.</a:t>
-            </a:r>
-          </a:p>
-          <a:p>
-            <a:pPr marL="0" indent="0">
-              <a:buNone/>
-            </a:pPr>
-            <a:r>
-              <a:rPr lang="en-CA" sz="1600" dirty="0"/>
-              <a:t>[7] A. Classen, M. Cordy, P.-Y. </a:t>
-            </a:r>
-            <a:r>
-              <a:rPr lang="en-CA" sz="1600" dirty="0" err="1"/>
-              <a:t>Schobbens</a:t>
-            </a:r>
-            <a:r>
-              <a:rPr lang="en-CA" sz="1600" dirty="0"/>
-              <a:t>, P. Heymans, A. </a:t>
-            </a:r>
-            <a:r>
-              <a:rPr lang="en-CA" sz="1600" dirty="0" err="1"/>
-              <a:t>Legay</a:t>
-            </a:r>
-            <a:r>
-              <a:rPr lang="en-CA" sz="1600" dirty="0"/>
-              <a:t>, and J.-F. </a:t>
-            </a:r>
-            <a:r>
-              <a:rPr lang="en-CA" sz="1600" dirty="0" err="1"/>
-              <a:t>Raskin</a:t>
-            </a:r>
-            <a:r>
-              <a:rPr lang="en-CA" sz="1600" dirty="0"/>
-              <a:t>. Featured Transition Systems: Foundations for Verifying Variability-Intensive Systems and Their Application to LTL Model Checking. IEEE Trans. </a:t>
-            </a:r>
-            <a:r>
-              <a:rPr lang="en-CA" sz="1600" dirty="0" err="1"/>
-              <a:t>Softw</a:t>
-            </a:r>
-            <a:r>
-              <a:rPr lang="en-CA" sz="1600" dirty="0"/>
-              <a:t>. Eng., 39(8):1069-1089, Aug. 2013.</a:t>
+              <a:t>Strategies for Product-Line Verification[1]</a:t>
             </a:r>
           </a:p>
         </p:txBody>
@@ -5107,7 +4662,7 @@
           <p:cNvPr id="4" name="Slide Number Placeholder 3">
             <a:extLst>
               <a:ext uri="{FF2B5EF4-FFF2-40B4-BE49-F238E27FC236}">
-                <a16:creationId xmlns:a16="http://schemas.microsoft.com/office/drawing/2014/main" id="{C1398308-53A6-43EE-8842-DF0E98CE8647}"/>
+                <a16:creationId xmlns:a16="http://schemas.microsoft.com/office/drawing/2014/main" id="{D4273263-61CE-4A3F-8D40-80FB18AAA55D}"/>
               </a:ext>
             </a:extLst>
           </p:cNvPr>
@@ -5131,10 +4686,2889 @@
           </a:p>
         </p:txBody>
       </p:sp>
+      <p:pic>
+        <p:nvPicPr>
+          <p:cNvPr id="8" name="Picture 7">
+            <a:extLst>
+              <a:ext uri="{FF2B5EF4-FFF2-40B4-BE49-F238E27FC236}">
+                <a16:creationId xmlns:a16="http://schemas.microsoft.com/office/drawing/2014/main" id="{C4CA2672-C033-4377-AD3B-5F634FACA2B2}"/>
+              </a:ext>
+            </a:extLst>
+          </p:cNvPr>
+          <p:cNvPicPr>
+            <a:picLocks noChangeAspect="1"/>
+          </p:cNvPicPr>
+          <p:nvPr/>
+        </p:nvPicPr>
+        <p:blipFill>
+          <a:blip r:embed="rId3"/>
+          <a:stretch>
+            <a:fillRect/>
+          </a:stretch>
+        </p:blipFill>
+        <p:spPr>
+          <a:xfrm>
+            <a:off x="409477" y="2316034"/>
+            <a:ext cx="4386457" cy="2387232"/>
+          </a:xfrm>
+          <a:prstGeom prst="rect">
+            <a:avLst/>
+          </a:prstGeom>
+        </p:spPr>
+      </p:pic>
+      <p:pic>
+        <p:nvPicPr>
+          <p:cNvPr id="9" name="Picture 8">
+            <a:extLst>
+              <a:ext uri="{FF2B5EF4-FFF2-40B4-BE49-F238E27FC236}">
+                <a16:creationId xmlns:a16="http://schemas.microsoft.com/office/drawing/2014/main" id="{506DC69E-0EB3-45FD-AF38-89A2DCF835D2}"/>
+              </a:ext>
+            </a:extLst>
+          </p:cNvPr>
+          <p:cNvPicPr>
+            <a:picLocks noChangeAspect="1"/>
+          </p:cNvPicPr>
+          <p:nvPr/>
+        </p:nvPicPr>
+        <p:blipFill>
+          <a:blip r:embed="rId4"/>
+          <a:stretch>
+            <a:fillRect/>
+          </a:stretch>
+        </p:blipFill>
+        <p:spPr>
+          <a:xfrm>
+            <a:off x="5277705" y="2316034"/>
+            <a:ext cx="6665789" cy="2836506"/>
+          </a:xfrm>
+          <a:prstGeom prst="rect">
+            <a:avLst/>
+          </a:prstGeom>
+        </p:spPr>
+      </p:pic>
     </p:spTree>
     <p:extLst>
       <p:ext uri="{BB962C8B-B14F-4D97-AF65-F5344CB8AC3E}">
-        <p14:creationId xmlns:p14="http://schemas.microsoft.com/office/powerpoint/2010/main" val="1307154188"/>
+        <p14:creationId xmlns:p14="http://schemas.microsoft.com/office/powerpoint/2010/main" val="1938303144"/>
+      </p:ext>
+    </p:extLst>
+  </p:cSld>
+  <p:clrMapOvr>
+    <a:masterClrMapping/>
+  </p:clrMapOvr>
+</p:sld>
+</file>
+
+<file path=ppt/slides/slide11.xml><?xml version="1.0" encoding="utf-8"?>
+<p:sld xmlns:a="http://schemas.openxmlformats.org/drawingml/2006/main" xmlns:r="http://schemas.openxmlformats.org/officeDocument/2006/relationships" xmlns:p="http://schemas.openxmlformats.org/presentationml/2006/main">
+  <p:cSld>
+    <p:spTree>
+      <p:nvGrpSpPr>
+        <p:cNvPr id="1" name=""/>
+        <p:cNvGrpSpPr/>
+        <p:nvPr/>
+      </p:nvGrpSpPr>
+      <p:grpSpPr>
+        <a:xfrm>
+          <a:off x="0" y="0"/>
+          <a:ext cx="0" cy="0"/>
+          <a:chOff x="0" y="0"/>
+          <a:chExt cx="0" cy="0"/>
+        </a:xfrm>
+      </p:grpSpPr>
+      <p:sp>
+        <p:nvSpPr>
+          <p:cNvPr id="2" name="Title 1">
+            <a:extLst>
+              <a:ext uri="{FF2B5EF4-FFF2-40B4-BE49-F238E27FC236}">
+                <a16:creationId xmlns:a16="http://schemas.microsoft.com/office/drawing/2014/main" id="{EE8E102B-5563-4DF4-BBFB-7A521914ED54}"/>
+              </a:ext>
+            </a:extLst>
+          </p:cNvPr>
+          <p:cNvSpPr>
+            <a:spLocks noGrp="1"/>
+          </p:cNvSpPr>
+          <p:nvPr>
+            <p:ph type="title"/>
+          </p:nvPr>
+        </p:nvSpPr>
+        <p:spPr/>
+        <p:txBody>
+          <a:bodyPr/>
+          <a:lstStyle/>
+          <a:p>
+            <a:r>
+              <a:rPr lang="en-CA" dirty="0"/>
+              <a:t>Strategies for Product-Line Verification[1]</a:t>
+            </a:r>
+          </a:p>
+        </p:txBody>
+      </p:sp>
+      <p:sp>
+        <p:nvSpPr>
+          <p:cNvPr id="4" name="Slide Number Placeholder 3">
+            <a:extLst>
+              <a:ext uri="{FF2B5EF4-FFF2-40B4-BE49-F238E27FC236}">
+                <a16:creationId xmlns:a16="http://schemas.microsoft.com/office/drawing/2014/main" id="{D4273263-61CE-4A3F-8D40-80FB18AAA55D}"/>
+              </a:ext>
+            </a:extLst>
+          </p:cNvPr>
+          <p:cNvSpPr>
+            <a:spLocks noGrp="1"/>
+          </p:cNvSpPr>
+          <p:nvPr>
+            <p:ph type="sldNum" sz="quarter" idx="12"/>
+          </p:nvPr>
+        </p:nvSpPr>
+        <p:spPr/>
+        <p:txBody>
+          <a:bodyPr/>
+          <a:lstStyle/>
+          <a:p>
+            <a:fld id="{89456DF9-7ABE-4DA3-87DA-B2AEED84E1A6}" type="slidenum">
+              <a:rPr lang="en-CA" smtClean="0"/>
+              <a:t>11</a:t>
+            </a:fld>
+            <a:endParaRPr lang="en-CA"/>
+          </a:p>
+        </p:txBody>
+      </p:sp>
+      <p:sp>
+        <p:nvSpPr>
+          <p:cNvPr id="3" name="TextBox 2">
+            <a:extLst>
+              <a:ext uri="{FF2B5EF4-FFF2-40B4-BE49-F238E27FC236}">
+                <a16:creationId xmlns:a16="http://schemas.microsoft.com/office/drawing/2014/main" id="{D1F45AEB-782B-4CC8-92B4-B4E69F14D6AF}"/>
+              </a:ext>
+            </a:extLst>
+          </p:cNvPr>
+          <p:cNvSpPr txBox="1"/>
+          <p:nvPr/>
+        </p:nvSpPr>
+        <p:spPr>
+          <a:xfrm>
+            <a:off x="838200" y="1926454"/>
+            <a:ext cx="10515600" cy="4524315"/>
+          </a:xfrm>
+          <a:prstGeom prst="rect">
+            <a:avLst/>
+          </a:prstGeom>
+          <a:noFill/>
+        </p:spPr>
+        <p:txBody>
+          <a:bodyPr wrap="square" rtlCol="0">
+            <a:spAutoFit/>
+          </a:bodyPr>
+          <a:lstStyle/>
+          <a:p>
+            <a:pPr marL="285750" indent="-285750">
+              <a:buFont typeface="Arial" panose="020B0604020202020204" pitchFamily="34" charset="0"/>
+              <a:buChar char="•"/>
+            </a:pPr>
+            <a:r>
+              <a:rPr lang="en-CA" sz="3200" dirty="0"/>
+              <a:t>Compares product-based, sampling-based and family-based strategies</a:t>
+            </a:r>
+          </a:p>
+          <a:p>
+            <a:pPr marL="285750" indent="-285750">
+              <a:buFont typeface="Arial" panose="020B0604020202020204" pitchFamily="34" charset="0"/>
+              <a:buChar char="•"/>
+            </a:pPr>
+            <a:r>
+              <a:rPr lang="en-CA" sz="3200" dirty="0"/>
+              <a:t>Uses existing model checkers (</a:t>
+            </a:r>
+            <a:r>
+              <a:rPr lang="en-CA" sz="3200" dirty="0" err="1"/>
+              <a:t>CPAChecker</a:t>
+            </a:r>
+            <a:r>
+              <a:rPr lang="en-CA" sz="3200" dirty="0"/>
+              <a:t> and Java Pathfinder) as is</a:t>
+            </a:r>
+          </a:p>
+          <a:p>
+            <a:pPr marL="285750" indent="-285750">
+              <a:buFont typeface="Arial" panose="020B0604020202020204" pitchFamily="34" charset="0"/>
+              <a:buChar char="•"/>
+            </a:pPr>
+            <a:r>
+              <a:rPr lang="en-CA" sz="3200" dirty="0"/>
+              <a:t>Applicable only to generative product lines</a:t>
+            </a:r>
+          </a:p>
+          <a:p>
+            <a:pPr marL="285750" indent="-285750">
+              <a:buFont typeface="Arial" panose="020B0604020202020204" pitchFamily="34" charset="0"/>
+              <a:buChar char="•"/>
+            </a:pPr>
+            <a:r>
+              <a:rPr lang="en-CA" sz="3200" dirty="0"/>
+              <a:t>Only supports very basic forms of variability</a:t>
+            </a:r>
+          </a:p>
+          <a:p>
+            <a:pPr marL="285750" indent="-285750">
+              <a:buFont typeface="Arial" panose="020B0604020202020204" pitchFamily="34" charset="0"/>
+              <a:buChar char="•"/>
+            </a:pPr>
+            <a:r>
+              <a:rPr lang="en-CA" sz="3200" dirty="0"/>
+              <a:t>Generates a new function per configuration</a:t>
+            </a:r>
+          </a:p>
+          <a:p>
+            <a:pPr marL="285750" indent="-285750">
+              <a:buFont typeface="Arial" panose="020B0604020202020204" pitchFamily="34" charset="0"/>
+              <a:buChar char="•"/>
+            </a:pPr>
+            <a:r>
+              <a:rPr lang="en-CA" sz="3200" dirty="0"/>
+              <a:t>Evaluates only single-wise, pair-wise and triple-wise sampling</a:t>
+            </a:r>
+          </a:p>
+        </p:txBody>
+      </p:sp>
+    </p:spTree>
+    <p:extLst>
+      <p:ext uri="{BB962C8B-B14F-4D97-AF65-F5344CB8AC3E}">
+        <p14:creationId xmlns:p14="http://schemas.microsoft.com/office/powerpoint/2010/main" val="2159293825"/>
+      </p:ext>
+    </p:extLst>
+  </p:cSld>
+  <p:clrMapOvr>
+    <a:masterClrMapping/>
+  </p:clrMapOvr>
+</p:sld>
+</file>
+
+<file path=ppt/slides/slide12.xml><?xml version="1.0" encoding="utf-8"?>
+<p:sld xmlns:a="http://schemas.openxmlformats.org/drawingml/2006/main" xmlns:r="http://schemas.openxmlformats.org/officeDocument/2006/relationships" xmlns:p="http://schemas.openxmlformats.org/presentationml/2006/main">
+  <p:cSld>
+    <p:bg>
+      <p:bgPr>
+        <a:solidFill>
+          <a:schemeClr val="bg1"/>
+        </a:solidFill>
+        <a:effectLst/>
+      </p:bgPr>
+    </p:bg>
+    <p:spTree>
+      <p:nvGrpSpPr>
+        <p:cNvPr id="1" name=""/>
+        <p:cNvGrpSpPr/>
+        <p:nvPr/>
+      </p:nvGrpSpPr>
+      <p:grpSpPr>
+        <a:xfrm>
+          <a:off x="0" y="0"/>
+          <a:ext cx="0" cy="0"/>
+          <a:chOff x="0" y="0"/>
+          <a:chExt cx="0" cy="0"/>
+        </a:xfrm>
+      </p:grpSpPr>
+      <p:pic>
+        <p:nvPicPr>
+          <p:cNvPr id="5" name="Picture 4">
+            <a:extLst>
+              <a:ext uri="{FF2B5EF4-FFF2-40B4-BE49-F238E27FC236}">
+                <a16:creationId xmlns:a16="http://schemas.microsoft.com/office/drawing/2014/main" id="{9112B383-19ED-4C7A-B04E-D65A72BFBDA4}"/>
+              </a:ext>
+            </a:extLst>
+          </p:cNvPr>
+          <p:cNvPicPr>
+            <a:picLocks noChangeAspect="1"/>
+          </p:cNvPicPr>
+          <p:nvPr/>
+        </p:nvPicPr>
+        <p:blipFill>
+          <a:blip r:embed="rId2"/>
+          <a:stretch>
+            <a:fillRect/>
+          </a:stretch>
+        </p:blipFill>
+        <p:spPr>
+          <a:xfrm>
+            <a:off x="1491813" y="643466"/>
+            <a:ext cx="9208374" cy="5571067"/>
+          </a:xfrm>
+          <a:prstGeom prst="rect">
+            <a:avLst/>
+          </a:prstGeom>
+        </p:spPr>
+      </p:pic>
+      <p:sp>
+        <p:nvSpPr>
+          <p:cNvPr id="4" name="Slide Number Placeholder 3">
+            <a:extLst>
+              <a:ext uri="{FF2B5EF4-FFF2-40B4-BE49-F238E27FC236}">
+                <a16:creationId xmlns:a16="http://schemas.microsoft.com/office/drawing/2014/main" id="{13885500-5E91-4529-A64C-E5F6274031E4}"/>
+              </a:ext>
+            </a:extLst>
+          </p:cNvPr>
+          <p:cNvSpPr>
+            <a:spLocks noGrp="1"/>
+          </p:cNvSpPr>
+          <p:nvPr>
+            <p:ph type="sldNum" sz="quarter" idx="12"/>
+          </p:nvPr>
+        </p:nvSpPr>
+        <p:spPr>
+          <a:xfrm>
+            <a:off x="8610600" y="6356350"/>
+            <a:ext cx="2743200" cy="365125"/>
+          </a:xfrm>
+        </p:spPr>
+        <p:txBody>
+          <a:bodyPr vert="horz" lIns="91440" tIns="45720" rIns="91440" bIns="45720" rtlCol="0" anchor="ctr">
+            <a:normAutofit/>
+          </a:bodyPr>
+          <a:lstStyle/>
+          <a:p>
+            <a:pPr>
+              <a:spcAft>
+                <a:spcPts val="600"/>
+              </a:spcAft>
+            </a:pPr>
+            <a:fld id="{89456DF9-7ABE-4DA3-87DA-B2AEED84E1A6}" type="slidenum">
+              <a:rPr lang="en-US" smtClean="0"/>
+              <a:pPr>
+                <a:spcAft>
+                  <a:spcPts val="600"/>
+                </a:spcAft>
+              </a:pPr>
+              <a:t>12</a:t>
+            </a:fld>
+            <a:endParaRPr lang="en-US"/>
+          </a:p>
+        </p:txBody>
+      </p:sp>
+      <p:sp>
+        <p:nvSpPr>
+          <p:cNvPr id="6" name="TextBox 5">
+            <a:extLst>
+              <a:ext uri="{FF2B5EF4-FFF2-40B4-BE49-F238E27FC236}">
+                <a16:creationId xmlns:a16="http://schemas.microsoft.com/office/drawing/2014/main" id="{9623242B-D42C-4FB7-A7F2-BA2BFBC14E8E}"/>
+              </a:ext>
+            </a:extLst>
+          </p:cNvPr>
+          <p:cNvSpPr txBox="1"/>
+          <p:nvPr/>
+        </p:nvSpPr>
+        <p:spPr>
+          <a:xfrm>
+            <a:off x="9364757" y="274134"/>
+            <a:ext cx="1335430" cy="369332"/>
+          </a:xfrm>
+          <a:prstGeom prst="rect">
+            <a:avLst/>
+          </a:prstGeom>
+          <a:noFill/>
+        </p:spPr>
+        <p:txBody>
+          <a:bodyPr wrap="none" rtlCol="0">
+            <a:spAutoFit/>
+          </a:bodyPr>
+          <a:lstStyle/>
+          <a:p>
+            <a:r>
+              <a:rPr lang="en-CA" dirty="0"/>
+              <a:t>ESEC/FSE’13</a:t>
+            </a:r>
+          </a:p>
+        </p:txBody>
+      </p:sp>
+    </p:spTree>
+    <p:extLst>
+      <p:ext uri="{BB962C8B-B14F-4D97-AF65-F5344CB8AC3E}">
+        <p14:creationId xmlns:p14="http://schemas.microsoft.com/office/powerpoint/2010/main" val="1006517835"/>
+      </p:ext>
+    </p:extLst>
+  </p:cSld>
+  <p:clrMapOvr>
+    <a:masterClrMapping/>
+  </p:clrMapOvr>
+</p:sld>
+</file>
+
+<file path=ppt/slides/slide13.xml><?xml version="1.0" encoding="utf-8"?>
+<p:sld xmlns:a="http://schemas.openxmlformats.org/drawingml/2006/main" xmlns:r="http://schemas.openxmlformats.org/officeDocument/2006/relationships" xmlns:p="http://schemas.openxmlformats.org/presentationml/2006/main">
+  <p:cSld>
+    <p:spTree>
+      <p:nvGrpSpPr>
+        <p:cNvPr id="1" name=""/>
+        <p:cNvGrpSpPr/>
+        <p:nvPr/>
+      </p:nvGrpSpPr>
+      <p:grpSpPr>
+        <a:xfrm>
+          <a:off x="0" y="0"/>
+          <a:ext cx="0" cy="0"/>
+          <a:chOff x="0" y="0"/>
+          <a:chExt cx="0" cy="0"/>
+        </a:xfrm>
+      </p:grpSpPr>
+      <p:sp>
+        <p:nvSpPr>
+          <p:cNvPr id="2" name="Title 1">
+            <a:extLst>
+              <a:ext uri="{FF2B5EF4-FFF2-40B4-BE49-F238E27FC236}">
+                <a16:creationId xmlns:a16="http://schemas.microsoft.com/office/drawing/2014/main" id="{7718294B-7BF7-4C87-B927-4F90E6521051}"/>
+              </a:ext>
+            </a:extLst>
+          </p:cNvPr>
+          <p:cNvSpPr>
+            <a:spLocks noGrp="1"/>
+          </p:cNvSpPr>
+          <p:nvPr>
+            <p:ph type="title"/>
+          </p:nvPr>
+        </p:nvSpPr>
+        <p:spPr/>
+        <p:txBody>
+          <a:bodyPr/>
+          <a:lstStyle/>
+          <a:p>
+            <a:r>
+              <a:rPr lang="en-CA" dirty="0"/>
+              <a:t>Scalable Analysis of Variable Software</a:t>
+            </a:r>
+          </a:p>
+        </p:txBody>
+      </p:sp>
+      <p:pic>
+        <p:nvPicPr>
+          <p:cNvPr id="5" name="Content Placeholder 4">
+            <a:extLst>
+              <a:ext uri="{FF2B5EF4-FFF2-40B4-BE49-F238E27FC236}">
+                <a16:creationId xmlns:a16="http://schemas.microsoft.com/office/drawing/2014/main" id="{45B97134-CD15-4E32-A44E-18B26545F22D}"/>
+              </a:ext>
+            </a:extLst>
+          </p:cNvPr>
+          <p:cNvPicPr>
+            <a:picLocks noGrp="1" noChangeAspect="1"/>
+          </p:cNvPicPr>
+          <p:nvPr>
+            <p:ph idx="1"/>
+          </p:nvPr>
+        </p:nvPicPr>
+        <p:blipFill>
+          <a:blip r:embed="rId2"/>
+          <a:stretch>
+            <a:fillRect/>
+          </a:stretch>
+        </p:blipFill>
+        <p:spPr>
+          <a:xfrm>
+            <a:off x="838200" y="1690688"/>
+            <a:ext cx="8121917" cy="3507474"/>
+          </a:xfrm>
+          <a:prstGeom prst="rect">
+            <a:avLst/>
+          </a:prstGeom>
+        </p:spPr>
+      </p:pic>
+      <p:sp>
+        <p:nvSpPr>
+          <p:cNvPr id="4" name="Slide Number Placeholder 3">
+            <a:extLst>
+              <a:ext uri="{FF2B5EF4-FFF2-40B4-BE49-F238E27FC236}">
+                <a16:creationId xmlns:a16="http://schemas.microsoft.com/office/drawing/2014/main" id="{DBD0F7F4-106D-45AF-9C9E-9AA6FF3C5EA8}"/>
+              </a:ext>
+            </a:extLst>
+          </p:cNvPr>
+          <p:cNvSpPr>
+            <a:spLocks noGrp="1"/>
+          </p:cNvSpPr>
+          <p:nvPr>
+            <p:ph type="sldNum" sz="quarter" idx="12"/>
+          </p:nvPr>
+        </p:nvSpPr>
+        <p:spPr/>
+        <p:txBody>
+          <a:bodyPr/>
+          <a:lstStyle/>
+          <a:p>
+            <a:fld id="{89456DF9-7ABE-4DA3-87DA-B2AEED84E1A6}" type="slidenum">
+              <a:rPr lang="en-CA" smtClean="0"/>
+              <a:t>13</a:t>
+            </a:fld>
+            <a:endParaRPr lang="en-CA"/>
+          </a:p>
+        </p:txBody>
+      </p:sp>
+      <p:sp>
+        <p:nvSpPr>
+          <p:cNvPr id="6" name="TextBox 5">
+            <a:extLst>
+              <a:ext uri="{FF2B5EF4-FFF2-40B4-BE49-F238E27FC236}">
+                <a16:creationId xmlns:a16="http://schemas.microsoft.com/office/drawing/2014/main" id="{9FF1634D-8973-4E47-A061-24074379209A}"/>
+              </a:ext>
+            </a:extLst>
+          </p:cNvPr>
+          <p:cNvSpPr txBox="1"/>
+          <p:nvPr/>
+        </p:nvSpPr>
+        <p:spPr>
+          <a:xfrm>
+            <a:off x="3122005" y="5426532"/>
+            <a:ext cx="3554306" cy="369332"/>
+          </a:xfrm>
+          <a:prstGeom prst="rect">
+            <a:avLst/>
+          </a:prstGeom>
+          <a:noFill/>
+        </p:spPr>
+        <p:txBody>
+          <a:bodyPr wrap="none" rtlCol="0">
+            <a:spAutoFit/>
+          </a:bodyPr>
+          <a:lstStyle/>
+          <a:p>
+            <a:r>
+              <a:rPr lang="en-CA" dirty="0"/>
+              <a:t>Annotative SPL (3 optional features)</a:t>
+            </a:r>
+          </a:p>
+        </p:txBody>
+      </p:sp>
+      <p:sp>
+        <p:nvSpPr>
+          <p:cNvPr id="7" name="Rectangle 6">
+            <a:extLst>
+              <a:ext uri="{FF2B5EF4-FFF2-40B4-BE49-F238E27FC236}">
+                <a16:creationId xmlns:a16="http://schemas.microsoft.com/office/drawing/2014/main" id="{FF68A99C-07B9-4197-9367-11D46E5458C4}"/>
+              </a:ext>
+            </a:extLst>
+          </p:cNvPr>
+          <p:cNvSpPr/>
+          <p:nvPr/>
+        </p:nvSpPr>
+        <p:spPr>
+          <a:xfrm>
+            <a:off x="1350416" y="3525756"/>
+            <a:ext cx="3418114" cy="1328057"/>
+          </a:xfrm>
+          <a:prstGeom prst="rect">
+            <a:avLst/>
+          </a:prstGeom>
+          <a:noFill/>
+          <a:ln w="28575"/>
+        </p:spPr>
+        <p:style>
+          <a:lnRef idx="2">
+            <a:schemeClr val="accent1">
+              <a:shade val="50000"/>
+            </a:schemeClr>
+          </a:lnRef>
+          <a:fillRef idx="1">
+            <a:schemeClr val="accent1"/>
+          </a:fillRef>
+          <a:effectRef idx="0">
+            <a:schemeClr val="accent1"/>
+          </a:effectRef>
+          <a:fontRef idx="minor">
+            <a:schemeClr val="lt1"/>
+          </a:fontRef>
+        </p:style>
+        <p:txBody>
+          <a:bodyPr rtlCol="0" anchor="ctr"/>
+          <a:lstStyle/>
+          <a:p>
+            <a:pPr algn="ctr"/>
+            <a:endParaRPr lang="en-CA"/>
+          </a:p>
+        </p:txBody>
+      </p:sp>
+      <p:sp>
+        <p:nvSpPr>
+          <p:cNvPr id="8" name="Rectangle 7">
+            <a:extLst>
+              <a:ext uri="{FF2B5EF4-FFF2-40B4-BE49-F238E27FC236}">
+                <a16:creationId xmlns:a16="http://schemas.microsoft.com/office/drawing/2014/main" id="{7A1DD6F5-F774-49BC-B6DC-F8D6A598F09A}"/>
+              </a:ext>
+            </a:extLst>
+          </p:cNvPr>
+          <p:cNvSpPr/>
+          <p:nvPr/>
+        </p:nvSpPr>
+        <p:spPr>
+          <a:xfrm>
+            <a:off x="5922416" y="3014127"/>
+            <a:ext cx="1360714" cy="239486"/>
+          </a:xfrm>
+          <a:prstGeom prst="rect">
+            <a:avLst/>
+          </a:prstGeom>
+          <a:noFill/>
+          <a:ln w="28575">
+            <a:solidFill>
+              <a:srgbClr val="FF0000"/>
+            </a:solidFill>
+          </a:ln>
+        </p:spPr>
+        <p:style>
+          <a:lnRef idx="2">
+            <a:schemeClr val="accent1">
+              <a:shade val="50000"/>
+            </a:schemeClr>
+          </a:lnRef>
+          <a:fillRef idx="1">
+            <a:schemeClr val="accent1"/>
+          </a:fillRef>
+          <a:effectRef idx="0">
+            <a:schemeClr val="accent1"/>
+          </a:effectRef>
+          <a:fontRef idx="minor">
+            <a:schemeClr val="lt1"/>
+          </a:fontRef>
+        </p:style>
+        <p:txBody>
+          <a:bodyPr rtlCol="0" anchor="ctr"/>
+          <a:lstStyle/>
+          <a:p>
+            <a:pPr algn="ctr"/>
+            <a:endParaRPr lang="en-CA"/>
+          </a:p>
+        </p:txBody>
+      </p:sp>
+      <p:sp>
+        <p:nvSpPr>
+          <p:cNvPr id="9" name="Rectangle 8">
+            <a:extLst>
+              <a:ext uri="{FF2B5EF4-FFF2-40B4-BE49-F238E27FC236}">
+                <a16:creationId xmlns:a16="http://schemas.microsoft.com/office/drawing/2014/main" id="{BE45D35F-9B1E-4D9A-A600-CCBD6097FBFE}"/>
+              </a:ext>
+            </a:extLst>
+          </p:cNvPr>
+          <p:cNvSpPr/>
+          <p:nvPr/>
+        </p:nvSpPr>
+        <p:spPr>
+          <a:xfrm>
+            <a:off x="1350416" y="3014127"/>
+            <a:ext cx="3418114" cy="283259"/>
+          </a:xfrm>
+          <a:prstGeom prst="rect">
+            <a:avLst/>
+          </a:prstGeom>
+          <a:noFill/>
+          <a:ln w="28575"/>
+        </p:spPr>
+        <p:style>
+          <a:lnRef idx="2">
+            <a:schemeClr val="accent1">
+              <a:shade val="50000"/>
+            </a:schemeClr>
+          </a:lnRef>
+          <a:fillRef idx="1">
+            <a:schemeClr val="accent1"/>
+          </a:fillRef>
+          <a:effectRef idx="0">
+            <a:schemeClr val="accent1"/>
+          </a:effectRef>
+          <a:fontRef idx="minor">
+            <a:schemeClr val="lt1"/>
+          </a:fontRef>
+        </p:style>
+        <p:txBody>
+          <a:bodyPr rtlCol="0" anchor="ctr"/>
+          <a:lstStyle/>
+          <a:p>
+            <a:pPr algn="ctr"/>
+            <a:endParaRPr lang="en-CA"/>
+          </a:p>
+        </p:txBody>
+      </p:sp>
+      <p:sp>
+        <p:nvSpPr>
+          <p:cNvPr id="10" name="Rectangle 9">
+            <a:extLst>
+              <a:ext uri="{FF2B5EF4-FFF2-40B4-BE49-F238E27FC236}">
+                <a16:creationId xmlns:a16="http://schemas.microsoft.com/office/drawing/2014/main" id="{9B909BB6-97E0-4633-B11F-88B1779A95A0}"/>
+              </a:ext>
+            </a:extLst>
+          </p:cNvPr>
+          <p:cNvSpPr/>
+          <p:nvPr/>
+        </p:nvSpPr>
+        <p:spPr>
+          <a:xfrm>
+            <a:off x="5922416" y="3259170"/>
+            <a:ext cx="1360714" cy="239486"/>
+          </a:xfrm>
+          <a:prstGeom prst="rect">
+            <a:avLst/>
+          </a:prstGeom>
+          <a:noFill/>
+          <a:ln w="28575">
+            <a:solidFill>
+              <a:srgbClr val="FF0000"/>
+            </a:solidFill>
+          </a:ln>
+        </p:spPr>
+        <p:style>
+          <a:lnRef idx="2">
+            <a:schemeClr val="accent1">
+              <a:shade val="50000"/>
+            </a:schemeClr>
+          </a:lnRef>
+          <a:fillRef idx="1">
+            <a:schemeClr val="accent1"/>
+          </a:fillRef>
+          <a:effectRef idx="0">
+            <a:schemeClr val="accent1"/>
+          </a:effectRef>
+          <a:fontRef idx="minor">
+            <a:schemeClr val="lt1"/>
+          </a:fontRef>
+        </p:style>
+        <p:txBody>
+          <a:bodyPr rtlCol="0" anchor="ctr"/>
+          <a:lstStyle/>
+          <a:p>
+            <a:pPr algn="ctr"/>
+            <a:endParaRPr lang="en-CA"/>
+          </a:p>
+        </p:txBody>
+      </p:sp>
+      <p:sp>
+        <p:nvSpPr>
+          <p:cNvPr id="11" name="TextBox 10">
+            <a:extLst>
+              <a:ext uri="{FF2B5EF4-FFF2-40B4-BE49-F238E27FC236}">
+                <a16:creationId xmlns:a16="http://schemas.microsoft.com/office/drawing/2014/main" id="{883B653B-8460-45C4-8064-5C247EDA04E2}"/>
+              </a:ext>
+            </a:extLst>
+          </p:cNvPr>
+          <p:cNvSpPr txBox="1"/>
+          <p:nvPr/>
+        </p:nvSpPr>
+        <p:spPr>
+          <a:xfrm>
+            <a:off x="8610600" y="2567262"/>
+            <a:ext cx="3352800" cy="1754326"/>
+          </a:xfrm>
+          <a:prstGeom prst="rect">
+            <a:avLst/>
+          </a:prstGeom>
+          <a:noFill/>
+        </p:spPr>
+        <p:txBody>
+          <a:bodyPr wrap="square" rtlCol="0">
+            <a:spAutoFit/>
+          </a:bodyPr>
+          <a:lstStyle/>
+          <a:p>
+            <a:r>
+              <a:rPr lang="en-CA" dirty="0"/>
+              <a:t>Sampling Strategies:</a:t>
+            </a:r>
+          </a:p>
+          <a:p>
+            <a:pPr marL="285750" indent="-285750">
+              <a:buFontTx/>
+              <a:buChar char="-"/>
+            </a:pPr>
+            <a:r>
+              <a:rPr lang="en-CA" dirty="0"/>
+              <a:t>Single-</a:t>
+            </a:r>
+            <a:r>
+              <a:rPr lang="en-CA" dirty="0" err="1"/>
+              <a:t>conf</a:t>
+            </a:r>
+            <a:r>
+              <a:rPr lang="en-CA" dirty="0"/>
+              <a:t> (e.g. {B,C})</a:t>
+            </a:r>
+          </a:p>
+          <a:p>
+            <a:pPr marL="285750" indent="-285750">
+              <a:buFontTx/>
+              <a:buChar char="-"/>
+            </a:pPr>
+            <a:r>
+              <a:rPr lang="en-CA" dirty="0"/>
+              <a:t>Random</a:t>
+            </a:r>
+          </a:p>
+          <a:p>
+            <a:pPr marL="285750" indent="-285750">
+              <a:buFontTx/>
+              <a:buChar char="-"/>
+            </a:pPr>
+            <a:r>
+              <a:rPr lang="en-CA" dirty="0"/>
+              <a:t>Code-coverage (e.g. {}, {A,B,C})</a:t>
+            </a:r>
+          </a:p>
+          <a:p>
+            <a:pPr marL="285750" indent="-285750">
+              <a:buFontTx/>
+              <a:buChar char="-"/>
+            </a:pPr>
+            <a:r>
+              <a:rPr lang="en-CA" dirty="0"/>
+              <a:t>Pair-wise ({}, {A,B}, {B,C}, {A,C})</a:t>
+            </a:r>
+          </a:p>
+          <a:p>
+            <a:pPr marL="285750" indent="-285750">
+              <a:buFontTx/>
+              <a:buChar char="-"/>
+            </a:pPr>
+            <a:endParaRPr lang="en-CA" dirty="0"/>
+          </a:p>
+        </p:txBody>
+      </p:sp>
+    </p:spTree>
+    <p:extLst>
+      <p:ext uri="{BB962C8B-B14F-4D97-AF65-F5344CB8AC3E}">
+        <p14:creationId xmlns:p14="http://schemas.microsoft.com/office/powerpoint/2010/main" val="1210417818"/>
+      </p:ext>
+    </p:extLst>
+  </p:cSld>
+  <p:clrMapOvr>
+    <a:masterClrMapping/>
+  </p:clrMapOvr>
+  <p:timing>
+    <p:tnLst>
+      <p:par>
+        <p:cTn id="1" dur="indefinite" restart="never" nodeType="tmRoot">
+          <p:childTnLst>
+            <p:seq concurrent="1" nextAc="seek">
+              <p:cTn id="2" dur="indefinite" nodeType="mainSeq">
+                <p:childTnLst>
+                  <p:par>
+                    <p:cTn id="3" fill="hold">
+                      <p:stCondLst>
+                        <p:cond delay="indefinite"/>
+                      </p:stCondLst>
+                      <p:childTnLst>
+                        <p:par>
+                          <p:cTn id="4" fill="hold">
+                            <p:stCondLst>
+                              <p:cond delay="0"/>
+                            </p:stCondLst>
+                            <p:childTnLst>
+                              <p:par>
+                                <p:cTn id="5" presetID="1" presetClass="entr" presetSubtype="0" fill="hold" grpId="0" nodeType="clickEffect">
+                                  <p:stCondLst>
+                                    <p:cond delay="0"/>
+                                  </p:stCondLst>
+                                  <p:childTnLst>
+                                    <p:set>
+                                      <p:cBhvr>
+                                        <p:cTn id="6" dur="1" fill="hold">
+                                          <p:stCondLst>
+                                            <p:cond delay="0"/>
+                                          </p:stCondLst>
+                                        </p:cTn>
+                                        <p:tgtEl>
+                                          <p:spTgt spid="9"/>
+                                        </p:tgtEl>
+                                        <p:attrNameLst>
+                                          <p:attrName>style.visibility</p:attrName>
+                                        </p:attrNameLst>
+                                      </p:cBhvr>
+                                      <p:to>
+                                        <p:strVal val="visible"/>
+                                      </p:to>
+                                    </p:set>
+                                  </p:childTnLst>
+                                </p:cTn>
+                              </p:par>
+                              <p:par>
+                                <p:cTn id="7" presetID="1" presetClass="entr" presetSubtype="0" fill="hold" grpId="0" nodeType="withEffect">
+                                  <p:stCondLst>
+                                    <p:cond delay="0"/>
+                                  </p:stCondLst>
+                                  <p:childTnLst>
+                                    <p:set>
+                                      <p:cBhvr>
+                                        <p:cTn id="8" dur="1" fill="hold">
+                                          <p:stCondLst>
+                                            <p:cond delay="0"/>
+                                          </p:stCondLst>
+                                        </p:cTn>
+                                        <p:tgtEl>
+                                          <p:spTgt spid="10"/>
+                                        </p:tgtEl>
+                                        <p:attrNameLst>
+                                          <p:attrName>style.visibility</p:attrName>
+                                        </p:attrNameLst>
+                                      </p:cBhvr>
+                                      <p:to>
+                                        <p:strVal val="visible"/>
+                                      </p:to>
+                                    </p:set>
+                                  </p:childTnLst>
+                                </p:cTn>
+                              </p:par>
+                            </p:childTnLst>
+                          </p:cTn>
+                        </p:par>
+                      </p:childTnLst>
+                    </p:cTn>
+                  </p:par>
+                  <p:par>
+                    <p:cTn id="9" fill="hold">
+                      <p:stCondLst>
+                        <p:cond delay="indefinite"/>
+                      </p:stCondLst>
+                      <p:childTnLst>
+                        <p:par>
+                          <p:cTn id="10" fill="hold">
+                            <p:stCondLst>
+                              <p:cond delay="0"/>
+                            </p:stCondLst>
+                            <p:childTnLst>
+                              <p:par>
+                                <p:cTn id="11" presetID="1" presetClass="entr" presetSubtype="0" fill="hold" grpId="0" nodeType="clickEffect">
+                                  <p:stCondLst>
+                                    <p:cond delay="0"/>
+                                  </p:stCondLst>
+                                  <p:childTnLst>
+                                    <p:set>
+                                      <p:cBhvr>
+                                        <p:cTn id="12" dur="1" fill="hold">
+                                          <p:stCondLst>
+                                            <p:cond delay="0"/>
+                                          </p:stCondLst>
+                                        </p:cTn>
+                                        <p:tgtEl>
+                                          <p:spTgt spid="7"/>
+                                        </p:tgtEl>
+                                        <p:attrNameLst>
+                                          <p:attrName>style.visibility</p:attrName>
+                                        </p:attrNameLst>
+                                      </p:cBhvr>
+                                      <p:to>
+                                        <p:strVal val="visible"/>
+                                      </p:to>
+                                    </p:set>
+                                  </p:childTnLst>
+                                </p:cTn>
+                              </p:par>
+                              <p:par>
+                                <p:cTn id="13" presetID="1" presetClass="entr" presetSubtype="0" fill="hold" grpId="0" nodeType="withEffect">
+                                  <p:stCondLst>
+                                    <p:cond delay="0"/>
+                                  </p:stCondLst>
+                                  <p:childTnLst>
+                                    <p:set>
+                                      <p:cBhvr>
+                                        <p:cTn id="14" dur="1" fill="hold">
+                                          <p:stCondLst>
+                                            <p:cond delay="0"/>
+                                          </p:stCondLst>
+                                        </p:cTn>
+                                        <p:tgtEl>
+                                          <p:spTgt spid="8"/>
+                                        </p:tgtEl>
+                                        <p:attrNameLst>
+                                          <p:attrName>style.visibility</p:attrName>
+                                        </p:attrNameLst>
+                                      </p:cBhvr>
+                                      <p:to>
+                                        <p:strVal val="visible"/>
+                                      </p:to>
+                                    </p:set>
+                                  </p:childTnLst>
+                                </p:cTn>
+                              </p:par>
+                            </p:childTnLst>
+                          </p:cTn>
+                        </p:par>
+                      </p:childTnLst>
+                    </p:cTn>
+                  </p:par>
+                  <p:par>
+                    <p:cTn id="15" fill="hold">
+                      <p:stCondLst>
+                        <p:cond delay="indefinite"/>
+                      </p:stCondLst>
+                      <p:childTnLst>
+                        <p:par>
+                          <p:cTn id="16" fill="hold">
+                            <p:stCondLst>
+                              <p:cond delay="0"/>
+                            </p:stCondLst>
+                            <p:childTnLst>
+                              <p:par>
+                                <p:cTn id="17" presetID="1" presetClass="entr" presetSubtype="0" fill="hold" grpId="0" nodeType="clickEffect">
+                                  <p:stCondLst>
+                                    <p:cond delay="0"/>
+                                  </p:stCondLst>
+                                  <p:childTnLst>
+                                    <p:set>
+                                      <p:cBhvr>
+                                        <p:cTn id="18" dur="1" fill="hold">
+                                          <p:stCondLst>
+                                            <p:cond delay="0"/>
+                                          </p:stCondLst>
+                                        </p:cTn>
+                                        <p:tgtEl>
+                                          <p:spTgt spid="11"/>
+                                        </p:tgtEl>
+                                        <p:attrNameLst>
+                                          <p:attrName>style.visibility</p:attrName>
+                                        </p:attrNameLst>
+                                      </p:cBhvr>
+                                      <p:to>
+                                        <p:strVal val="visible"/>
+                                      </p:to>
+                                    </p:set>
+                                  </p:childTnLst>
+                                </p:cTn>
+                              </p:par>
+                            </p:childTnLst>
+                          </p:cTn>
+                        </p:par>
+                      </p:childTnLst>
+                    </p:cTn>
+                  </p:par>
+                </p:childTnLst>
+              </p:cTn>
+              <p:prevCondLst>
+                <p:cond evt="onPrev" delay="0">
+                  <p:tgtEl>
+                    <p:sldTgt/>
+                  </p:tgtEl>
+                </p:cond>
+              </p:prevCondLst>
+              <p:nextCondLst>
+                <p:cond evt="onNext" delay="0">
+                  <p:tgtEl>
+                    <p:sldTgt/>
+                  </p:tgtEl>
+                </p:cond>
+              </p:nextCondLst>
+            </p:seq>
+          </p:childTnLst>
+        </p:cTn>
+      </p:par>
+    </p:tnLst>
+    <p:bldLst>
+      <p:bldP spid="7" grpId="0" animBg="1"/>
+      <p:bldP spid="8" grpId="0" animBg="1"/>
+      <p:bldP spid="9" grpId="0" animBg="1"/>
+      <p:bldP spid="10" grpId="0" animBg="1"/>
+      <p:bldP spid="11" grpId="0"/>
+    </p:bldLst>
+  </p:timing>
+</p:sld>
+</file>
+
+<file path=ppt/slides/slide14.xml><?xml version="1.0" encoding="utf-8"?>
+<p:sld xmlns:a="http://schemas.openxmlformats.org/drawingml/2006/main" xmlns:r="http://schemas.openxmlformats.org/officeDocument/2006/relationships" xmlns:p="http://schemas.openxmlformats.org/presentationml/2006/main">
+  <p:cSld>
+    <p:spTree>
+      <p:nvGrpSpPr>
+        <p:cNvPr id="1" name=""/>
+        <p:cNvGrpSpPr/>
+        <p:nvPr/>
+      </p:nvGrpSpPr>
+      <p:grpSpPr>
+        <a:xfrm>
+          <a:off x="0" y="0"/>
+          <a:ext cx="0" cy="0"/>
+          <a:chOff x="0" y="0"/>
+          <a:chExt cx="0" cy="0"/>
+        </a:xfrm>
+      </p:grpSpPr>
+      <p:sp>
+        <p:nvSpPr>
+          <p:cNvPr id="2" name="Title 1">
+            <a:extLst>
+              <a:ext uri="{FF2B5EF4-FFF2-40B4-BE49-F238E27FC236}">
+                <a16:creationId xmlns:a16="http://schemas.microsoft.com/office/drawing/2014/main" id="{7718294B-7BF7-4C87-B927-4F90E6521051}"/>
+              </a:ext>
+            </a:extLst>
+          </p:cNvPr>
+          <p:cNvSpPr>
+            <a:spLocks noGrp="1"/>
+          </p:cNvSpPr>
+          <p:nvPr>
+            <p:ph type="title"/>
+          </p:nvPr>
+        </p:nvSpPr>
+        <p:spPr/>
+        <p:txBody>
+          <a:bodyPr/>
+          <a:lstStyle/>
+          <a:p>
+            <a:r>
+              <a:rPr lang="en-CA" dirty="0"/>
+              <a:t>Scalable Analysis of Variable Software</a:t>
+            </a:r>
+          </a:p>
+        </p:txBody>
+      </p:sp>
+      <p:sp>
+        <p:nvSpPr>
+          <p:cNvPr id="4" name="Slide Number Placeholder 3">
+            <a:extLst>
+              <a:ext uri="{FF2B5EF4-FFF2-40B4-BE49-F238E27FC236}">
+                <a16:creationId xmlns:a16="http://schemas.microsoft.com/office/drawing/2014/main" id="{DBD0F7F4-106D-45AF-9C9E-9AA6FF3C5EA8}"/>
+              </a:ext>
+            </a:extLst>
+          </p:cNvPr>
+          <p:cNvSpPr>
+            <a:spLocks noGrp="1"/>
+          </p:cNvSpPr>
+          <p:nvPr>
+            <p:ph type="sldNum" sz="quarter" idx="12"/>
+          </p:nvPr>
+        </p:nvSpPr>
+        <p:spPr/>
+        <p:txBody>
+          <a:bodyPr/>
+          <a:lstStyle/>
+          <a:p>
+            <a:fld id="{89456DF9-7ABE-4DA3-87DA-B2AEED84E1A6}" type="slidenum">
+              <a:rPr lang="en-CA" smtClean="0"/>
+              <a:t>14</a:t>
+            </a:fld>
+            <a:endParaRPr lang="en-CA"/>
+          </a:p>
+        </p:txBody>
+      </p:sp>
+      <p:pic>
+        <p:nvPicPr>
+          <p:cNvPr id="13" name="Picture 12">
+            <a:extLst>
+              <a:ext uri="{FF2B5EF4-FFF2-40B4-BE49-F238E27FC236}">
+                <a16:creationId xmlns:a16="http://schemas.microsoft.com/office/drawing/2014/main" id="{C5D24060-F83B-4D6D-9CCB-0B7B5F873669}"/>
+              </a:ext>
+            </a:extLst>
+          </p:cNvPr>
+          <p:cNvPicPr>
+            <a:picLocks noChangeAspect="1"/>
+          </p:cNvPicPr>
+          <p:nvPr/>
+        </p:nvPicPr>
+        <p:blipFill>
+          <a:blip r:embed="rId2"/>
+          <a:stretch>
+            <a:fillRect/>
+          </a:stretch>
+        </p:blipFill>
+        <p:spPr>
+          <a:xfrm>
+            <a:off x="167185" y="1690688"/>
+            <a:ext cx="5334000" cy="3676650"/>
+          </a:xfrm>
+          <a:prstGeom prst="rect">
+            <a:avLst/>
+          </a:prstGeom>
+        </p:spPr>
+      </p:pic>
+      <p:pic>
+        <p:nvPicPr>
+          <p:cNvPr id="14" name="Picture 13">
+            <a:extLst>
+              <a:ext uri="{FF2B5EF4-FFF2-40B4-BE49-F238E27FC236}">
+                <a16:creationId xmlns:a16="http://schemas.microsoft.com/office/drawing/2014/main" id="{90BAF806-290E-4C0D-911C-6D0183A93CCA}"/>
+              </a:ext>
+            </a:extLst>
+          </p:cNvPr>
+          <p:cNvPicPr>
+            <a:picLocks noChangeAspect="1"/>
+          </p:cNvPicPr>
+          <p:nvPr/>
+        </p:nvPicPr>
+        <p:blipFill>
+          <a:blip r:embed="rId3"/>
+          <a:stretch>
+            <a:fillRect/>
+          </a:stretch>
+        </p:blipFill>
+        <p:spPr>
+          <a:xfrm>
+            <a:off x="5501185" y="2100263"/>
+            <a:ext cx="6419850" cy="2857500"/>
+          </a:xfrm>
+          <a:prstGeom prst="rect">
+            <a:avLst/>
+          </a:prstGeom>
+        </p:spPr>
+      </p:pic>
+      <p:sp>
+        <p:nvSpPr>
+          <p:cNvPr id="15" name="Oval 14">
+            <a:extLst>
+              <a:ext uri="{FF2B5EF4-FFF2-40B4-BE49-F238E27FC236}">
+                <a16:creationId xmlns:a16="http://schemas.microsoft.com/office/drawing/2014/main" id="{02A30981-5AE2-4619-8A2C-1EDBEB48D210}"/>
+              </a:ext>
+            </a:extLst>
+          </p:cNvPr>
+          <p:cNvSpPr/>
+          <p:nvPr/>
+        </p:nvSpPr>
+        <p:spPr>
+          <a:xfrm>
+            <a:off x="7130143" y="2928258"/>
+            <a:ext cx="1262743" cy="827314"/>
+          </a:xfrm>
+          <a:prstGeom prst="ellipse">
+            <a:avLst/>
+          </a:prstGeom>
+          <a:noFill/>
+          <a:ln w="19050"/>
+        </p:spPr>
+        <p:style>
+          <a:lnRef idx="2">
+            <a:schemeClr val="accent1">
+              <a:shade val="50000"/>
+            </a:schemeClr>
+          </a:lnRef>
+          <a:fillRef idx="1">
+            <a:schemeClr val="accent1"/>
+          </a:fillRef>
+          <a:effectRef idx="0">
+            <a:schemeClr val="accent1"/>
+          </a:effectRef>
+          <a:fontRef idx="minor">
+            <a:schemeClr val="lt1"/>
+          </a:fontRef>
+        </p:style>
+        <p:txBody>
+          <a:bodyPr rtlCol="0" anchor="ctr"/>
+          <a:lstStyle/>
+          <a:p>
+            <a:pPr algn="ctr"/>
+            <a:endParaRPr lang="en-CA"/>
+          </a:p>
+        </p:txBody>
+      </p:sp>
+      <p:sp>
+        <p:nvSpPr>
+          <p:cNvPr id="16" name="Rectangle 15">
+            <a:extLst>
+              <a:ext uri="{FF2B5EF4-FFF2-40B4-BE49-F238E27FC236}">
+                <a16:creationId xmlns:a16="http://schemas.microsoft.com/office/drawing/2014/main" id="{EC52B59C-401E-4D17-9694-9530C0501FA8}"/>
+              </a:ext>
+            </a:extLst>
+          </p:cNvPr>
+          <p:cNvSpPr/>
+          <p:nvPr/>
+        </p:nvSpPr>
+        <p:spPr>
+          <a:xfrm>
+            <a:off x="2057400" y="2917371"/>
+            <a:ext cx="2601686" cy="239486"/>
+          </a:xfrm>
+          <a:prstGeom prst="rect">
+            <a:avLst/>
+          </a:prstGeom>
+          <a:noFill/>
+          <a:ln w="19050"/>
+        </p:spPr>
+        <p:style>
+          <a:lnRef idx="2">
+            <a:schemeClr val="accent1">
+              <a:shade val="50000"/>
+            </a:schemeClr>
+          </a:lnRef>
+          <a:fillRef idx="1">
+            <a:schemeClr val="accent1"/>
+          </a:fillRef>
+          <a:effectRef idx="0">
+            <a:schemeClr val="accent1"/>
+          </a:effectRef>
+          <a:fontRef idx="minor">
+            <a:schemeClr val="lt1"/>
+          </a:fontRef>
+        </p:style>
+        <p:txBody>
+          <a:bodyPr rtlCol="0" anchor="ctr"/>
+          <a:lstStyle/>
+          <a:p>
+            <a:pPr algn="ctr"/>
+            <a:endParaRPr lang="en-CA"/>
+          </a:p>
+        </p:txBody>
+      </p:sp>
+      <p:sp>
+        <p:nvSpPr>
+          <p:cNvPr id="17" name="Oval 16">
+            <a:extLst>
+              <a:ext uri="{FF2B5EF4-FFF2-40B4-BE49-F238E27FC236}">
+                <a16:creationId xmlns:a16="http://schemas.microsoft.com/office/drawing/2014/main" id="{98ED3D19-0E58-45A4-A09B-075458922EE1}"/>
+              </a:ext>
+            </a:extLst>
+          </p:cNvPr>
+          <p:cNvSpPr/>
+          <p:nvPr/>
+        </p:nvSpPr>
+        <p:spPr>
+          <a:xfrm>
+            <a:off x="7043058" y="4041208"/>
+            <a:ext cx="1262743" cy="827314"/>
+          </a:xfrm>
+          <a:prstGeom prst="ellipse">
+            <a:avLst/>
+          </a:prstGeom>
+          <a:noFill/>
+          <a:ln w="19050">
+            <a:solidFill>
+              <a:schemeClr val="accent6"/>
+            </a:solidFill>
+          </a:ln>
+        </p:spPr>
+        <p:style>
+          <a:lnRef idx="2">
+            <a:schemeClr val="accent1">
+              <a:shade val="50000"/>
+            </a:schemeClr>
+          </a:lnRef>
+          <a:fillRef idx="1">
+            <a:schemeClr val="accent1"/>
+          </a:fillRef>
+          <a:effectRef idx="0">
+            <a:schemeClr val="accent1"/>
+          </a:effectRef>
+          <a:fontRef idx="minor">
+            <a:schemeClr val="lt1"/>
+          </a:fontRef>
+        </p:style>
+        <p:txBody>
+          <a:bodyPr rtlCol="0" anchor="ctr"/>
+          <a:lstStyle/>
+          <a:p>
+            <a:pPr algn="ctr"/>
+            <a:endParaRPr lang="en-CA"/>
+          </a:p>
+        </p:txBody>
+      </p:sp>
+      <p:sp>
+        <p:nvSpPr>
+          <p:cNvPr id="18" name="Rectangle 17">
+            <a:extLst>
+              <a:ext uri="{FF2B5EF4-FFF2-40B4-BE49-F238E27FC236}">
+                <a16:creationId xmlns:a16="http://schemas.microsoft.com/office/drawing/2014/main" id="{C5C40446-E6F9-447F-9224-FF89DE634907}"/>
+              </a:ext>
+            </a:extLst>
+          </p:cNvPr>
+          <p:cNvSpPr/>
+          <p:nvPr/>
+        </p:nvSpPr>
+        <p:spPr>
+          <a:xfrm>
+            <a:off x="672193" y="3148012"/>
+            <a:ext cx="1385207" cy="215674"/>
+          </a:xfrm>
+          <a:prstGeom prst="rect">
+            <a:avLst/>
+          </a:prstGeom>
+          <a:noFill/>
+          <a:ln w="19050">
+            <a:solidFill>
+              <a:schemeClr val="accent6"/>
+            </a:solidFill>
+          </a:ln>
+        </p:spPr>
+        <p:style>
+          <a:lnRef idx="2">
+            <a:schemeClr val="accent1">
+              <a:shade val="50000"/>
+            </a:schemeClr>
+          </a:lnRef>
+          <a:fillRef idx="1">
+            <a:schemeClr val="accent1"/>
+          </a:fillRef>
+          <a:effectRef idx="0">
+            <a:schemeClr val="accent1"/>
+          </a:effectRef>
+          <a:fontRef idx="minor">
+            <a:schemeClr val="lt1"/>
+          </a:fontRef>
+        </p:style>
+        <p:txBody>
+          <a:bodyPr rtlCol="0" anchor="ctr"/>
+          <a:lstStyle/>
+          <a:p>
+            <a:pPr algn="ctr"/>
+            <a:endParaRPr lang="en-CA"/>
+          </a:p>
+        </p:txBody>
+      </p:sp>
+      <p:sp>
+        <p:nvSpPr>
+          <p:cNvPr id="19" name="Rectangle 18">
+            <a:extLst>
+              <a:ext uri="{FF2B5EF4-FFF2-40B4-BE49-F238E27FC236}">
+                <a16:creationId xmlns:a16="http://schemas.microsoft.com/office/drawing/2014/main" id="{4E4A40B7-7AF2-4DF8-8A7E-E0E0BEBE2BBD}"/>
+              </a:ext>
+            </a:extLst>
+          </p:cNvPr>
+          <p:cNvSpPr/>
+          <p:nvPr/>
+        </p:nvSpPr>
+        <p:spPr>
+          <a:xfrm>
+            <a:off x="585108" y="1949901"/>
+            <a:ext cx="3181349" cy="608241"/>
+          </a:xfrm>
+          <a:prstGeom prst="rect">
+            <a:avLst/>
+          </a:prstGeom>
+          <a:noFill/>
+          <a:ln w="19050">
+            <a:solidFill>
+              <a:schemeClr val="accent6"/>
+            </a:solidFill>
+          </a:ln>
+        </p:spPr>
+        <p:style>
+          <a:lnRef idx="2">
+            <a:schemeClr val="accent1">
+              <a:shade val="50000"/>
+            </a:schemeClr>
+          </a:lnRef>
+          <a:fillRef idx="1">
+            <a:schemeClr val="accent1"/>
+          </a:fillRef>
+          <a:effectRef idx="0">
+            <a:schemeClr val="accent1"/>
+          </a:effectRef>
+          <a:fontRef idx="minor">
+            <a:schemeClr val="lt1"/>
+          </a:fontRef>
+        </p:style>
+        <p:txBody>
+          <a:bodyPr rtlCol="0" anchor="ctr"/>
+          <a:lstStyle/>
+          <a:p>
+            <a:pPr algn="ctr"/>
+            <a:endParaRPr lang="en-CA"/>
+          </a:p>
+        </p:txBody>
+      </p:sp>
+      <p:sp>
+        <p:nvSpPr>
+          <p:cNvPr id="20" name="Oval 19">
+            <a:extLst>
+              <a:ext uri="{FF2B5EF4-FFF2-40B4-BE49-F238E27FC236}">
+                <a16:creationId xmlns:a16="http://schemas.microsoft.com/office/drawing/2014/main" id="{AAF7B114-93B8-40D2-809B-C5AFD2C7AB12}"/>
+              </a:ext>
+            </a:extLst>
+          </p:cNvPr>
+          <p:cNvSpPr/>
+          <p:nvPr/>
+        </p:nvSpPr>
+        <p:spPr>
+          <a:xfrm>
+            <a:off x="10112830" y="3363686"/>
+            <a:ext cx="2079170" cy="1796143"/>
+          </a:xfrm>
+          <a:prstGeom prst="ellipse">
+            <a:avLst/>
+          </a:prstGeom>
+          <a:noFill/>
+          <a:ln w="19050">
+            <a:solidFill>
+              <a:srgbClr val="FFC000"/>
+            </a:solidFill>
+          </a:ln>
+        </p:spPr>
+        <p:style>
+          <a:lnRef idx="2">
+            <a:schemeClr val="accent1">
+              <a:shade val="50000"/>
+            </a:schemeClr>
+          </a:lnRef>
+          <a:fillRef idx="1">
+            <a:schemeClr val="accent1"/>
+          </a:fillRef>
+          <a:effectRef idx="0">
+            <a:schemeClr val="accent1"/>
+          </a:effectRef>
+          <a:fontRef idx="minor">
+            <a:schemeClr val="lt1"/>
+          </a:fontRef>
+        </p:style>
+        <p:txBody>
+          <a:bodyPr rtlCol="0" anchor="ctr"/>
+          <a:lstStyle/>
+          <a:p>
+            <a:pPr algn="ctr"/>
+            <a:endParaRPr lang="en-CA"/>
+          </a:p>
+        </p:txBody>
+      </p:sp>
+      <p:sp>
+        <p:nvSpPr>
+          <p:cNvPr id="21" name="Rectangle 20">
+            <a:extLst>
+              <a:ext uri="{FF2B5EF4-FFF2-40B4-BE49-F238E27FC236}">
+                <a16:creationId xmlns:a16="http://schemas.microsoft.com/office/drawing/2014/main" id="{DB459239-E698-4598-87DA-E97DF5B7963D}"/>
+              </a:ext>
+            </a:extLst>
+          </p:cNvPr>
+          <p:cNvSpPr/>
+          <p:nvPr/>
+        </p:nvSpPr>
+        <p:spPr>
+          <a:xfrm>
+            <a:off x="738683" y="4126025"/>
+            <a:ext cx="2810059" cy="831737"/>
+          </a:xfrm>
+          <a:prstGeom prst="rect">
+            <a:avLst/>
+          </a:prstGeom>
+          <a:noFill/>
+          <a:ln w="19050">
+            <a:solidFill>
+              <a:schemeClr val="accent4"/>
+            </a:solidFill>
+          </a:ln>
+        </p:spPr>
+        <p:style>
+          <a:lnRef idx="2">
+            <a:schemeClr val="accent1">
+              <a:shade val="50000"/>
+            </a:schemeClr>
+          </a:lnRef>
+          <a:fillRef idx="1">
+            <a:schemeClr val="accent1"/>
+          </a:fillRef>
+          <a:effectRef idx="0">
+            <a:schemeClr val="accent1"/>
+          </a:effectRef>
+          <a:fontRef idx="minor">
+            <a:schemeClr val="lt1"/>
+          </a:fontRef>
+        </p:style>
+        <p:txBody>
+          <a:bodyPr rtlCol="0" anchor="ctr"/>
+          <a:lstStyle/>
+          <a:p>
+            <a:pPr algn="ctr"/>
+            <a:endParaRPr lang="en-CA"/>
+          </a:p>
+        </p:txBody>
+      </p:sp>
+      <p:pic>
+        <p:nvPicPr>
+          <p:cNvPr id="22" name="Picture 21">
+            <a:extLst>
+              <a:ext uri="{FF2B5EF4-FFF2-40B4-BE49-F238E27FC236}">
+                <a16:creationId xmlns:a16="http://schemas.microsoft.com/office/drawing/2014/main" id="{FF5B9E67-B4F0-4086-8093-55F85C637428}"/>
+              </a:ext>
+            </a:extLst>
+          </p:cNvPr>
+          <p:cNvPicPr>
+            <a:picLocks noChangeAspect="1"/>
+          </p:cNvPicPr>
+          <p:nvPr/>
+        </p:nvPicPr>
+        <p:blipFill>
+          <a:blip r:embed="rId4"/>
+          <a:stretch>
+            <a:fillRect/>
+          </a:stretch>
+        </p:blipFill>
+        <p:spPr>
+          <a:xfrm>
+            <a:off x="5462585" y="2144713"/>
+            <a:ext cx="6729413" cy="1784802"/>
+          </a:xfrm>
+          <a:prstGeom prst="rect">
+            <a:avLst/>
+          </a:prstGeom>
+        </p:spPr>
+      </p:pic>
+      <p:pic>
+        <p:nvPicPr>
+          <p:cNvPr id="23" name="Picture 22">
+            <a:extLst>
+              <a:ext uri="{FF2B5EF4-FFF2-40B4-BE49-F238E27FC236}">
+                <a16:creationId xmlns:a16="http://schemas.microsoft.com/office/drawing/2014/main" id="{E49E98F1-D514-4197-87DD-D0CD1F2F0C95}"/>
+              </a:ext>
+            </a:extLst>
+          </p:cNvPr>
+          <p:cNvPicPr>
+            <a:picLocks noChangeAspect="1"/>
+          </p:cNvPicPr>
+          <p:nvPr/>
+        </p:nvPicPr>
+        <p:blipFill>
+          <a:blip r:embed="rId5"/>
+          <a:stretch>
+            <a:fillRect/>
+          </a:stretch>
+        </p:blipFill>
+        <p:spPr>
+          <a:xfrm>
+            <a:off x="5462585" y="3876449"/>
+            <a:ext cx="6729415" cy="2005013"/>
+          </a:xfrm>
+          <a:prstGeom prst="rect">
+            <a:avLst/>
+          </a:prstGeom>
+        </p:spPr>
+      </p:pic>
+      <p:sp>
+        <p:nvSpPr>
+          <p:cNvPr id="24" name="Rectangle 23">
+            <a:extLst>
+              <a:ext uri="{FF2B5EF4-FFF2-40B4-BE49-F238E27FC236}">
+                <a16:creationId xmlns:a16="http://schemas.microsoft.com/office/drawing/2014/main" id="{2242480A-01AF-4A5C-8EED-4DE1AC29A810}"/>
+              </a:ext>
+            </a:extLst>
+          </p:cNvPr>
+          <p:cNvSpPr/>
+          <p:nvPr/>
+        </p:nvSpPr>
+        <p:spPr>
+          <a:xfrm>
+            <a:off x="6763427" y="2958193"/>
+            <a:ext cx="4242029" cy="284616"/>
+          </a:xfrm>
+          <a:prstGeom prst="rect">
+            <a:avLst/>
+          </a:prstGeom>
+          <a:noFill/>
+          <a:ln w="19050"/>
+        </p:spPr>
+        <p:style>
+          <a:lnRef idx="2">
+            <a:schemeClr val="accent1">
+              <a:shade val="50000"/>
+            </a:schemeClr>
+          </a:lnRef>
+          <a:fillRef idx="1">
+            <a:schemeClr val="accent1"/>
+          </a:fillRef>
+          <a:effectRef idx="0">
+            <a:schemeClr val="accent1"/>
+          </a:effectRef>
+          <a:fontRef idx="minor">
+            <a:schemeClr val="lt1"/>
+          </a:fontRef>
+        </p:style>
+        <p:txBody>
+          <a:bodyPr rtlCol="0" anchor="ctr"/>
+          <a:lstStyle/>
+          <a:p>
+            <a:pPr algn="ctr"/>
+            <a:endParaRPr lang="en-CA"/>
+          </a:p>
+        </p:txBody>
+      </p:sp>
+      <p:sp>
+        <p:nvSpPr>
+          <p:cNvPr id="25" name="Rectangle 24">
+            <a:extLst>
+              <a:ext uri="{FF2B5EF4-FFF2-40B4-BE49-F238E27FC236}">
+                <a16:creationId xmlns:a16="http://schemas.microsoft.com/office/drawing/2014/main" id="{9EA37AE3-1A19-4D84-8A9C-2623CC398116}"/>
+              </a:ext>
+            </a:extLst>
+          </p:cNvPr>
+          <p:cNvSpPr/>
+          <p:nvPr/>
+        </p:nvSpPr>
+        <p:spPr>
+          <a:xfrm>
+            <a:off x="6763427" y="3548743"/>
+            <a:ext cx="2010459" cy="218622"/>
+          </a:xfrm>
+          <a:prstGeom prst="rect">
+            <a:avLst/>
+          </a:prstGeom>
+          <a:noFill/>
+          <a:ln w="19050"/>
+        </p:spPr>
+        <p:style>
+          <a:lnRef idx="2">
+            <a:schemeClr val="accent1">
+              <a:shade val="50000"/>
+            </a:schemeClr>
+          </a:lnRef>
+          <a:fillRef idx="1">
+            <a:schemeClr val="accent1"/>
+          </a:fillRef>
+          <a:effectRef idx="0">
+            <a:schemeClr val="accent1"/>
+          </a:effectRef>
+          <a:fontRef idx="minor">
+            <a:schemeClr val="lt1"/>
+          </a:fontRef>
+        </p:style>
+        <p:txBody>
+          <a:bodyPr rtlCol="0" anchor="ctr"/>
+          <a:lstStyle/>
+          <a:p>
+            <a:pPr algn="ctr"/>
+            <a:endParaRPr lang="en-CA"/>
+          </a:p>
+        </p:txBody>
+      </p:sp>
+    </p:spTree>
+    <p:extLst>
+      <p:ext uri="{BB962C8B-B14F-4D97-AF65-F5344CB8AC3E}">
+        <p14:creationId xmlns:p14="http://schemas.microsoft.com/office/powerpoint/2010/main" val="4080409204"/>
+      </p:ext>
+    </p:extLst>
+  </p:cSld>
+  <p:clrMapOvr>
+    <a:masterClrMapping/>
+  </p:clrMapOvr>
+  <p:timing>
+    <p:tnLst>
+      <p:par>
+        <p:cTn id="1" dur="indefinite" restart="never" nodeType="tmRoot">
+          <p:childTnLst>
+            <p:seq concurrent="1" nextAc="seek">
+              <p:cTn id="2" dur="indefinite" nodeType="mainSeq">
+                <p:childTnLst>
+                  <p:par>
+                    <p:cTn id="3" fill="hold">
+                      <p:stCondLst>
+                        <p:cond delay="indefinite"/>
+                      </p:stCondLst>
+                      <p:childTnLst>
+                        <p:par>
+                          <p:cTn id="4" fill="hold">
+                            <p:stCondLst>
+                              <p:cond delay="0"/>
+                            </p:stCondLst>
+                            <p:childTnLst>
+                              <p:par>
+                                <p:cTn id="5" presetID="1" presetClass="entr" presetSubtype="0" fill="hold" grpId="0" nodeType="clickEffect">
+                                  <p:stCondLst>
+                                    <p:cond delay="0"/>
+                                  </p:stCondLst>
+                                  <p:childTnLst>
+                                    <p:set>
+                                      <p:cBhvr>
+                                        <p:cTn id="6" dur="1" fill="hold">
+                                          <p:stCondLst>
+                                            <p:cond delay="0"/>
+                                          </p:stCondLst>
+                                        </p:cTn>
+                                        <p:tgtEl>
+                                          <p:spTgt spid="15"/>
+                                        </p:tgtEl>
+                                        <p:attrNameLst>
+                                          <p:attrName>style.visibility</p:attrName>
+                                        </p:attrNameLst>
+                                      </p:cBhvr>
+                                      <p:to>
+                                        <p:strVal val="visible"/>
+                                      </p:to>
+                                    </p:set>
+                                  </p:childTnLst>
+                                </p:cTn>
+                              </p:par>
+                              <p:par>
+                                <p:cTn id="7" presetID="1" presetClass="entr" presetSubtype="0" fill="hold" grpId="0" nodeType="withEffect">
+                                  <p:stCondLst>
+                                    <p:cond delay="0"/>
+                                  </p:stCondLst>
+                                  <p:childTnLst>
+                                    <p:set>
+                                      <p:cBhvr>
+                                        <p:cTn id="8" dur="1" fill="hold">
+                                          <p:stCondLst>
+                                            <p:cond delay="0"/>
+                                          </p:stCondLst>
+                                        </p:cTn>
+                                        <p:tgtEl>
+                                          <p:spTgt spid="16"/>
+                                        </p:tgtEl>
+                                        <p:attrNameLst>
+                                          <p:attrName>style.visibility</p:attrName>
+                                        </p:attrNameLst>
+                                      </p:cBhvr>
+                                      <p:to>
+                                        <p:strVal val="visible"/>
+                                      </p:to>
+                                    </p:set>
+                                  </p:childTnLst>
+                                </p:cTn>
+                              </p:par>
+                            </p:childTnLst>
+                          </p:cTn>
+                        </p:par>
+                      </p:childTnLst>
+                    </p:cTn>
+                  </p:par>
+                  <p:par>
+                    <p:cTn id="9" fill="hold">
+                      <p:stCondLst>
+                        <p:cond delay="indefinite"/>
+                      </p:stCondLst>
+                      <p:childTnLst>
+                        <p:par>
+                          <p:cTn id="10" fill="hold">
+                            <p:stCondLst>
+                              <p:cond delay="0"/>
+                            </p:stCondLst>
+                            <p:childTnLst>
+                              <p:par>
+                                <p:cTn id="11" presetID="1" presetClass="entr" presetSubtype="0" fill="hold" grpId="0" nodeType="clickEffect">
+                                  <p:stCondLst>
+                                    <p:cond delay="0"/>
+                                  </p:stCondLst>
+                                  <p:childTnLst>
+                                    <p:set>
+                                      <p:cBhvr>
+                                        <p:cTn id="12" dur="1" fill="hold">
+                                          <p:stCondLst>
+                                            <p:cond delay="0"/>
+                                          </p:stCondLst>
+                                        </p:cTn>
+                                        <p:tgtEl>
+                                          <p:spTgt spid="17"/>
+                                        </p:tgtEl>
+                                        <p:attrNameLst>
+                                          <p:attrName>style.visibility</p:attrName>
+                                        </p:attrNameLst>
+                                      </p:cBhvr>
+                                      <p:to>
+                                        <p:strVal val="visible"/>
+                                      </p:to>
+                                    </p:set>
+                                  </p:childTnLst>
+                                </p:cTn>
+                              </p:par>
+                              <p:par>
+                                <p:cTn id="13" presetID="1" presetClass="entr" presetSubtype="0" fill="hold" grpId="0" nodeType="withEffect">
+                                  <p:stCondLst>
+                                    <p:cond delay="0"/>
+                                  </p:stCondLst>
+                                  <p:childTnLst>
+                                    <p:set>
+                                      <p:cBhvr>
+                                        <p:cTn id="14" dur="1" fill="hold">
+                                          <p:stCondLst>
+                                            <p:cond delay="0"/>
+                                          </p:stCondLst>
+                                        </p:cTn>
+                                        <p:tgtEl>
+                                          <p:spTgt spid="18"/>
+                                        </p:tgtEl>
+                                        <p:attrNameLst>
+                                          <p:attrName>style.visibility</p:attrName>
+                                        </p:attrNameLst>
+                                      </p:cBhvr>
+                                      <p:to>
+                                        <p:strVal val="visible"/>
+                                      </p:to>
+                                    </p:set>
+                                  </p:childTnLst>
+                                </p:cTn>
+                              </p:par>
+                              <p:par>
+                                <p:cTn id="15" presetID="1" presetClass="entr" presetSubtype="0" fill="hold" grpId="0" nodeType="withEffect">
+                                  <p:stCondLst>
+                                    <p:cond delay="0"/>
+                                  </p:stCondLst>
+                                  <p:childTnLst>
+                                    <p:set>
+                                      <p:cBhvr>
+                                        <p:cTn id="16" dur="1" fill="hold">
+                                          <p:stCondLst>
+                                            <p:cond delay="0"/>
+                                          </p:stCondLst>
+                                        </p:cTn>
+                                        <p:tgtEl>
+                                          <p:spTgt spid="19"/>
+                                        </p:tgtEl>
+                                        <p:attrNameLst>
+                                          <p:attrName>style.visibility</p:attrName>
+                                        </p:attrNameLst>
+                                      </p:cBhvr>
+                                      <p:to>
+                                        <p:strVal val="visible"/>
+                                      </p:to>
+                                    </p:set>
+                                  </p:childTnLst>
+                                </p:cTn>
+                              </p:par>
+                            </p:childTnLst>
+                          </p:cTn>
+                        </p:par>
+                      </p:childTnLst>
+                    </p:cTn>
+                  </p:par>
+                  <p:par>
+                    <p:cTn id="17" fill="hold">
+                      <p:stCondLst>
+                        <p:cond delay="indefinite"/>
+                      </p:stCondLst>
+                      <p:childTnLst>
+                        <p:par>
+                          <p:cTn id="18" fill="hold">
+                            <p:stCondLst>
+                              <p:cond delay="0"/>
+                            </p:stCondLst>
+                            <p:childTnLst>
+                              <p:par>
+                                <p:cTn id="19" presetID="1" presetClass="entr" presetSubtype="0" fill="hold" grpId="0" nodeType="clickEffect">
+                                  <p:stCondLst>
+                                    <p:cond delay="0"/>
+                                  </p:stCondLst>
+                                  <p:childTnLst>
+                                    <p:set>
+                                      <p:cBhvr>
+                                        <p:cTn id="20" dur="1" fill="hold">
+                                          <p:stCondLst>
+                                            <p:cond delay="0"/>
+                                          </p:stCondLst>
+                                        </p:cTn>
+                                        <p:tgtEl>
+                                          <p:spTgt spid="20"/>
+                                        </p:tgtEl>
+                                        <p:attrNameLst>
+                                          <p:attrName>style.visibility</p:attrName>
+                                        </p:attrNameLst>
+                                      </p:cBhvr>
+                                      <p:to>
+                                        <p:strVal val="visible"/>
+                                      </p:to>
+                                    </p:set>
+                                  </p:childTnLst>
+                                </p:cTn>
+                              </p:par>
+                              <p:par>
+                                <p:cTn id="21" presetID="1" presetClass="entr" presetSubtype="0" fill="hold" grpId="0" nodeType="withEffect">
+                                  <p:stCondLst>
+                                    <p:cond delay="0"/>
+                                  </p:stCondLst>
+                                  <p:childTnLst>
+                                    <p:set>
+                                      <p:cBhvr>
+                                        <p:cTn id="22" dur="1" fill="hold">
+                                          <p:stCondLst>
+                                            <p:cond delay="0"/>
+                                          </p:stCondLst>
+                                        </p:cTn>
+                                        <p:tgtEl>
+                                          <p:spTgt spid="21"/>
+                                        </p:tgtEl>
+                                        <p:attrNameLst>
+                                          <p:attrName>style.visibility</p:attrName>
+                                        </p:attrNameLst>
+                                      </p:cBhvr>
+                                      <p:to>
+                                        <p:strVal val="visible"/>
+                                      </p:to>
+                                    </p:set>
+                                  </p:childTnLst>
+                                </p:cTn>
+                              </p:par>
+                            </p:childTnLst>
+                          </p:cTn>
+                        </p:par>
+                      </p:childTnLst>
+                    </p:cTn>
+                  </p:par>
+                  <p:par>
+                    <p:cTn id="23" fill="hold">
+                      <p:stCondLst>
+                        <p:cond delay="indefinite"/>
+                      </p:stCondLst>
+                      <p:childTnLst>
+                        <p:par>
+                          <p:cTn id="24" fill="hold">
+                            <p:stCondLst>
+                              <p:cond delay="0"/>
+                            </p:stCondLst>
+                            <p:childTnLst>
+                              <p:par>
+                                <p:cTn id="25" presetID="1" presetClass="entr" presetSubtype="0" fill="hold" nodeType="clickEffect">
+                                  <p:stCondLst>
+                                    <p:cond delay="0"/>
+                                  </p:stCondLst>
+                                  <p:childTnLst>
+                                    <p:set>
+                                      <p:cBhvr>
+                                        <p:cTn id="26" dur="1" fill="hold">
+                                          <p:stCondLst>
+                                            <p:cond delay="0"/>
+                                          </p:stCondLst>
+                                        </p:cTn>
+                                        <p:tgtEl>
+                                          <p:spTgt spid="22"/>
+                                        </p:tgtEl>
+                                        <p:attrNameLst>
+                                          <p:attrName>style.visibility</p:attrName>
+                                        </p:attrNameLst>
+                                      </p:cBhvr>
+                                      <p:to>
+                                        <p:strVal val="visible"/>
+                                      </p:to>
+                                    </p:set>
+                                  </p:childTnLst>
+                                </p:cTn>
+                              </p:par>
+                              <p:par>
+                                <p:cTn id="27" presetID="1" presetClass="entr" presetSubtype="0" fill="hold" nodeType="withEffect">
+                                  <p:stCondLst>
+                                    <p:cond delay="0"/>
+                                  </p:stCondLst>
+                                  <p:childTnLst>
+                                    <p:set>
+                                      <p:cBhvr>
+                                        <p:cTn id="28" dur="1" fill="hold">
+                                          <p:stCondLst>
+                                            <p:cond delay="0"/>
+                                          </p:stCondLst>
+                                        </p:cTn>
+                                        <p:tgtEl>
+                                          <p:spTgt spid="23"/>
+                                        </p:tgtEl>
+                                        <p:attrNameLst>
+                                          <p:attrName>style.visibility</p:attrName>
+                                        </p:attrNameLst>
+                                      </p:cBhvr>
+                                      <p:to>
+                                        <p:strVal val="visible"/>
+                                      </p:to>
+                                    </p:set>
+                                  </p:childTnLst>
+                                </p:cTn>
+                              </p:par>
+                              <p:par>
+                                <p:cTn id="29" presetID="1" presetClass="entr" presetSubtype="0" fill="hold" grpId="0" nodeType="withEffect">
+                                  <p:stCondLst>
+                                    <p:cond delay="0"/>
+                                  </p:stCondLst>
+                                  <p:childTnLst>
+                                    <p:set>
+                                      <p:cBhvr>
+                                        <p:cTn id="30" dur="1" fill="hold">
+                                          <p:stCondLst>
+                                            <p:cond delay="0"/>
+                                          </p:stCondLst>
+                                        </p:cTn>
+                                        <p:tgtEl>
+                                          <p:spTgt spid="24"/>
+                                        </p:tgtEl>
+                                        <p:attrNameLst>
+                                          <p:attrName>style.visibility</p:attrName>
+                                        </p:attrNameLst>
+                                      </p:cBhvr>
+                                      <p:to>
+                                        <p:strVal val="visible"/>
+                                      </p:to>
+                                    </p:set>
+                                  </p:childTnLst>
+                                </p:cTn>
+                              </p:par>
+                              <p:par>
+                                <p:cTn id="31" presetID="1" presetClass="entr" presetSubtype="0" fill="hold" grpId="0" nodeType="withEffect">
+                                  <p:stCondLst>
+                                    <p:cond delay="0"/>
+                                  </p:stCondLst>
+                                  <p:childTnLst>
+                                    <p:set>
+                                      <p:cBhvr>
+                                        <p:cTn id="32" dur="1" fill="hold">
+                                          <p:stCondLst>
+                                            <p:cond delay="0"/>
+                                          </p:stCondLst>
+                                        </p:cTn>
+                                        <p:tgtEl>
+                                          <p:spTgt spid="25"/>
+                                        </p:tgtEl>
+                                        <p:attrNameLst>
+                                          <p:attrName>style.visibility</p:attrName>
+                                        </p:attrNameLst>
+                                      </p:cBhvr>
+                                      <p:to>
+                                        <p:strVal val="visible"/>
+                                      </p:to>
+                                    </p:set>
+                                  </p:childTnLst>
+                                </p:cTn>
+                              </p:par>
+                            </p:childTnLst>
+                          </p:cTn>
+                        </p:par>
+                      </p:childTnLst>
+                    </p:cTn>
+                  </p:par>
+                </p:childTnLst>
+              </p:cTn>
+              <p:prevCondLst>
+                <p:cond evt="onPrev" delay="0">
+                  <p:tgtEl>
+                    <p:sldTgt/>
+                  </p:tgtEl>
+                </p:cond>
+              </p:prevCondLst>
+              <p:nextCondLst>
+                <p:cond evt="onNext" delay="0">
+                  <p:tgtEl>
+                    <p:sldTgt/>
+                  </p:tgtEl>
+                </p:cond>
+              </p:nextCondLst>
+            </p:seq>
+          </p:childTnLst>
+        </p:cTn>
+      </p:par>
+    </p:tnLst>
+    <p:bldLst>
+      <p:bldP spid="15" grpId="0" animBg="1"/>
+      <p:bldP spid="16" grpId="0" animBg="1"/>
+      <p:bldP spid="17" grpId="0" animBg="1"/>
+      <p:bldP spid="18" grpId="0" animBg="1"/>
+      <p:bldP spid="19" grpId="0" animBg="1"/>
+      <p:bldP spid="20" grpId="0" animBg="1"/>
+      <p:bldP spid="21" grpId="0" animBg="1"/>
+      <p:bldP spid="24" grpId="0" animBg="1"/>
+      <p:bldP spid="25" grpId="0" animBg="1"/>
+    </p:bldLst>
+  </p:timing>
+</p:sld>
+</file>
+
+<file path=ppt/slides/slide15.xml><?xml version="1.0" encoding="utf-8"?>
+<p:sld xmlns:a="http://schemas.openxmlformats.org/drawingml/2006/main" xmlns:r="http://schemas.openxmlformats.org/officeDocument/2006/relationships" xmlns:p="http://schemas.openxmlformats.org/presentationml/2006/main">
+  <p:cSld>
+    <p:spTree>
+      <p:nvGrpSpPr>
+        <p:cNvPr id="1" name=""/>
+        <p:cNvGrpSpPr/>
+        <p:nvPr/>
+      </p:nvGrpSpPr>
+      <p:grpSpPr>
+        <a:xfrm>
+          <a:off x="0" y="0"/>
+          <a:ext cx="0" cy="0"/>
+          <a:chOff x="0" y="0"/>
+          <a:chExt cx="0" cy="0"/>
+        </a:xfrm>
+      </p:grpSpPr>
+      <p:sp>
+        <p:nvSpPr>
+          <p:cNvPr id="2" name="Title 1">
+            <a:extLst>
+              <a:ext uri="{FF2B5EF4-FFF2-40B4-BE49-F238E27FC236}">
+                <a16:creationId xmlns:a16="http://schemas.microsoft.com/office/drawing/2014/main" id="{7718294B-7BF7-4C87-B927-4F90E6521051}"/>
+              </a:ext>
+            </a:extLst>
+          </p:cNvPr>
+          <p:cNvSpPr>
+            <a:spLocks noGrp="1"/>
+          </p:cNvSpPr>
+          <p:nvPr>
+            <p:ph type="title"/>
+          </p:nvPr>
+        </p:nvSpPr>
+        <p:spPr>
+          <a:xfrm>
+            <a:off x="838200" y="365125"/>
+            <a:ext cx="10515600" cy="1325563"/>
+          </a:xfrm>
+        </p:spPr>
+        <p:txBody>
+          <a:bodyPr/>
+          <a:lstStyle/>
+          <a:p>
+            <a:r>
+              <a:rPr lang="en-CA" dirty="0"/>
+              <a:t>Scalable Analysis of Variable Software</a:t>
+            </a:r>
+          </a:p>
+        </p:txBody>
+      </p:sp>
+      <p:sp>
+        <p:nvSpPr>
+          <p:cNvPr id="4" name="Slide Number Placeholder 3">
+            <a:extLst>
+              <a:ext uri="{FF2B5EF4-FFF2-40B4-BE49-F238E27FC236}">
+                <a16:creationId xmlns:a16="http://schemas.microsoft.com/office/drawing/2014/main" id="{DBD0F7F4-106D-45AF-9C9E-9AA6FF3C5EA8}"/>
+              </a:ext>
+            </a:extLst>
+          </p:cNvPr>
+          <p:cNvSpPr>
+            <a:spLocks noGrp="1"/>
+          </p:cNvSpPr>
+          <p:nvPr>
+            <p:ph type="sldNum" sz="quarter" idx="12"/>
+          </p:nvPr>
+        </p:nvSpPr>
+        <p:spPr/>
+        <p:txBody>
+          <a:bodyPr/>
+          <a:lstStyle/>
+          <a:p>
+            <a:fld id="{89456DF9-7ABE-4DA3-87DA-B2AEED84E1A6}" type="slidenum">
+              <a:rPr lang="en-CA" smtClean="0"/>
+              <a:t>15</a:t>
+            </a:fld>
+            <a:endParaRPr lang="en-CA"/>
+          </a:p>
+        </p:txBody>
+      </p:sp>
+      <p:pic>
+        <p:nvPicPr>
+          <p:cNvPr id="5" name="Picture 4">
+            <a:extLst>
+              <a:ext uri="{FF2B5EF4-FFF2-40B4-BE49-F238E27FC236}">
+                <a16:creationId xmlns:a16="http://schemas.microsoft.com/office/drawing/2014/main" id="{31C377B5-5856-46E2-B647-C9178504F4DD}"/>
+              </a:ext>
+            </a:extLst>
+          </p:cNvPr>
+          <p:cNvPicPr>
+            <a:picLocks noChangeAspect="1"/>
+          </p:cNvPicPr>
+          <p:nvPr/>
+        </p:nvPicPr>
+        <p:blipFill>
+          <a:blip r:embed="rId2"/>
+          <a:stretch>
+            <a:fillRect/>
+          </a:stretch>
+        </p:blipFill>
+        <p:spPr>
+          <a:xfrm>
+            <a:off x="838200" y="2400372"/>
+            <a:ext cx="5663056" cy="2894853"/>
+          </a:xfrm>
+          <a:prstGeom prst="rect">
+            <a:avLst/>
+          </a:prstGeom>
+        </p:spPr>
+      </p:pic>
+      <p:pic>
+        <p:nvPicPr>
+          <p:cNvPr id="6" name="Picture 5">
+            <a:extLst>
+              <a:ext uri="{FF2B5EF4-FFF2-40B4-BE49-F238E27FC236}">
+                <a16:creationId xmlns:a16="http://schemas.microsoft.com/office/drawing/2014/main" id="{E38ED98F-5BF6-4564-B056-FB5237238E62}"/>
+              </a:ext>
+            </a:extLst>
+          </p:cNvPr>
+          <p:cNvPicPr>
+            <a:picLocks noChangeAspect="1"/>
+          </p:cNvPicPr>
+          <p:nvPr/>
+        </p:nvPicPr>
+        <p:blipFill>
+          <a:blip r:embed="rId3"/>
+          <a:stretch>
+            <a:fillRect/>
+          </a:stretch>
+        </p:blipFill>
+        <p:spPr>
+          <a:xfrm>
+            <a:off x="6673765" y="2129050"/>
+            <a:ext cx="5357732" cy="3450449"/>
+          </a:xfrm>
+          <a:prstGeom prst="rect">
+            <a:avLst/>
+          </a:prstGeom>
+        </p:spPr>
+      </p:pic>
+    </p:spTree>
+    <p:extLst>
+      <p:ext uri="{BB962C8B-B14F-4D97-AF65-F5344CB8AC3E}">
+        <p14:creationId xmlns:p14="http://schemas.microsoft.com/office/powerpoint/2010/main" val="3677504978"/>
+      </p:ext>
+    </p:extLst>
+  </p:cSld>
+  <p:clrMapOvr>
+    <a:masterClrMapping/>
+  </p:clrMapOvr>
+</p:sld>
+</file>
+
+<file path=ppt/slides/slide16.xml><?xml version="1.0" encoding="utf-8"?>
+<p:sld xmlns:a="http://schemas.openxmlformats.org/drawingml/2006/main" xmlns:r="http://schemas.openxmlformats.org/officeDocument/2006/relationships" xmlns:p="http://schemas.openxmlformats.org/presentationml/2006/main">
+  <p:cSld>
+    <p:bg>
+      <p:bgPr>
+        <a:solidFill>
+          <a:schemeClr val="bg1"/>
+        </a:solidFill>
+        <a:effectLst/>
+      </p:bgPr>
+    </p:bg>
+    <p:spTree>
+      <p:nvGrpSpPr>
+        <p:cNvPr id="1" name=""/>
+        <p:cNvGrpSpPr/>
+        <p:nvPr/>
+      </p:nvGrpSpPr>
+      <p:grpSpPr>
+        <a:xfrm>
+          <a:off x="0" y="0"/>
+          <a:ext cx="0" cy="0"/>
+          <a:chOff x="0" y="0"/>
+          <a:chExt cx="0" cy="0"/>
+        </a:xfrm>
+      </p:grpSpPr>
+      <p:pic>
+        <p:nvPicPr>
+          <p:cNvPr id="2" name="Picture 1">
+            <a:extLst>
+              <a:ext uri="{FF2B5EF4-FFF2-40B4-BE49-F238E27FC236}">
+                <a16:creationId xmlns:a16="http://schemas.microsoft.com/office/drawing/2014/main" id="{CAD4CACF-DEEB-47AA-9BE4-E2A145AC2A19}"/>
+              </a:ext>
+            </a:extLst>
+          </p:cNvPr>
+          <p:cNvPicPr>
+            <a:picLocks noChangeAspect="1"/>
+          </p:cNvPicPr>
+          <p:nvPr/>
+        </p:nvPicPr>
+        <p:blipFill rotWithShape="1">
+          <a:blip r:embed="rId2"/>
+          <a:srcRect r="1" b="30224"/>
+          <a:stretch/>
+        </p:blipFill>
+        <p:spPr>
+          <a:xfrm>
+            <a:off x="643467" y="1174776"/>
+            <a:ext cx="10905066" cy="4508446"/>
+          </a:xfrm>
+          <a:prstGeom prst="rect">
+            <a:avLst/>
+          </a:prstGeom>
+        </p:spPr>
+      </p:pic>
+      <p:sp>
+        <p:nvSpPr>
+          <p:cNvPr id="4" name="Slide Number Placeholder 3">
+            <a:extLst>
+              <a:ext uri="{FF2B5EF4-FFF2-40B4-BE49-F238E27FC236}">
+                <a16:creationId xmlns:a16="http://schemas.microsoft.com/office/drawing/2014/main" id="{13885500-5E91-4529-A64C-E5F6274031E4}"/>
+              </a:ext>
+            </a:extLst>
+          </p:cNvPr>
+          <p:cNvSpPr>
+            <a:spLocks noGrp="1"/>
+          </p:cNvSpPr>
+          <p:nvPr>
+            <p:ph type="sldNum" sz="quarter" idx="12"/>
+          </p:nvPr>
+        </p:nvSpPr>
+        <p:spPr>
+          <a:xfrm>
+            <a:off x="8610600" y="6356350"/>
+            <a:ext cx="2743200" cy="365125"/>
+          </a:xfrm>
+        </p:spPr>
+        <p:txBody>
+          <a:bodyPr vert="horz" lIns="91440" tIns="45720" rIns="91440" bIns="45720" rtlCol="0" anchor="ctr">
+            <a:normAutofit/>
+          </a:bodyPr>
+          <a:lstStyle/>
+          <a:p>
+            <a:pPr>
+              <a:spcAft>
+                <a:spcPts val="600"/>
+              </a:spcAft>
+            </a:pPr>
+            <a:fld id="{89456DF9-7ABE-4DA3-87DA-B2AEED84E1A6}" type="slidenum">
+              <a:rPr lang="en-US" smtClean="0"/>
+              <a:pPr>
+                <a:spcAft>
+                  <a:spcPts val="600"/>
+                </a:spcAft>
+              </a:pPr>
+              <a:t>16</a:t>
+            </a:fld>
+            <a:endParaRPr lang="en-US"/>
+          </a:p>
+        </p:txBody>
+      </p:sp>
+      <p:sp>
+        <p:nvSpPr>
+          <p:cNvPr id="7" name="TextBox 6">
+            <a:extLst>
+              <a:ext uri="{FF2B5EF4-FFF2-40B4-BE49-F238E27FC236}">
+                <a16:creationId xmlns:a16="http://schemas.microsoft.com/office/drawing/2014/main" id="{40254B86-4A50-4CFC-B05F-9EA50E31F087}"/>
+              </a:ext>
+            </a:extLst>
+          </p:cNvPr>
+          <p:cNvSpPr txBox="1"/>
+          <p:nvPr/>
+        </p:nvSpPr>
+        <p:spPr>
+          <a:xfrm>
+            <a:off x="10402321" y="132316"/>
+            <a:ext cx="951479" cy="369332"/>
+          </a:xfrm>
+          <a:prstGeom prst="rect">
+            <a:avLst/>
+          </a:prstGeom>
+          <a:noFill/>
+        </p:spPr>
+        <p:txBody>
+          <a:bodyPr wrap="none" rtlCol="0">
+            <a:spAutoFit/>
+          </a:bodyPr>
+          <a:lstStyle/>
+          <a:p>
+            <a:r>
+              <a:rPr lang="en-CA" dirty="0"/>
+              <a:t>SoCP’15</a:t>
+            </a:r>
+          </a:p>
+        </p:txBody>
+      </p:sp>
+    </p:spTree>
+    <p:extLst>
+      <p:ext uri="{BB962C8B-B14F-4D97-AF65-F5344CB8AC3E}">
+        <p14:creationId xmlns:p14="http://schemas.microsoft.com/office/powerpoint/2010/main" val="925353306"/>
+      </p:ext>
+    </p:extLst>
+  </p:cSld>
+  <p:clrMapOvr>
+    <a:masterClrMapping/>
+  </p:clrMapOvr>
+</p:sld>
+</file>
+
+<file path=ppt/slides/slide17.xml><?xml version="1.0" encoding="utf-8"?>
+<p:sld xmlns:a="http://schemas.openxmlformats.org/drawingml/2006/main" xmlns:r="http://schemas.openxmlformats.org/officeDocument/2006/relationships" xmlns:p="http://schemas.openxmlformats.org/presentationml/2006/main">
+  <p:cSld>
+    <p:bg>
+      <p:bgPr>
+        <a:solidFill>
+          <a:schemeClr val="bg1"/>
+        </a:solidFill>
+        <a:effectLst/>
+      </p:bgPr>
+    </p:bg>
+    <p:spTree>
+      <p:nvGrpSpPr>
+        <p:cNvPr id="1" name=""/>
+        <p:cNvGrpSpPr/>
+        <p:nvPr/>
+      </p:nvGrpSpPr>
+      <p:grpSpPr>
+        <a:xfrm>
+          <a:off x="0" y="0"/>
+          <a:ext cx="0" cy="0"/>
+          <a:chOff x="0" y="0"/>
+          <a:chExt cx="0" cy="0"/>
+        </a:xfrm>
+      </p:grpSpPr>
+      <p:pic>
+        <p:nvPicPr>
+          <p:cNvPr id="5" name="Picture 4">
+            <a:extLst>
+              <a:ext uri="{FF2B5EF4-FFF2-40B4-BE49-F238E27FC236}">
+                <a16:creationId xmlns:a16="http://schemas.microsoft.com/office/drawing/2014/main" id="{3C0FC7CF-2554-42B5-9318-FC843D6F3469}"/>
+              </a:ext>
+            </a:extLst>
+          </p:cNvPr>
+          <p:cNvPicPr>
+            <a:picLocks noChangeAspect="1"/>
+          </p:cNvPicPr>
+          <p:nvPr/>
+        </p:nvPicPr>
+        <p:blipFill>
+          <a:blip r:embed="rId2"/>
+          <a:stretch>
+            <a:fillRect/>
+          </a:stretch>
+        </p:blipFill>
+        <p:spPr>
+          <a:xfrm>
+            <a:off x="1794017" y="643466"/>
+            <a:ext cx="8603966" cy="5571067"/>
+          </a:xfrm>
+          <a:prstGeom prst="rect">
+            <a:avLst/>
+          </a:prstGeom>
+        </p:spPr>
+      </p:pic>
+      <p:sp>
+        <p:nvSpPr>
+          <p:cNvPr id="4" name="Slide Number Placeholder 3">
+            <a:extLst>
+              <a:ext uri="{FF2B5EF4-FFF2-40B4-BE49-F238E27FC236}">
+                <a16:creationId xmlns:a16="http://schemas.microsoft.com/office/drawing/2014/main" id="{44A8261F-38E3-4A7E-B982-88B94B26401A}"/>
+              </a:ext>
+            </a:extLst>
+          </p:cNvPr>
+          <p:cNvSpPr>
+            <a:spLocks noGrp="1"/>
+          </p:cNvSpPr>
+          <p:nvPr>
+            <p:ph type="sldNum" sz="quarter" idx="12"/>
+          </p:nvPr>
+        </p:nvSpPr>
+        <p:spPr>
+          <a:xfrm>
+            <a:off x="8610600" y="6356350"/>
+            <a:ext cx="2743200" cy="365125"/>
+          </a:xfrm>
+        </p:spPr>
+        <p:txBody>
+          <a:bodyPr vert="horz" lIns="91440" tIns="45720" rIns="91440" bIns="45720" rtlCol="0" anchor="ctr">
+            <a:normAutofit/>
+          </a:bodyPr>
+          <a:lstStyle/>
+          <a:p>
+            <a:pPr>
+              <a:spcAft>
+                <a:spcPts val="600"/>
+              </a:spcAft>
+            </a:pPr>
+            <a:fld id="{89456DF9-7ABE-4DA3-87DA-B2AEED84E1A6}" type="slidenum">
+              <a:rPr lang="en-US" smtClean="0"/>
+              <a:pPr>
+                <a:spcAft>
+                  <a:spcPts val="600"/>
+                </a:spcAft>
+              </a:pPr>
+              <a:t>17</a:t>
+            </a:fld>
+            <a:endParaRPr lang="en-US"/>
+          </a:p>
+        </p:txBody>
+      </p:sp>
+      <p:sp>
+        <p:nvSpPr>
+          <p:cNvPr id="6" name="TextBox 5">
+            <a:extLst>
+              <a:ext uri="{FF2B5EF4-FFF2-40B4-BE49-F238E27FC236}">
+                <a16:creationId xmlns:a16="http://schemas.microsoft.com/office/drawing/2014/main" id="{56D226D2-6EE4-42C9-8FF3-0A4F7D340227}"/>
+              </a:ext>
+            </a:extLst>
+          </p:cNvPr>
+          <p:cNvSpPr txBox="1"/>
+          <p:nvPr/>
+        </p:nvSpPr>
+        <p:spPr>
+          <a:xfrm>
+            <a:off x="9248438" y="274134"/>
+            <a:ext cx="1149545" cy="369332"/>
+          </a:xfrm>
+          <a:prstGeom prst="rect">
+            <a:avLst/>
+          </a:prstGeom>
+          <a:noFill/>
+        </p:spPr>
+        <p:txBody>
+          <a:bodyPr wrap="none" rtlCol="0">
+            <a:spAutoFit/>
+          </a:bodyPr>
+          <a:lstStyle/>
+          <a:p>
+            <a:r>
+              <a:rPr lang="en-CA" dirty="0"/>
+              <a:t>TOSEM’12</a:t>
+            </a:r>
+          </a:p>
+        </p:txBody>
+      </p:sp>
+    </p:spTree>
+    <p:extLst>
+      <p:ext uri="{BB962C8B-B14F-4D97-AF65-F5344CB8AC3E}">
+        <p14:creationId xmlns:p14="http://schemas.microsoft.com/office/powerpoint/2010/main" val="3696755076"/>
+      </p:ext>
+    </p:extLst>
+  </p:cSld>
+  <p:clrMapOvr>
+    <a:masterClrMapping/>
+  </p:clrMapOvr>
+</p:sld>
+</file>
+
+<file path=ppt/slides/slide18.xml><?xml version="1.0" encoding="utf-8"?>
+<p:sld xmlns:a="http://schemas.openxmlformats.org/drawingml/2006/main" xmlns:r="http://schemas.openxmlformats.org/officeDocument/2006/relationships" xmlns:p="http://schemas.openxmlformats.org/presentationml/2006/main">
+  <p:cSld>
+    <p:bg>
+      <p:bgPr>
+        <a:solidFill>
+          <a:schemeClr val="bg1"/>
+        </a:solidFill>
+        <a:effectLst/>
+      </p:bgPr>
+    </p:bg>
+    <p:spTree>
+      <p:nvGrpSpPr>
+        <p:cNvPr id="1" name=""/>
+        <p:cNvGrpSpPr/>
+        <p:nvPr/>
+      </p:nvGrpSpPr>
+      <p:grpSpPr>
+        <a:xfrm>
+          <a:off x="0" y="0"/>
+          <a:ext cx="0" cy="0"/>
+          <a:chOff x="0" y="0"/>
+          <a:chExt cx="0" cy="0"/>
+        </a:xfrm>
+      </p:grpSpPr>
+      <p:pic>
+        <p:nvPicPr>
+          <p:cNvPr id="5" name="Picture 4">
+            <a:extLst>
+              <a:ext uri="{FF2B5EF4-FFF2-40B4-BE49-F238E27FC236}">
+                <a16:creationId xmlns:a16="http://schemas.microsoft.com/office/drawing/2014/main" id="{A7C4B656-5077-47D1-8DDD-933DBD8A0245}"/>
+              </a:ext>
+            </a:extLst>
+          </p:cNvPr>
+          <p:cNvPicPr>
+            <a:picLocks noChangeAspect="1"/>
+          </p:cNvPicPr>
+          <p:nvPr/>
+        </p:nvPicPr>
+        <p:blipFill>
+          <a:blip r:embed="rId2"/>
+          <a:stretch>
+            <a:fillRect/>
+          </a:stretch>
+        </p:blipFill>
+        <p:spPr>
+          <a:xfrm>
+            <a:off x="713326" y="643466"/>
+            <a:ext cx="10765348" cy="5571067"/>
+          </a:xfrm>
+          <a:prstGeom prst="rect">
+            <a:avLst/>
+          </a:prstGeom>
+        </p:spPr>
+      </p:pic>
+      <p:sp>
+        <p:nvSpPr>
+          <p:cNvPr id="4" name="Slide Number Placeholder 3">
+            <a:extLst>
+              <a:ext uri="{FF2B5EF4-FFF2-40B4-BE49-F238E27FC236}">
+                <a16:creationId xmlns:a16="http://schemas.microsoft.com/office/drawing/2014/main" id="{6E58CD25-3BD1-4FE5-AAC5-785569D2BF67}"/>
+              </a:ext>
+            </a:extLst>
+          </p:cNvPr>
+          <p:cNvSpPr>
+            <a:spLocks noGrp="1"/>
+          </p:cNvSpPr>
+          <p:nvPr>
+            <p:ph type="sldNum" sz="quarter" idx="12"/>
+          </p:nvPr>
+        </p:nvSpPr>
+        <p:spPr>
+          <a:xfrm>
+            <a:off x="8610600" y="6356350"/>
+            <a:ext cx="2743200" cy="365125"/>
+          </a:xfrm>
+        </p:spPr>
+        <p:txBody>
+          <a:bodyPr vert="horz" lIns="91440" tIns="45720" rIns="91440" bIns="45720" rtlCol="0" anchor="ctr">
+            <a:normAutofit/>
+          </a:bodyPr>
+          <a:lstStyle/>
+          <a:p>
+            <a:pPr>
+              <a:spcAft>
+                <a:spcPts val="600"/>
+              </a:spcAft>
+            </a:pPr>
+            <a:fld id="{89456DF9-7ABE-4DA3-87DA-B2AEED84E1A6}" type="slidenum">
+              <a:rPr lang="en-US" smtClean="0"/>
+              <a:pPr>
+                <a:spcAft>
+                  <a:spcPts val="600"/>
+                </a:spcAft>
+              </a:pPr>
+              <a:t>18</a:t>
+            </a:fld>
+            <a:endParaRPr lang="en-US"/>
+          </a:p>
+        </p:txBody>
+      </p:sp>
+      <p:sp>
+        <p:nvSpPr>
+          <p:cNvPr id="6" name="TextBox 5">
+            <a:extLst>
+              <a:ext uri="{FF2B5EF4-FFF2-40B4-BE49-F238E27FC236}">
+                <a16:creationId xmlns:a16="http://schemas.microsoft.com/office/drawing/2014/main" id="{A01A95D1-BD70-481F-9029-D6CD721B1842}"/>
+              </a:ext>
+            </a:extLst>
+          </p:cNvPr>
+          <p:cNvSpPr txBox="1"/>
+          <p:nvPr/>
+        </p:nvSpPr>
+        <p:spPr>
+          <a:xfrm>
+            <a:off x="10460607" y="274134"/>
+            <a:ext cx="893193" cy="369332"/>
+          </a:xfrm>
+          <a:prstGeom prst="rect">
+            <a:avLst/>
+          </a:prstGeom>
+          <a:noFill/>
+        </p:spPr>
+        <p:txBody>
+          <a:bodyPr wrap="none" rtlCol="0">
+            <a:spAutoFit/>
+          </a:bodyPr>
+          <a:lstStyle/>
+          <a:p>
+            <a:r>
+              <a:rPr lang="en-CA" dirty="0"/>
+              <a:t>PLDI’12</a:t>
+            </a:r>
+          </a:p>
+        </p:txBody>
+      </p:sp>
+    </p:spTree>
+    <p:extLst>
+      <p:ext uri="{BB962C8B-B14F-4D97-AF65-F5344CB8AC3E}">
+        <p14:creationId xmlns:p14="http://schemas.microsoft.com/office/powerpoint/2010/main" val="4167736872"/>
+      </p:ext>
+    </p:extLst>
+  </p:cSld>
+  <p:clrMapOvr>
+    <a:masterClrMapping/>
+  </p:clrMapOvr>
+</p:sld>
+</file>
+
+<file path=ppt/slides/slide19.xml><?xml version="1.0" encoding="utf-8"?>
+<p:sld xmlns:a="http://schemas.openxmlformats.org/drawingml/2006/main" xmlns:r="http://schemas.openxmlformats.org/officeDocument/2006/relationships" xmlns:p="http://schemas.openxmlformats.org/presentationml/2006/main">
+  <p:cSld>
+    <p:bg>
+      <p:bgPr>
+        <a:solidFill>
+          <a:schemeClr val="bg1"/>
+        </a:solidFill>
+        <a:effectLst/>
+      </p:bgPr>
+    </p:bg>
+    <p:spTree>
+      <p:nvGrpSpPr>
+        <p:cNvPr id="1" name=""/>
+        <p:cNvGrpSpPr/>
+        <p:nvPr/>
+      </p:nvGrpSpPr>
+      <p:grpSpPr>
+        <a:xfrm>
+          <a:off x="0" y="0"/>
+          <a:ext cx="0" cy="0"/>
+          <a:chOff x="0" y="0"/>
+          <a:chExt cx="0" cy="0"/>
+        </a:xfrm>
+      </p:grpSpPr>
+      <p:pic>
+        <p:nvPicPr>
+          <p:cNvPr id="5" name="Picture 4">
+            <a:extLst>
+              <a:ext uri="{FF2B5EF4-FFF2-40B4-BE49-F238E27FC236}">
+                <a16:creationId xmlns:a16="http://schemas.microsoft.com/office/drawing/2014/main" id="{42200FB4-1794-4C0E-9CED-8031F48E21A2}"/>
+              </a:ext>
+            </a:extLst>
+          </p:cNvPr>
+          <p:cNvPicPr>
+            <a:picLocks noChangeAspect="1"/>
+          </p:cNvPicPr>
+          <p:nvPr/>
+        </p:nvPicPr>
+        <p:blipFill>
+          <a:blip r:embed="rId2"/>
+          <a:stretch>
+            <a:fillRect/>
+          </a:stretch>
+        </p:blipFill>
+        <p:spPr>
+          <a:xfrm>
+            <a:off x="790221" y="643466"/>
+            <a:ext cx="10611557" cy="5571067"/>
+          </a:xfrm>
+          <a:prstGeom prst="rect">
+            <a:avLst/>
+          </a:prstGeom>
+        </p:spPr>
+      </p:pic>
+      <p:sp>
+        <p:nvSpPr>
+          <p:cNvPr id="4" name="Slide Number Placeholder 3">
+            <a:extLst>
+              <a:ext uri="{FF2B5EF4-FFF2-40B4-BE49-F238E27FC236}">
+                <a16:creationId xmlns:a16="http://schemas.microsoft.com/office/drawing/2014/main" id="{5FECDC33-FCD4-4610-AD55-04744060826F}"/>
+              </a:ext>
+            </a:extLst>
+          </p:cNvPr>
+          <p:cNvSpPr>
+            <a:spLocks noGrp="1"/>
+          </p:cNvSpPr>
+          <p:nvPr>
+            <p:ph type="sldNum" sz="quarter" idx="12"/>
+          </p:nvPr>
+        </p:nvSpPr>
+        <p:spPr>
+          <a:xfrm>
+            <a:off x="8610600" y="6356350"/>
+            <a:ext cx="2743200" cy="365125"/>
+          </a:xfrm>
+        </p:spPr>
+        <p:txBody>
+          <a:bodyPr vert="horz" lIns="91440" tIns="45720" rIns="91440" bIns="45720" rtlCol="0" anchor="ctr">
+            <a:normAutofit/>
+          </a:bodyPr>
+          <a:lstStyle/>
+          <a:p>
+            <a:pPr>
+              <a:spcAft>
+                <a:spcPts val="600"/>
+              </a:spcAft>
+            </a:pPr>
+            <a:fld id="{89456DF9-7ABE-4DA3-87DA-B2AEED84E1A6}" type="slidenum">
+              <a:rPr lang="en-US" smtClean="0"/>
+              <a:pPr>
+                <a:spcAft>
+                  <a:spcPts val="600"/>
+                </a:spcAft>
+              </a:pPr>
+              <a:t>19</a:t>
+            </a:fld>
+            <a:endParaRPr lang="en-US"/>
+          </a:p>
+        </p:txBody>
+      </p:sp>
+      <p:sp>
+        <p:nvSpPr>
+          <p:cNvPr id="6" name="TextBox 5">
+            <a:extLst>
+              <a:ext uri="{FF2B5EF4-FFF2-40B4-BE49-F238E27FC236}">
+                <a16:creationId xmlns:a16="http://schemas.microsoft.com/office/drawing/2014/main" id="{C90B4602-959C-42EE-80EA-DF284D578E1A}"/>
+              </a:ext>
+            </a:extLst>
+          </p:cNvPr>
+          <p:cNvSpPr txBox="1"/>
+          <p:nvPr/>
+        </p:nvSpPr>
+        <p:spPr>
+          <a:xfrm>
+            <a:off x="10460607" y="274134"/>
+            <a:ext cx="893193" cy="369332"/>
+          </a:xfrm>
+          <a:prstGeom prst="rect">
+            <a:avLst/>
+          </a:prstGeom>
+          <a:noFill/>
+        </p:spPr>
+        <p:txBody>
+          <a:bodyPr wrap="none" rtlCol="0">
+            <a:spAutoFit/>
+          </a:bodyPr>
+          <a:lstStyle/>
+          <a:p>
+            <a:r>
+              <a:rPr lang="en-CA" dirty="0"/>
+              <a:t>PLDI’13</a:t>
+            </a:r>
+          </a:p>
+        </p:txBody>
+      </p:sp>
+    </p:spTree>
+    <p:extLst>
+      <p:ext uri="{BB962C8B-B14F-4D97-AF65-F5344CB8AC3E}">
+        <p14:creationId xmlns:p14="http://schemas.microsoft.com/office/powerpoint/2010/main" val="3391600766"/>
       </p:ext>
     </p:extLst>
   </p:cSld>
@@ -5163,18 +7597,18 @@
       </p:grpSpPr>
       <p:sp>
         <p:nvSpPr>
-          <p:cNvPr id="2" name="Title 1">
-            <a:extLst>
-              <a:ext uri="{FF2B5EF4-FFF2-40B4-BE49-F238E27FC236}">
-                <a16:creationId xmlns:a16="http://schemas.microsoft.com/office/drawing/2014/main" id="{EE8E102B-5563-4DF4-BBFB-7A521914ED54}"/>
-              </a:ext>
-            </a:extLst>
-          </p:cNvPr>
-          <p:cNvSpPr>
-            <a:spLocks noGrp="1"/>
-          </p:cNvSpPr>
-          <p:nvPr>
-            <p:ph type="title"/>
+          <p:cNvPr id="4" name="Slide Number Placeholder 3">
+            <a:extLst>
+              <a:ext uri="{FF2B5EF4-FFF2-40B4-BE49-F238E27FC236}">
+                <a16:creationId xmlns:a16="http://schemas.microsoft.com/office/drawing/2014/main" id="{C9BE471A-3ED1-4B21-B966-D9F8FA8B5E70}"/>
+              </a:ext>
+            </a:extLst>
+          </p:cNvPr>
+          <p:cNvSpPr>
+            <a:spLocks noGrp="1"/>
+          </p:cNvSpPr>
+          <p:nvPr>
+            <p:ph type="sldNum" sz="quarter" idx="12"/>
           </p:nvPr>
         </p:nvSpPr>
         <p:spPr/>
@@ -5182,39 +7616,1762 @@
           <a:bodyPr/>
           <a:lstStyle/>
           <a:p>
-            <a:r>
-              <a:rPr lang="en-CA" dirty="0"/>
-              <a:t>Strategies for Product-line Verification[1]</a:t>
-            </a:r>
-          </a:p>
-        </p:txBody>
-      </p:sp>
+            <a:fld id="{89456DF9-7ABE-4DA3-87DA-B2AEED84E1A6}" type="slidenum">
+              <a:rPr lang="en-CA" smtClean="0"/>
+              <a:t>2</a:t>
+            </a:fld>
+            <a:endParaRPr lang="en-CA"/>
+          </a:p>
+        </p:txBody>
+      </p:sp>
+      <mc:AlternateContent xmlns:mc="http://schemas.openxmlformats.org/markup-compatibility/2006">
+        <mc:Choice xmlns:psuz="http://schemas.microsoft.com/office/powerpoint/2016/summaryzoom" Requires="psuz">
+          <p:graphicFrame>
+            <p:nvGraphicFramePr>
+              <p:cNvPr id="6" name="Summary Zoom 5">
+                <a:extLst>
+                  <a:ext uri="{FF2B5EF4-FFF2-40B4-BE49-F238E27FC236}">
+                    <a16:creationId xmlns:a16="http://schemas.microsoft.com/office/drawing/2014/main" id="{1F1AC14A-D568-4C74-B773-E216E04F729E}"/>
+                  </a:ext>
+                </a:extLst>
+              </p:cNvPr>
+              <p:cNvGraphicFramePr>
+                <a:graphicFrameLocks noChangeAspect="1"/>
+              </p:cNvGraphicFramePr>
+              <p:nvPr>
+                <p:extLst>
+                  <p:ext uri="{D42A27DB-BD31-4B8C-83A1-F6EECF244321}">
+                    <p14:modId xmlns:p14="http://schemas.microsoft.com/office/powerpoint/2010/main" val="968337297"/>
+                  </p:ext>
+                </p:extLst>
+              </p:nvPr>
+            </p:nvGraphicFramePr>
+            <p:xfrm>
+              <a:off x="194113" y="781236"/>
+              <a:ext cx="12138438" cy="5022866"/>
+            </p:xfrm>
+            <a:graphic>
+              <a:graphicData uri="http://schemas.microsoft.com/office/powerpoint/2016/summaryzoom">
+                <psuz:summaryZm>
+                  <psuz:summaryZmObj sectionId="{4D04E098-2A98-4214-B13D-53488DDFB861}">
+                    <psuz:zmPr id="{98F7525D-65F3-4C31-9134-34CBE1C553F4}" transitionDur="1000">
+                      <p166:blipFill xmlns:p166="http://schemas.microsoft.com/office/powerpoint/2016/6/main">
+                        <a:blip r:embed="rId2"/>
+                        <a:stretch>
+                          <a:fillRect/>
+                        </a:stretch>
+                      </p166:blipFill>
+                      <p166:spPr xmlns:p166="http://schemas.microsoft.com/office/powerpoint/2016/6/main">
+                        <a:xfrm>
+                          <a:off x="453296" y="923954"/>
+                          <a:ext cx="2731148" cy="1536270"/>
+                        </a:xfrm>
+                        <a:prstGeom prst="rect">
+                          <a:avLst/>
+                        </a:prstGeom>
+                        <a:ln w="3175">
+                          <a:solidFill>
+                            <a:prstClr val="ltGray"/>
+                          </a:solidFill>
+                        </a:ln>
+                      </p166:spPr>
+                    </psuz:zmPr>
+                  </psuz:summaryZmObj>
+                  <psuz:summaryZmObj sectionId="{C71A9F2F-C877-4B24-B48E-80922AE39E65}">
+                    <psuz:zmPr id="{27ABFF9C-1B25-4D08-BA7C-7D0A66EE1F5E}" transitionDur="1000">
+                      <p166:blipFill xmlns:p166="http://schemas.microsoft.com/office/powerpoint/2016/6/main">
+                        <a:blip r:embed="rId3"/>
+                        <a:stretch>
+                          <a:fillRect/>
+                        </a:stretch>
+                      </p166:blipFill>
+                      <p166:spPr xmlns:p166="http://schemas.microsoft.com/office/powerpoint/2016/6/main">
+                        <a:xfrm>
+                          <a:off x="3286862" y="923954"/>
+                          <a:ext cx="2731148" cy="1536270"/>
+                        </a:xfrm>
+                        <a:prstGeom prst="rect">
+                          <a:avLst/>
+                        </a:prstGeom>
+                        <a:ln w="3175">
+                          <a:solidFill>
+                            <a:prstClr val="ltGray"/>
+                          </a:solidFill>
+                        </a:ln>
+                      </p166:spPr>
+                    </psuz:zmPr>
+                  </psuz:summaryZmObj>
+                  <psuz:summaryZmObj sectionId="{DAB6F46B-91D1-4BAF-812C-C84ED5AFCDB0}">
+                    <psuz:zmPr id="{DE756A6B-CA72-48C9-A91E-19DE4C75F66C}" transitionDur="1000">
+                      <p166:blipFill xmlns:p166="http://schemas.microsoft.com/office/powerpoint/2016/6/main">
+                        <a:blip r:embed="rId4"/>
+                        <a:stretch>
+                          <a:fillRect/>
+                        </a:stretch>
+                      </p166:blipFill>
+                      <p166:spPr xmlns:p166="http://schemas.microsoft.com/office/powerpoint/2016/6/main">
+                        <a:xfrm>
+                          <a:off x="6120428" y="923954"/>
+                          <a:ext cx="2731148" cy="1536270"/>
+                        </a:xfrm>
+                        <a:prstGeom prst="rect">
+                          <a:avLst/>
+                        </a:prstGeom>
+                        <a:ln w="3175">
+                          <a:solidFill>
+                            <a:prstClr val="ltGray"/>
+                          </a:solidFill>
+                        </a:ln>
+                      </p166:spPr>
+                    </psuz:zmPr>
+                  </psuz:summaryZmObj>
+                  <psuz:summaryZmObj sectionId="{6D02E88D-8E9A-4B7C-963B-BD7321E70B3F}">
+                    <psuz:zmPr id="{5FB15E2F-99DC-477D-B15E-4939261D63CE}" transitionDur="1000">
+                      <p166:blipFill xmlns:p166="http://schemas.microsoft.com/office/powerpoint/2016/6/main">
+                        <a:blip r:embed="rId5"/>
+                        <a:stretch>
+                          <a:fillRect/>
+                        </a:stretch>
+                      </p166:blipFill>
+                      <p166:spPr xmlns:p166="http://schemas.microsoft.com/office/powerpoint/2016/6/main">
+                        <a:xfrm>
+                          <a:off x="8953994" y="923954"/>
+                          <a:ext cx="2731148" cy="1536270"/>
+                        </a:xfrm>
+                        <a:prstGeom prst="rect">
+                          <a:avLst/>
+                        </a:prstGeom>
+                        <a:ln w="3175">
+                          <a:solidFill>
+                            <a:prstClr val="ltGray"/>
+                          </a:solidFill>
+                        </a:ln>
+                      </p166:spPr>
+                    </psuz:zmPr>
+                  </psuz:summaryZmObj>
+                  <psuz:summaryZmObj sectionId="{10453073-A4EF-4ADE-853C-283DEABEF1F1}" offsetFactorX="46157" offsetFactorY="-578">
+                    <psuz:zmPr id="{1A677C96-9EB8-45C8-83F7-65A65D824758}" transitionDur="1000">
+                      <p166:blipFill xmlns:p166="http://schemas.microsoft.com/office/powerpoint/2016/6/main">
+                        <a:blip r:embed="rId6"/>
+                        <a:stretch>
+                          <a:fillRect/>
+                        </a:stretch>
+                      </p166:blipFill>
+                      <p166:spPr xmlns:p166="http://schemas.microsoft.com/office/powerpoint/2016/6/main">
+                        <a:xfrm>
+                          <a:off x="1713912" y="2553762"/>
+                          <a:ext cx="2731148" cy="1536270"/>
+                        </a:xfrm>
+                        <a:prstGeom prst="rect">
+                          <a:avLst/>
+                        </a:prstGeom>
+                        <a:ln w="3175">
+                          <a:solidFill>
+                            <a:prstClr val="ltGray"/>
+                          </a:solidFill>
+                        </a:ln>
+                      </p166:spPr>
+                    </psuz:zmPr>
+                  </psuz:summaryZmObj>
+                  <psuz:summaryZmObj sectionId="{070D9104-EDC0-4526-BC03-B8735222AE51}" offsetFactorX="48108" offsetFactorY="-578">
+                    <psuz:zmPr id="{79BC7F34-4EAA-4386-AE75-3E067758257D}" transitionDur="1000">
+                      <p166:blipFill xmlns:p166="http://schemas.microsoft.com/office/powerpoint/2016/6/main">
+                        <a:blip r:embed="rId7"/>
+                        <a:stretch>
+                          <a:fillRect/>
+                        </a:stretch>
+                      </p166:blipFill>
+                      <p166:spPr xmlns:p166="http://schemas.microsoft.com/office/powerpoint/2016/6/main">
+                        <a:xfrm>
+                          <a:off x="4600763" y="2553762"/>
+                          <a:ext cx="2731148" cy="1536270"/>
+                        </a:xfrm>
+                        <a:prstGeom prst="rect">
+                          <a:avLst/>
+                        </a:prstGeom>
+                        <a:ln w="3175">
+                          <a:solidFill>
+                            <a:prstClr val="ltGray"/>
+                          </a:solidFill>
+                        </a:ln>
+                      </p166:spPr>
+                    </psuz:zmPr>
+                  </psuz:summaryZmObj>
+                  <psuz:summaryZmObj sectionId="{916CAC13-82D1-410D-953F-B73487ED3522}" offsetFactorX="50058" offsetFactorY="-578">
+                    <psuz:zmPr id="{B5D96B49-6459-46D9-A6D9-6A799BBFCCB8}" transitionDur="1000">
+                      <p166:blipFill xmlns:p166="http://schemas.microsoft.com/office/powerpoint/2016/6/main">
+                        <a:blip r:embed="rId8"/>
+                        <a:stretch>
+                          <a:fillRect/>
+                        </a:stretch>
+                      </p166:blipFill>
+                      <p166:spPr xmlns:p166="http://schemas.microsoft.com/office/powerpoint/2016/6/main">
+                        <a:xfrm>
+                          <a:off x="7487586" y="2553762"/>
+                          <a:ext cx="2731148" cy="1536270"/>
+                        </a:xfrm>
+                        <a:prstGeom prst="rect">
+                          <a:avLst/>
+                        </a:prstGeom>
+                        <a:ln w="3175">
+                          <a:solidFill>
+                            <a:prstClr val="ltGray"/>
+                          </a:solidFill>
+                        </a:ln>
+                      </p166:spPr>
+                    </psuz:zmPr>
+                  </psuz:summaryZmObj>
+                  <psuz:gridLayout/>
+                </psuz:summaryZm>
+              </a:graphicData>
+            </a:graphic>
+          </p:graphicFrame>
+        </mc:Choice>
+        <mc:Fallback>
+          <p:grpSp>
+            <p:nvGrpSpPr>
+              <p:cNvPr id="6" name="Summary Zoom 5">
+                <a:extLst>
+                  <a:ext uri="{FF2B5EF4-FFF2-40B4-BE49-F238E27FC236}">
+                    <a16:creationId xmlns:a16="http://schemas.microsoft.com/office/drawing/2014/main" id="{1F1AC14A-D568-4C74-B773-E216E04F729E}"/>
+                  </a:ext>
+                </a:extLst>
+              </p:cNvPr>
+              <p:cNvGrpSpPr>
+                <a:grpSpLocks noGrp="1" noUngrp="1" noRot="1" noChangeAspect="1" noMove="1" noResize="1"/>
+              </p:cNvGrpSpPr>
+              <p:nvPr/>
+            </p:nvGrpSpPr>
+            <p:grpSpPr>
+              <a:xfrm>
+                <a:off x="194113" y="781236"/>
+                <a:ext cx="12138438" cy="5022866"/>
+                <a:chOff x="194113" y="781236"/>
+                <a:chExt cx="12138438" cy="5022866"/>
+              </a:xfrm>
+            </p:grpSpPr>
+            <p:pic>
+              <p:nvPicPr>
+                <p:cNvPr id="2" name="Picture 2">
+                  <a:hlinkClick r:id="rId9" action="ppaction://hlinksldjump"/>
+                </p:cNvPr>
+                <p:cNvPicPr>
+                  <a:picLocks noSelect="1" noRot="1" noChangeAspect="1" noMove="1" noResize="1" noEditPoints="1" noAdjustHandles="1" noChangeArrowheads="1" noChangeShapeType="1"/>
+                </p:cNvPicPr>
+                <p:nvPr/>
+              </p:nvPicPr>
+              <p:blipFill>
+                <a:blip r:embed="rId2"/>
+                <a:stretch>
+                  <a:fillRect/>
+                </a:stretch>
+              </p:blipFill>
+              <p:spPr>
+                <a:xfrm>
+                  <a:off x="647409" y="1705190"/>
+                  <a:ext cx="2731148" cy="1536270"/>
+                </a:xfrm>
+                <a:prstGeom prst="rect">
+                  <a:avLst/>
+                </a:prstGeom>
+                <a:ln w="3175">
+                  <a:solidFill>
+                    <a:prstClr val="ltGray"/>
+                  </a:solidFill>
+                </a:ln>
+              </p:spPr>
+            </p:pic>
+            <p:pic>
+              <p:nvPicPr>
+                <p:cNvPr id="3" name="Picture 3">
+                  <a:hlinkClick r:id="rId10" action="ppaction://hlinksldjump"/>
+                </p:cNvPr>
+                <p:cNvPicPr>
+                  <a:picLocks noSelect="1" noRot="1" noChangeAspect="1" noMove="1" noResize="1" noEditPoints="1" noAdjustHandles="1" noChangeArrowheads="1" noChangeShapeType="1"/>
+                </p:cNvPicPr>
+                <p:nvPr/>
+              </p:nvPicPr>
+              <p:blipFill>
+                <a:blip r:embed="rId3"/>
+                <a:stretch>
+                  <a:fillRect/>
+                </a:stretch>
+              </p:blipFill>
+              <p:spPr>
+                <a:xfrm>
+                  <a:off x="3480975" y="1705190"/>
+                  <a:ext cx="2731148" cy="1536270"/>
+                </a:xfrm>
+                <a:prstGeom prst="rect">
+                  <a:avLst/>
+                </a:prstGeom>
+                <a:ln w="3175">
+                  <a:solidFill>
+                    <a:prstClr val="ltGray"/>
+                  </a:solidFill>
+                </a:ln>
+              </p:spPr>
+            </p:pic>
+            <p:pic>
+              <p:nvPicPr>
+                <p:cNvPr id="5" name="Picture 5">
+                  <a:hlinkClick r:id="rId11" action="ppaction://hlinksldjump"/>
+                </p:cNvPr>
+                <p:cNvPicPr>
+                  <a:picLocks noSelect="1" noRot="1" noChangeAspect="1" noMove="1" noResize="1" noEditPoints="1" noAdjustHandles="1" noChangeArrowheads="1" noChangeShapeType="1"/>
+                </p:cNvPicPr>
+                <p:nvPr/>
+              </p:nvPicPr>
+              <p:blipFill>
+                <a:blip r:embed="rId4"/>
+                <a:stretch>
+                  <a:fillRect/>
+                </a:stretch>
+              </p:blipFill>
+              <p:spPr>
+                <a:xfrm>
+                  <a:off x="6314541" y="1705190"/>
+                  <a:ext cx="2731148" cy="1536270"/>
+                </a:xfrm>
+                <a:prstGeom prst="rect">
+                  <a:avLst/>
+                </a:prstGeom>
+                <a:ln w="3175">
+                  <a:solidFill>
+                    <a:prstClr val="ltGray"/>
+                  </a:solidFill>
+                </a:ln>
+              </p:spPr>
+            </p:pic>
+            <p:pic>
+              <p:nvPicPr>
+                <p:cNvPr id="7" name="Picture 7">
+                  <a:hlinkClick r:id="rId12" action="ppaction://hlinksldjump"/>
+                </p:cNvPr>
+                <p:cNvPicPr>
+                  <a:picLocks noSelect="1" noRot="1" noChangeAspect="1" noMove="1" noResize="1" noEditPoints="1" noAdjustHandles="1" noChangeArrowheads="1" noChangeShapeType="1"/>
+                </p:cNvPicPr>
+                <p:nvPr/>
+              </p:nvPicPr>
+              <p:blipFill>
+                <a:blip r:embed="rId5"/>
+                <a:stretch>
+                  <a:fillRect/>
+                </a:stretch>
+              </p:blipFill>
+              <p:spPr>
+                <a:xfrm>
+                  <a:off x="9148107" y="1705190"/>
+                  <a:ext cx="2731148" cy="1536270"/>
+                </a:xfrm>
+                <a:prstGeom prst="rect">
+                  <a:avLst/>
+                </a:prstGeom>
+                <a:ln w="3175">
+                  <a:solidFill>
+                    <a:prstClr val="ltGray"/>
+                  </a:solidFill>
+                </a:ln>
+              </p:spPr>
+            </p:pic>
+            <p:pic>
+              <p:nvPicPr>
+                <p:cNvPr id="8" name="Picture 8">
+                  <a:hlinkClick r:id="rId13" action="ppaction://hlinksldjump"/>
+                </p:cNvPr>
+                <p:cNvPicPr>
+                  <a:picLocks noSelect="1" noRot="1" noChangeAspect="1" noMove="1" noResize="1" noEditPoints="1" noAdjustHandles="1" noChangeArrowheads="1" noChangeShapeType="1"/>
+                </p:cNvPicPr>
+                <p:nvPr/>
+              </p:nvPicPr>
+              <p:blipFill>
+                <a:blip r:embed="rId6"/>
+                <a:stretch>
+                  <a:fillRect/>
+                </a:stretch>
+              </p:blipFill>
+              <p:spPr>
+                <a:xfrm>
+                  <a:off x="1908025" y="3334998"/>
+                  <a:ext cx="2731148" cy="1536270"/>
+                </a:xfrm>
+                <a:prstGeom prst="rect">
+                  <a:avLst/>
+                </a:prstGeom>
+                <a:ln w="3175">
+                  <a:solidFill>
+                    <a:prstClr val="ltGray"/>
+                  </a:solidFill>
+                </a:ln>
+              </p:spPr>
+            </p:pic>
+            <p:pic>
+              <p:nvPicPr>
+                <p:cNvPr id="9" name="Picture 9">
+                  <a:hlinkClick r:id="rId14" action="ppaction://hlinksldjump"/>
+                </p:cNvPr>
+                <p:cNvPicPr>
+                  <a:picLocks noSelect="1" noRot="1" noChangeAspect="1" noMove="1" noResize="1" noEditPoints="1" noAdjustHandles="1" noChangeArrowheads="1" noChangeShapeType="1"/>
+                </p:cNvPicPr>
+                <p:nvPr/>
+              </p:nvPicPr>
+              <p:blipFill>
+                <a:blip r:embed="rId7"/>
+                <a:stretch>
+                  <a:fillRect/>
+                </a:stretch>
+              </p:blipFill>
+              <p:spPr>
+                <a:xfrm>
+                  <a:off x="4794876" y="3334998"/>
+                  <a:ext cx="2731148" cy="1536270"/>
+                </a:xfrm>
+                <a:prstGeom prst="rect">
+                  <a:avLst/>
+                </a:prstGeom>
+                <a:ln w="3175">
+                  <a:solidFill>
+                    <a:prstClr val="ltGray"/>
+                  </a:solidFill>
+                </a:ln>
+              </p:spPr>
+            </p:pic>
+            <p:pic>
+              <p:nvPicPr>
+                <p:cNvPr id="10" name="Picture 10">
+                  <a:hlinkClick r:id="rId15" action="ppaction://hlinksldjump"/>
+                </p:cNvPr>
+                <p:cNvPicPr>
+                  <a:picLocks noSelect="1" noRot="1" noChangeAspect="1" noMove="1" noResize="1" noEditPoints="1" noAdjustHandles="1" noChangeArrowheads="1" noChangeShapeType="1"/>
+                </p:cNvPicPr>
+                <p:nvPr/>
+              </p:nvPicPr>
+              <p:blipFill>
+                <a:blip r:embed="rId8"/>
+                <a:stretch>
+                  <a:fillRect/>
+                </a:stretch>
+              </p:blipFill>
+              <p:spPr>
+                <a:xfrm>
+                  <a:off x="7681699" y="3334998"/>
+                  <a:ext cx="2731148" cy="1536270"/>
+                </a:xfrm>
+                <a:prstGeom prst="rect">
+                  <a:avLst/>
+                </a:prstGeom>
+                <a:ln w="3175">
+                  <a:solidFill>
+                    <a:prstClr val="ltGray"/>
+                  </a:solidFill>
+                </a:ln>
+              </p:spPr>
+            </p:pic>
+          </p:grpSp>
+        </mc:Fallback>
+      </mc:AlternateContent>
+    </p:spTree>
+    <p:extLst>
+      <p:ext uri="{BB962C8B-B14F-4D97-AF65-F5344CB8AC3E}">
+        <p14:creationId xmlns:p14="http://schemas.microsoft.com/office/powerpoint/2010/main" val="634479318"/>
+      </p:ext>
+    </p:extLst>
+  </p:cSld>
+  <p:clrMapOvr>
+    <a:masterClrMapping/>
+  </p:clrMapOvr>
+</p:sld>
+</file>
+
+<file path=ppt/slides/slide20.xml><?xml version="1.0" encoding="utf-8"?>
+<p:sld xmlns:a="http://schemas.openxmlformats.org/drawingml/2006/main" xmlns:r="http://schemas.openxmlformats.org/officeDocument/2006/relationships" xmlns:p="http://schemas.openxmlformats.org/presentationml/2006/main">
+  <p:cSld>
+    <p:bg>
+      <p:bgPr>
+        <a:solidFill>
+          <a:schemeClr val="bg1"/>
+        </a:solidFill>
+        <a:effectLst/>
+      </p:bgPr>
+    </p:bg>
+    <p:spTree>
+      <p:nvGrpSpPr>
+        <p:cNvPr id="1" name=""/>
+        <p:cNvGrpSpPr/>
+        <p:nvPr/>
+      </p:nvGrpSpPr>
+      <p:grpSpPr>
+        <a:xfrm>
+          <a:off x="0" y="0"/>
+          <a:ext cx="0" cy="0"/>
+          <a:chOff x="0" y="0"/>
+          <a:chExt cx="0" cy="0"/>
+        </a:xfrm>
+      </p:grpSpPr>
       <p:pic>
         <p:nvPicPr>
-          <p:cNvPr id="5" name="Content Placeholder 4">
-            <a:extLst>
-              <a:ext uri="{FF2B5EF4-FFF2-40B4-BE49-F238E27FC236}">
-                <a16:creationId xmlns:a16="http://schemas.microsoft.com/office/drawing/2014/main" id="{BA7E0262-C6E1-42EE-BCAE-3883EC2EE155}"/>
+          <p:cNvPr id="5" name="Picture 4">
+            <a:extLst>
+              <a:ext uri="{FF2B5EF4-FFF2-40B4-BE49-F238E27FC236}">
+                <a16:creationId xmlns:a16="http://schemas.microsoft.com/office/drawing/2014/main" id="{02763091-B6A2-4603-B85D-5EFED8F217E1}"/>
               </a:ext>
             </a:extLst>
           </p:cNvPr>
           <p:cNvPicPr>
-            <a:picLocks noGrp="1" noChangeAspect="1"/>
+            <a:picLocks noChangeAspect="1"/>
           </p:cNvPicPr>
-          <p:nvPr>
-            <p:ph idx="1"/>
-          </p:nvPr>
+          <p:nvPr/>
         </p:nvPicPr>
         <p:blipFill>
-          <a:blip r:embed="rId3"/>
+          <a:blip r:embed="rId2"/>
           <a:stretch>
             <a:fillRect/>
           </a:stretch>
         </p:blipFill>
         <p:spPr>
           <a:xfrm>
-            <a:off x="2481262" y="2547144"/>
-            <a:ext cx="7229475" cy="2952750"/>
+            <a:off x="1165851" y="643466"/>
+            <a:ext cx="9860298" cy="5571067"/>
+          </a:xfrm>
+          <a:prstGeom prst="rect">
+            <a:avLst/>
+          </a:prstGeom>
+        </p:spPr>
+      </p:pic>
+      <p:sp>
+        <p:nvSpPr>
+          <p:cNvPr id="4" name="Slide Number Placeholder 3">
+            <a:extLst>
+              <a:ext uri="{FF2B5EF4-FFF2-40B4-BE49-F238E27FC236}">
+                <a16:creationId xmlns:a16="http://schemas.microsoft.com/office/drawing/2014/main" id="{86A3E757-5150-45FF-B838-DF7FD33AD134}"/>
+              </a:ext>
+            </a:extLst>
+          </p:cNvPr>
+          <p:cNvSpPr>
+            <a:spLocks noGrp="1"/>
+          </p:cNvSpPr>
+          <p:nvPr>
+            <p:ph type="sldNum" sz="quarter" idx="12"/>
+          </p:nvPr>
+        </p:nvSpPr>
+        <p:spPr>
+          <a:xfrm>
+            <a:off x="8610600" y="6356350"/>
+            <a:ext cx="2743200" cy="365125"/>
+          </a:xfrm>
+        </p:spPr>
+        <p:txBody>
+          <a:bodyPr vert="horz" lIns="91440" tIns="45720" rIns="91440" bIns="45720" rtlCol="0" anchor="ctr">
+            <a:normAutofit/>
+          </a:bodyPr>
+          <a:lstStyle/>
+          <a:p>
+            <a:pPr>
+              <a:spcAft>
+                <a:spcPts val="600"/>
+              </a:spcAft>
+            </a:pPr>
+            <a:fld id="{89456DF9-7ABE-4DA3-87DA-B2AEED84E1A6}" type="slidenum">
+              <a:rPr lang="en-US" smtClean="0"/>
+              <a:pPr>
+                <a:spcAft>
+                  <a:spcPts val="600"/>
+                </a:spcAft>
+              </a:pPr>
+              <a:t>20</a:t>
+            </a:fld>
+            <a:endParaRPr lang="en-US"/>
+          </a:p>
+        </p:txBody>
+      </p:sp>
+      <p:sp>
+        <p:nvSpPr>
+          <p:cNvPr id="6" name="TextBox 5">
+            <a:extLst>
+              <a:ext uri="{FF2B5EF4-FFF2-40B4-BE49-F238E27FC236}">
+                <a16:creationId xmlns:a16="http://schemas.microsoft.com/office/drawing/2014/main" id="{4134601B-3AAE-43AF-9E07-CC0CE16D6FF1}"/>
+              </a:ext>
+            </a:extLst>
+          </p:cNvPr>
+          <p:cNvSpPr txBox="1"/>
+          <p:nvPr/>
+        </p:nvSpPr>
+        <p:spPr>
+          <a:xfrm>
+            <a:off x="10220672" y="274134"/>
+            <a:ext cx="805477" cy="369332"/>
+          </a:xfrm>
+          <a:prstGeom prst="rect">
+            <a:avLst/>
+          </a:prstGeom>
+          <a:noFill/>
+        </p:spPr>
+        <p:txBody>
+          <a:bodyPr wrap="none" rtlCol="0">
+            <a:spAutoFit/>
+          </a:bodyPr>
+          <a:lstStyle/>
+          <a:p>
+            <a:r>
+              <a:rPr lang="en-CA" dirty="0"/>
+              <a:t>TSE’13</a:t>
+            </a:r>
+          </a:p>
+        </p:txBody>
+      </p:sp>
+    </p:spTree>
+    <p:extLst>
+      <p:ext uri="{BB962C8B-B14F-4D97-AF65-F5344CB8AC3E}">
+        <p14:creationId xmlns:p14="http://schemas.microsoft.com/office/powerpoint/2010/main" val="3189103213"/>
+      </p:ext>
+    </p:extLst>
+  </p:cSld>
+  <p:clrMapOvr>
+    <a:masterClrMapping/>
+  </p:clrMapOvr>
+</p:sld>
+</file>
+
+<file path=ppt/slides/slide21.xml><?xml version="1.0" encoding="utf-8"?>
+<p:sld xmlns:a="http://schemas.openxmlformats.org/drawingml/2006/main" xmlns:r="http://schemas.openxmlformats.org/officeDocument/2006/relationships" xmlns:p="http://schemas.openxmlformats.org/presentationml/2006/main">
+  <p:cSld>
+    <p:spTree>
+      <p:nvGrpSpPr>
+        <p:cNvPr id="1" name=""/>
+        <p:cNvGrpSpPr/>
+        <p:nvPr/>
+      </p:nvGrpSpPr>
+      <p:grpSpPr>
+        <a:xfrm>
+          <a:off x="0" y="0"/>
+          <a:ext cx="0" cy="0"/>
+          <a:chOff x="0" y="0"/>
+          <a:chExt cx="0" cy="0"/>
+        </a:xfrm>
+      </p:grpSpPr>
+      <p:sp>
+        <p:nvSpPr>
+          <p:cNvPr id="2" name="Title 1">
+            <a:extLst>
+              <a:ext uri="{FF2B5EF4-FFF2-40B4-BE49-F238E27FC236}">
+                <a16:creationId xmlns:a16="http://schemas.microsoft.com/office/drawing/2014/main" id="{2594B07B-B15E-40A4-BB85-9A4FADE5BC36}"/>
+              </a:ext>
+            </a:extLst>
+          </p:cNvPr>
+          <p:cNvSpPr>
+            <a:spLocks noGrp="1"/>
+          </p:cNvSpPr>
+          <p:nvPr>
+            <p:ph type="title"/>
+          </p:nvPr>
+        </p:nvSpPr>
+        <p:spPr/>
+        <p:txBody>
+          <a:bodyPr/>
+          <a:lstStyle/>
+          <a:p>
+            <a:r>
+              <a:rPr lang="en-CA" dirty="0"/>
+              <a:t>References</a:t>
+            </a:r>
+          </a:p>
+        </p:txBody>
+      </p:sp>
+      <p:sp>
+        <p:nvSpPr>
+          <p:cNvPr id="3" name="Content Placeholder 2">
+            <a:extLst>
+              <a:ext uri="{FF2B5EF4-FFF2-40B4-BE49-F238E27FC236}">
+                <a16:creationId xmlns:a16="http://schemas.microsoft.com/office/drawing/2014/main" id="{79B4D4DC-69D3-4645-A577-1F73D4010B19}"/>
+              </a:ext>
+            </a:extLst>
+          </p:cNvPr>
+          <p:cNvSpPr>
+            <a:spLocks noGrp="1"/>
+          </p:cNvSpPr>
+          <p:nvPr>
+            <p:ph idx="1"/>
+          </p:nvPr>
+        </p:nvSpPr>
+        <p:spPr/>
+        <p:txBody>
+          <a:bodyPr>
+            <a:noAutofit/>
+          </a:bodyPr>
+          <a:lstStyle/>
+          <a:p>
+            <a:pPr marL="0" indent="0">
+              <a:buNone/>
+            </a:pPr>
+            <a:r>
+              <a:rPr lang="de-DE" sz="1600" dirty="0"/>
+              <a:t>[1] S. Apel, A. v. Rhein, P. Wendler, A. Gröÿlinger, and D. Beyer. Strategies for Product-Line </a:t>
+            </a:r>
+            <a:r>
+              <a:rPr lang="en-CA" sz="1600" dirty="0"/>
+              <a:t>Verification: Case Studies and Experiments. In Proceedings of the 2013 International Conference on Software Engineering, ICSE '13, pages 482491, Piscataway, NJ, USA, 2013. IEEE Press.</a:t>
+            </a:r>
+          </a:p>
+          <a:p>
+            <a:pPr marL="0" indent="0">
+              <a:buNone/>
+            </a:pPr>
+            <a:r>
+              <a:rPr lang="en-CA" sz="1600" dirty="0"/>
+              <a:t>[2] J. Liebig, A. von Rhein, C. </a:t>
+            </a:r>
+            <a:r>
+              <a:rPr lang="en-CA" sz="1600" dirty="0" err="1"/>
+              <a:t>Kästner</a:t>
+            </a:r>
+            <a:r>
+              <a:rPr lang="en-CA" sz="1600" dirty="0"/>
+              <a:t>, S. </a:t>
+            </a:r>
+            <a:r>
+              <a:rPr lang="en-CA" sz="1600" dirty="0" err="1"/>
+              <a:t>Apel</a:t>
+            </a:r>
+            <a:r>
+              <a:rPr lang="en-CA" sz="1600" dirty="0"/>
+              <a:t>, J. </a:t>
+            </a:r>
+            <a:r>
+              <a:rPr lang="en-CA" sz="1600" dirty="0" err="1"/>
+              <a:t>Dörre</a:t>
+            </a:r>
+            <a:r>
+              <a:rPr lang="en-CA" sz="1600" dirty="0"/>
+              <a:t>, and C. </a:t>
+            </a:r>
+            <a:r>
+              <a:rPr lang="en-CA" sz="1600" dirty="0" err="1"/>
+              <a:t>Lengauer</a:t>
+            </a:r>
+            <a:r>
+              <a:rPr lang="en-CA" sz="1600" dirty="0"/>
+              <a:t>. Scalable Analysis of Variable Software. In Proceedings of the 2013 9th Joint Meeting on Foundations of Software Engineering, ESEC/FSE 2013, pages 8191, New York, NY, USA, 2013. ACM.</a:t>
+            </a:r>
+          </a:p>
+          <a:p>
+            <a:pPr marL="0" indent="0">
+              <a:buNone/>
+            </a:pPr>
+            <a:r>
+              <a:rPr lang="en-CA" sz="1600" dirty="0"/>
+              <a:t>[3] J. </a:t>
+            </a:r>
+            <a:r>
+              <a:rPr lang="en-CA" sz="1600" dirty="0" err="1"/>
+              <a:t>Midtgaard</a:t>
+            </a:r>
+            <a:r>
+              <a:rPr lang="en-CA" sz="1600" dirty="0"/>
+              <a:t>, A. S. </a:t>
+            </a:r>
+            <a:r>
+              <a:rPr lang="en-CA" sz="1600" dirty="0" err="1"/>
+              <a:t>Dimovski</a:t>
+            </a:r>
+            <a:r>
+              <a:rPr lang="en-CA" sz="1600" dirty="0"/>
+              <a:t>, C. </a:t>
+            </a:r>
+            <a:r>
+              <a:rPr lang="en-CA" sz="1600" dirty="0" err="1"/>
+              <a:t>Brabrand</a:t>
+            </a:r>
+            <a:r>
+              <a:rPr lang="en-CA" sz="1600" dirty="0"/>
+              <a:t>, and A. </a:t>
+            </a:r>
+            <a:r>
+              <a:rPr lang="en-CA" sz="1600" dirty="0" err="1"/>
+              <a:t>W¡sowski</a:t>
+            </a:r>
+            <a:r>
+              <a:rPr lang="en-CA" sz="1600" dirty="0"/>
+              <a:t>. Systematic derivation of correct variability-aware program analyses. Sci. </a:t>
+            </a:r>
+            <a:r>
+              <a:rPr lang="en-CA" sz="1600" dirty="0" err="1"/>
+              <a:t>Comput</a:t>
+            </a:r>
+            <a:r>
+              <a:rPr lang="en-CA" sz="1600" dirty="0"/>
+              <a:t>. Program., 105(C):145170, July 2015.</a:t>
+            </a:r>
+          </a:p>
+          <a:p>
+            <a:pPr marL="0" indent="0">
+              <a:buNone/>
+            </a:pPr>
+            <a:r>
+              <a:rPr lang="en-CA" sz="1600" dirty="0"/>
+              <a:t>[4] C. </a:t>
+            </a:r>
+            <a:r>
+              <a:rPr lang="en-CA" sz="1600" dirty="0" err="1"/>
+              <a:t>Kästner</a:t>
+            </a:r>
+            <a:r>
+              <a:rPr lang="en-CA" sz="1600" dirty="0"/>
+              <a:t>, S. </a:t>
+            </a:r>
+            <a:r>
+              <a:rPr lang="en-CA" sz="1600" dirty="0" err="1"/>
+              <a:t>Apel</a:t>
+            </a:r>
+            <a:r>
+              <a:rPr lang="en-CA" sz="1600" dirty="0"/>
+              <a:t>, T. </a:t>
+            </a:r>
+            <a:r>
+              <a:rPr lang="en-CA" sz="1600" dirty="0" err="1"/>
+              <a:t>Thüm</a:t>
+            </a:r>
+            <a:r>
+              <a:rPr lang="en-CA" sz="1600" dirty="0"/>
+              <a:t>, and G. </a:t>
+            </a:r>
+            <a:r>
+              <a:rPr lang="en-CA" sz="1600" dirty="0" err="1"/>
+              <a:t>Saake</a:t>
+            </a:r>
+            <a:r>
+              <a:rPr lang="en-CA" sz="1600" dirty="0"/>
+              <a:t>. Type Checking Annotation-Based Product Lines. ACM Trans. </a:t>
+            </a:r>
+            <a:r>
+              <a:rPr lang="en-CA" sz="1600" dirty="0" err="1"/>
+              <a:t>Softw</a:t>
+            </a:r>
+            <a:r>
+              <a:rPr lang="en-CA" sz="1600" dirty="0"/>
+              <a:t>. Eng. </a:t>
+            </a:r>
+            <a:r>
+              <a:rPr lang="en-CA" sz="1600" dirty="0" err="1"/>
+              <a:t>Methodol</a:t>
+            </a:r>
+            <a:r>
+              <a:rPr lang="en-CA" sz="1600" dirty="0"/>
+              <a:t>., 21(3):14:114:39, July 2012.</a:t>
+            </a:r>
+          </a:p>
+          <a:p>
+            <a:pPr marL="0" indent="0">
+              <a:buNone/>
+            </a:pPr>
+            <a:r>
+              <a:rPr lang="en-CA" sz="1600" dirty="0"/>
+              <a:t>[5] P. </a:t>
+            </a:r>
+            <a:r>
+              <a:rPr lang="en-CA" sz="1600" dirty="0" err="1"/>
+              <a:t>Gazzillo</a:t>
+            </a:r>
+            <a:r>
+              <a:rPr lang="en-CA" sz="1600" dirty="0"/>
+              <a:t> and R. Grimm. </a:t>
+            </a:r>
+            <a:r>
+              <a:rPr lang="en-CA" sz="1600" dirty="0" err="1"/>
+              <a:t>SuperC</a:t>
+            </a:r>
+            <a:r>
+              <a:rPr lang="en-CA" sz="1600" dirty="0"/>
+              <a:t>: Parsing All of C by Taming the Preprocessor. In Proceedings of the 33rd ACM SIGPLAN Conference on Programming Language Design and Implementation, PLDI '12, pages 323334, New York, NY, USA, 2012. ACM.</a:t>
+            </a:r>
+          </a:p>
+          <a:p>
+            <a:pPr marL="0" indent="0">
+              <a:buNone/>
+            </a:pPr>
+            <a:r>
+              <a:rPr lang="en-CA" sz="1600" dirty="0"/>
+              <a:t>[6] E. </a:t>
+            </a:r>
+            <a:r>
+              <a:rPr lang="en-CA" sz="1600" dirty="0" err="1"/>
+              <a:t>Bodden</a:t>
+            </a:r>
+            <a:r>
+              <a:rPr lang="en-CA" sz="1600" dirty="0"/>
+              <a:t>, T. </a:t>
+            </a:r>
+            <a:r>
+              <a:rPr lang="en-CA" sz="1600" dirty="0" err="1"/>
+              <a:t>Tolêdo</a:t>
+            </a:r>
+            <a:r>
+              <a:rPr lang="en-CA" sz="1600" dirty="0"/>
+              <a:t>, M. Ribeiro, C. </a:t>
+            </a:r>
+            <a:r>
+              <a:rPr lang="en-CA" sz="1600" dirty="0" err="1"/>
+              <a:t>Brabrand</a:t>
+            </a:r>
+            <a:r>
+              <a:rPr lang="en-CA" sz="1600" dirty="0"/>
+              <a:t>, P. </a:t>
+            </a:r>
+            <a:r>
+              <a:rPr lang="en-CA" sz="1600" dirty="0" err="1"/>
+              <a:t>Borba</a:t>
+            </a:r>
+            <a:r>
+              <a:rPr lang="en-CA" sz="1600" dirty="0"/>
+              <a:t>, and M. </a:t>
+            </a:r>
+            <a:r>
+              <a:rPr lang="en-CA" sz="1600" dirty="0" err="1"/>
+              <a:t>Mezini</a:t>
+            </a:r>
+            <a:r>
+              <a:rPr lang="en-CA" sz="1600" dirty="0"/>
+              <a:t>. SPLLIFT: Statically Analyzing Software Product Lines in Minutes Instead of Years. In Proceedings of the 34th ACM SIGPLAN Conference on Programming Language Design and Implementation, PLDI '13, pages 355364, New York, NY, USA, 2013. ACM.</a:t>
+            </a:r>
+          </a:p>
+          <a:p>
+            <a:pPr marL="0" indent="0">
+              <a:buNone/>
+            </a:pPr>
+            <a:r>
+              <a:rPr lang="en-CA" sz="1600" dirty="0"/>
+              <a:t>[7] A. Classen, M. Cordy, P.-Y. </a:t>
+            </a:r>
+            <a:r>
+              <a:rPr lang="en-CA" sz="1600" dirty="0" err="1"/>
+              <a:t>Schobbens</a:t>
+            </a:r>
+            <a:r>
+              <a:rPr lang="en-CA" sz="1600" dirty="0"/>
+              <a:t>, P. Heymans, A. </a:t>
+            </a:r>
+            <a:r>
+              <a:rPr lang="en-CA" sz="1600" dirty="0" err="1"/>
+              <a:t>Legay</a:t>
+            </a:r>
+            <a:r>
+              <a:rPr lang="en-CA" sz="1600" dirty="0"/>
+              <a:t>, and J.-F. </a:t>
+            </a:r>
+            <a:r>
+              <a:rPr lang="en-CA" sz="1600" dirty="0" err="1"/>
+              <a:t>Raskin</a:t>
+            </a:r>
+            <a:r>
+              <a:rPr lang="en-CA" sz="1600" dirty="0"/>
+              <a:t>. Featured Transition Systems: Foundations for Verifying Variability-Intensive Systems and Their Application to LTL Model Checking. IEEE Trans. </a:t>
+            </a:r>
+            <a:r>
+              <a:rPr lang="en-CA" sz="1600" dirty="0" err="1"/>
+              <a:t>Softw</a:t>
+            </a:r>
+            <a:r>
+              <a:rPr lang="en-CA" sz="1600" dirty="0"/>
+              <a:t>. Eng., 39(8):1069-1089, Aug. 2013.</a:t>
+            </a:r>
+          </a:p>
+        </p:txBody>
+      </p:sp>
+      <p:sp>
+        <p:nvSpPr>
+          <p:cNvPr id="4" name="Slide Number Placeholder 3">
+            <a:extLst>
+              <a:ext uri="{FF2B5EF4-FFF2-40B4-BE49-F238E27FC236}">
+                <a16:creationId xmlns:a16="http://schemas.microsoft.com/office/drawing/2014/main" id="{C1398308-53A6-43EE-8842-DF0E98CE8647}"/>
+              </a:ext>
+            </a:extLst>
+          </p:cNvPr>
+          <p:cNvSpPr>
+            <a:spLocks noGrp="1"/>
+          </p:cNvSpPr>
+          <p:nvPr>
+            <p:ph type="sldNum" sz="quarter" idx="12"/>
+          </p:nvPr>
+        </p:nvSpPr>
+        <p:spPr/>
+        <p:txBody>
+          <a:bodyPr/>
+          <a:lstStyle/>
+          <a:p>
+            <a:fld id="{89456DF9-7ABE-4DA3-87DA-B2AEED84E1A6}" type="slidenum">
+              <a:rPr lang="en-CA" smtClean="0"/>
+              <a:t>21</a:t>
+            </a:fld>
+            <a:endParaRPr lang="en-CA"/>
+          </a:p>
+        </p:txBody>
+      </p:sp>
+    </p:spTree>
+    <p:extLst>
+      <p:ext uri="{BB962C8B-B14F-4D97-AF65-F5344CB8AC3E}">
+        <p14:creationId xmlns:p14="http://schemas.microsoft.com/office/powerpoint/2010/main" val="1307154188"/>
+      </p:ext>
+    </p:extLst>
+  </p:cSld>
+  <p:clrMapOvr>
+    <a:masterClrMapping/>
+  </p:clrMapOvr>
+</p:sld>
+</file>
+
+<file path=ppt/slides/slide3.xml><?xml version="1.0" encoding="utf-8"?>
+<p:sld xmlns:a="http://schemas.openxmlformats.org/drawingml/2006/main" xmlns:r="http://schemas.openxmlformats.org/officeDocument/2006/relationships" xmlns:p="http://schemas.openxmlformats.org/presentationml/2006/main">
+  <p:cSld>
+    <p:bg>
+      <p:bgPr>
+        <a:solidFill>
+          <a:schemeClr val="bg1"/>
+        </a:solidFill>
+        <a:effectLst/>
+      </p:bgPr>
+    </p:bg>
+    <p:spTree>
+      <p:nvGrpSpPr>
+        <p:cNvPr id="1" name=""/>
+        <p:cNvGrpSpPr/>
+        <p:nvPr/>
+      </p:nvGrpSpPr>
+      <p:grpSpPr>
+        <a:xfrm>
+          <a:off x="0" y="0"/>
+          <a:ext cx="0" cy="0"/>
+          <a:chOff x="0" y="0"/>
+          <a:chExt cx="0" cy="0"/>
+        </a:xfrm>
+      </p:grpSpPr>
+      <p:pic>
+        <p:nvPicPr>
+          <p:cNvPr id="5" name="Picture 4">
+            <a:extLst>
+              <a:ext uri="{FF2B5EF4-FFF2-40B4-BE49-F238E27FC236}">
+                <a16:creationId xmlns:a16="http://schemas.microsoft.com/office/drawing/2014/main" id="{173635D2-BCEF-4687-9F21-9AB372C54FD1}"/>
+              </a:ext>
+            </a:extLst>
+          </p:cNvPr>
+          <p:cNvPicPr>
+            <a:picLocks noChangeAspect="1"/>
+          </p:cNvPicPr>
+          <p:nvPr/>
+        </p:nvPicPr>
+        <p:blipFill>
+          <a:blip r:embed="rId2"/>
+          <a:stretch>
+            <a:fillRect/>
+          </a:stretch>
+        </p:blipFill>
+        <p:spPr>
+          <a:xfrm>
+            <a:off x="765839" y="643466"/>
+            <a:ext cx="10713588" cy="5571067"/>
+          </a:xfrm>
+          <a:prstGeom prst="rect">
+            <a:avLst/>
+          </a:prstGeom>
+        </p:spPr>
+      </p:pic>
+      <p:sp>
+        <p:nvSpPr>
+          <p:cNvPr id="4" name="Slide Number Placeholder 3">
+            <a:extLst>
+              <a:ext uri="{FF2B5EF4-FFF2-40B4-BE49-F238E27FC236}">
+                <a16:creationId xmlns:a16="http://schemas.microsoft.com/office/drawing/2014/main" id="{EFF01BFD-C3EE-4D6D-8A55-69ED503D12BD}"/>
+              </a:ext>
+            </a:extLst>
+          </p:cNvPr>
+          <p:cNvSpPr>
+            <a:spLocks noGrp="1"/>
+          </p:cNvSpPr>
+          <p:nvPr>
+            <p:ph type="sldNum" sz="quarter" idx="12"/>
+          </p:nvPr>
+        </p:nvSpPr>
+        <p:spPr>
+          <a:xfrm>
+            <a:off x="8610600" y="6356350"/>
+            <a:ext cx="2743200" cy="365125"/>
+          </a:xfrm>
+        </p:spPr>
+        <p:txBody>
+          <a:bodyPr vert="horz" lIns="91440" tIns="45720" rIns="91440" bIns="45720" rtlCol="0" anchor="ctr">
+            <a:normAutofit/>
+          </a:bodyPr>
+          <a:lstStyle/>
+          <a:p>
+            <a:pPr>
+              <a:spcAft>
+                <a:spcPts val="600"/>
+              </a:spcAft>
+            </a:pPr>
+            <a:fld id="{89456DF9-7ABE-4DA3-87DA-B2AEED84E1A6}" type="slidenum">
+              <a:rPr lang="en-US" smtClean="0"/>
+              <a:pPr>
+                <a:spcAft>
+                  <a:spcPts val="600"/>
+                </a:spcAft>
+              </a:pPr>
+              <a:t>3</a:t>
+            </a:fld>
+            <a:endParaRPr lang="en-US"/>
+          </a:p>
+        </p:txBody>
+      </p:sp>
+      <p:sp>
+        <p:nvSpPr>
+          <p:cNvPr id="6" name="TextBox 5">
+            <a:extLst>
+              <a:ext uri="{FF2B5EF4-FFF2-40B4-BE49-F238E27FC236}">
+                <a16:creationId xmlns:a16="http://schemas.microsoft.com/office/drawing/2014/main" id="{0123AE09-3A73-4BD1-B372-E6F60E9D627A}"/>
+              </a:ext>
+            </a:extLst>
+          </p:cNvPr>
+          <p:cNvSpPr txBox="1"/>
+          <p:nvPr/>
+        </p:nvSpPr>
+        <p:spPr>
+          <a:xfrm>
+            <a:off x="10603866" y="274134"/>
+            <a:ext cx="875561" cy="369332"/>
+          </a:xfrm>
+          <a:prstGeom prst="rect">
+            <a:avLst/>
+          </a:prstGeom>
+          <a:noFill/>
+        </p:spPr>
+        <p:txBody>
+          <a:bodyPr wrap="none" rtlCol="0">
+            <a:spAutoFit/>
+          </a:bodyPr>
+          <a:lstStyle/>
+          <a:p>
+            <a:r>
+              <a:rPr lang="en-CA" dirty="0"/>
+              <a:t>ICSE’13</a:t>
+            </a:r>
+          </a:p>
+        </p:txBody>
+      </p:sp>
+    </p:spTree>
+    <p:extLst>
+      <p:ext uri="{BB962C8B-B14F-4D97-AF65-F5344CB8AC3E}">
+        <p14:creationId xmlns:p14="http://schemas.microsoft.com/office/powerpoint/2010/main" val="3252688192"/>
+      </p:ext>
+    </p:extLst>
+  </p:cSld>
+  <p:clrMapOvr>
+    <a:masterClrMapping/>
+  </p:clrMapOvr>
+</p:sld>
+</file>
+
+<file path=ppt/slides/slide4.xml><?xml version="1.0" encoding="utf-8"?>
+<p:sld xmlns:a="http://schemas.openxmlformats.org/drawingml/2006/main" xmlns:r="http://schemas.openxmlformats.org/officeDocument/2006/relationships" xmlns:p="http://schemas.openxmlformats.org/presentationml/2006/main">
+  <p:cSld>
+    <p:spTree>
+      <p:nvGrpSpPr>
+        <p:cNvPr id="1" name=""/>
+        <p:cNvGrpSpPr/>
+        <p:nvPr/>
+      </p:nvGrpSpPr>
+      <p:grpSpPr>
+        <a:xfrm>
+          <a:off x="0" y="0"/>
+          <a:ext cx="0" cy="0"/>
+          <a:chOff x="0" y="0"/>
+          <a:chExt cx="0" cy="0"/>
+        </a:xfrm>
+      </p:grpSpPr>
+      <p:sp>
+        <p:nvSpPr>
+          <p:cNvPr id="2" name="Title 1">
+            <a:extLst>
+              <a:ext uri="{FF2B5EF4-FFF2-40B4-BE49-F238E27FC236}">
+                <a16:creationId xmlns:a16="http://schemas.microsoft.com/office/drawing/2014/main" id="{F9FF8EF5-397B-4276-8971-8E6E754A54B7}"/>
+              </a:ext>
+            </a:extLst>
+          </p:cNvPr>
+          <p:cNvSpPr>
+            <a:spLocks noGrp="1"/>
+          </p:cNvSpPr>
+          <p:nvPr>
+            <p:ph type="title"/>
+          </p:nvPr>
+        </p:nvSpPr>
+        <p:spPr/>
+        <p:txBody>
+          <a:bodyPr/>
+          <a:lstStyle/>
+          <a:p>
+            <a:r>
+              <a:rPr lang="en-CA" dirty="0"/>
+              <a:t>Strategies for Product-Line Verification[1]</a:t>
+            </a:r>
+          </a:p>
+        </p:txBody>
+      </p:sp>
+      <p:sp>
+        <p:nvSpPr>
+          <p:cNvPr id="4" name="Slide Number Placeholder 3">
+            <a:extLst>
+              <a:ext uri="{FF2B5EF4-FFF2-40B4-BE49-F238E27FC236}">
+                <a16:creationId xmlns:a16="http://schemas.microsoft.com/office/drawing/2014/main" id="{4BFDA390-8C47-4134-BFE8-F95095A7B770}"/>
+              </a:ext>
+            </a:extLst>
+          </p:cNvPr>
+          <p:cNvSpPr>
+            <a:spLocks noGrp="1"/>
+          </p:cNvSpPr>
+          <p:nvPr>
+            <p:ph type="sldNum" sz="quarter" idx="12"/>
+          </p:nvPr>
+        </p:nvSpPr>
+        <p:spPr/>
+        <p:txBody>
+          <a:bodyPr/>
+          <a:lstStyle/>
+          <a:p>
+            <a:fld id="{89456DF9-7ABE-4DA3-87DA-B2AEED84E1A6}" type="slidenum">
+              <a:rPr lang="en-CA" smtClean="0"/>
+              <a:t>4</a:t>
+            </a:fld>
+            <a:endParaRPr lang="en-CA"/>
+          </a:p>
+        </p:txBody>
+      </p:sp>
+      <p:sp>
+        <p:nvSpPr>
+          <p:cNvPr id="11" name="Arrow: Down 10">
+            <a:extLst>
+              <a:ext uri="{FF2B5EF4-FFF2-40B4-BE49-F238E27FC236}">
+                <a16:creationId xmlns:a16="http://schemas.microsoft.com/office/drawing/2014/main" id="{EB574C43-4D0F-4441-AFF0-26DD24408DE6}"/>
+              </a:ext>
+            </a:extLst>
+          </p:cNvPr>
+          <p:cNvSpPr/>
+          <p:nvPr/>
+        </p:nvSpPr>
+        <p:spPr>
+          <a:xfrm rot="19404536">
+            <a:off x="5106663" y="3234508"/>
+            <a:ext cx="628391" cy="1063207"/>
+          </a:xfrm>
+          <a:prstGeom prst="downArrow">
+            <a:avLst/>
+          </a:prstGeom>
+        </p:spPr>
+        <p:style>
+          <a:lnRef idx="2">
+            <a:schemeClr val="accent1">
+              <a:shade val="50000"/>
+            </a:schemeClr>
+          </a:lnRef>
+          <a:fillRef idx="1">
+            <a:schemeClr val="accent1"/>
+          </a:fillRef>
+          <a:effectRef idx="0">
+            <a:schemeClr val="accent1"/>
+          </a:effectRef>
+          <a:fontRef idx="minor">
+            <a:schemeClr val="lt1"/>
+          </a:fontRef>
+        </p:style>
+        <p:txBody>
+          <a:bodyPr rtlCol="0" anchor="ctr"/>
+          <a:lstStyle/>
+          <a:p>
+            <a:pPr algn="ctr"/>
+            <a:endParaRPr lang="en-CA"/>
+          </a:p>
+        </p:txBody>
+      </p:sp>
+      <p:sp>
+        <p:nvSpPr>
+          <p:cNvPr id="12" name="Arrow: Down 11">
+            <a:extLst>
+              <a:ext uri="{FF2B5EF4-FFF2-40B4-BE49-F238E27FC236}">
+                <a16:creationId xmlns:a16="http://schemas.microsoft.com/office/drawing/2014/main" id="{DCAABE56-49BD-462D-8403-3AB293922938}"/>
+              </a:ext>
+            </a:extLst>
+          </p:cNvPr>
+          <p:cNvSpPr/>
+          <p:nvPr/>
+        </p:nvSpPr>
+        <p:spPr>
+          <a:xfrm rot="1885980">
+            <a:off x="6487958" y="3230729"/>
+            <a:ext cx="628391" cy="1063207"/>
+          </a:xfrm>
+          <a:prstGeom prst="downArrow">
+            <a:avLst/>
+          </a:prstGeom>
+        </p:spPr>
+        <p:style>
+          <a:lnRef idx="2">
+            <a:schemeClr val="accent1">
+              <a:shade val="50000"/>
+            </a:schemeClr>
+          </a:lnRef>
+          <a:fillRef idx="1">
+            <a:schemeClr val="accent1"/>
+          </a:fillRef>
+          <a:effectRef idx="0">
+            <a:schemeClr val="accent1"/>
+          </a:effectRef>
+          <a:fontRef idx="minor">
+            <a:schemeClr val="lt1"/>
+          </a:fontRef>
+        </p:style>
+        <p:txBody>
+          <a:bodyPr rtlCol="0" anchor="ctr"/>
+          <a:lstStyle/>
+          <a:p>
+            <a:pPr algn="ctr"/>
+            <a:endParaRPr lang="en-CA"/>
+          </a:p>
+        </p:txBody>
+      </p:sp>
+      <mc:AlternateContent xmlns:mc="http://schemas.openxmlformats.org/markup-compatibility/2006">
+        <mc:Choice xmlns:pslz="http://schemas.microsoft.com/office/powerpoint/2016/slidezoom" Requires="pslz">
+          <p:graphicFrame>
+            <p:nvGraphicFramePr>
+              <p:cNvPr id="5" name="Slide Zoom 4">
+                <a:extLst>
+                  <a:ext uri="{FF2B5EF4-FFF2-40B4-BE49-F238E27FC236}">
+                    <a16:creationId xmlns:a16="http://schemas.microsoft.com/office/drawing/2014/main" id="{7FB5891A-F0E8-4C1A-8376-0D5AA6F50D81}"/>
+                  </a:ext>
+                </a:extLst>
+              </p:cNvPr>
+              <p:cNvGraphicFramePr>
+                <a:graphicFrameLocks noChangeAspect="1"/>
+              </p:cNvGraphicFramePr>
+              <p:nvPr>
+                <p:extLst>
+                  <p:ext uri="{D42A27DB-BD31-4B8C-83A1-F6EECF244321}">
+                    <p14:modId xmlns:p14="http://schemas.microsoft.com/office/powerpoint/2010/main" val="1090698484"/>
+                  </p:ext>
+                </p:extLst>
+              </p:nvPr>
+            </p:nvGraphicFramePr>
+            <p:xfrm>
+              <a:off x="1803698" y="1890830"/>
+              <a:ext cx="3048000" cy="1714500"/>
+            </p:xfrm>
+            <a:graphic>
+              <a:graphicData uri="http://schemas.microsoft.com/office/powerpoint/2016/slidezoom">
+                <pslz:sldZm>
+                  <pslz:sldZmObj sldId="275" cId="694886442">
+                    <pslz:zmPr id="{22A7D1A6-E4DA-4B49-9AB8-FCCD3740F558}" returnToParent="0" transitionDur="1000">
+                      <p166:blipFill xmlns:p166="http://schemas.microsoft.com/office/powerpoint/2016/6/main">
+                        <a:blip r:embed="rId2"/>
+                        <a:stretch>
+                          <a:fillRect/>
+                        </a:stretch>
+                      </p166:blipFill>
+                      <p166:spPr xmlns:p166="http://schemas.microsoft.com/office/powerpoint/2016/6/main">
+                        <a:xfrm>
+                          <a:off x="0" y="0"/>
+                          <a:ext cx="3048000" cy="1714500"/>
+                        </a:xfrm>
+                        <a:prstGeom prst="rect">
+                          <a:avLst/>
+                        </a:prstGeom>
+                        <a:ln w="3175">
+                          <a:solidFill>
+                            <a:prstClr val="ltGray"/>
+                          </a:solidFill>
+                        </a:ln>
+                      </p166:spPr>
+                    </pslz:zmPr>
+                  </pslz:sldZmObj>
+                </pslz:sldZm>
+              </a:graphicData>
+            </a:graphic>
+          </p:graphicFrame>
+        </mc:Choice>
+        <mc:Fallback>
+          <p:pic>
+            <p:nvPicPr>
+              <p:cNvPr id="5" name="Slide Zoom 4">
+                <a:hlinkClick r:id="rId3" action="ppaction://hlinksldjump"/>
+                <a:extLst>
+                  <a:ext uri="{FF2B5EF4-FFF2-40B4-BE49-F238E27FC236}">
+                    <a16:creationId xmlns:a16="http://schemas.microsoft.com/office/drawing/2014/main" id="{7FB5891A-F0E8-4C1A-8376-0D5AA6F50D81}"/>
+                  </a:ext>
+                </a:extLst>
+              </p:cNvPr>
+              <p:cNvPicPr>
+                <a:picLocks noGrp="1" noRot="1" noChangeAspect="1" noMove="1" noResize="1" noEditPoints="1" noAdjustHandles="1" noChangeArrowheads="1" noChangeShapeType="1"/>
+              </p:cNvPicPr>
+              <p:nvPr/>
+            </p:nvPicPr>
+            <p:blipFill>
+              <a:blip r:embed="rId2"/>
+              <a:stretch>
+                <a:fillRect/>
+              </a:stretch>
+            </p:blipFill>
+            <p:spPr>
+              <a:xfrm>
+                <a:off x="1803698" y="1890830"/>
+                <a:ext cx="3048000" cy="1714500"/>
+              </a:xfrm>
+              <a:prstGeom prst="rect">
+                <a:avLst/>
+              </a:prstGeom>
+              <a:ln w="3175">
+                <a:solidFill>
+                  <a:prstClr val="ltGray"/>
+                </a:solidFill>
+              </a:ln>
+            </p:spPr>
+          </p:pic>
+        </mc:Fallback>
+      </mc:AlternateContent>
+      <mc:AlternateContent xmlns:mc="http://schemas.openxmlformats.org/markup-compatibility/2006">
+        <mc:Choice xmlns:pslz="http://schemas.microsoft.com/office/powerpoint/2016/slidezoom" Requires="pslz">
+          <p:graphicFrame>
+            <p:nvGraphicFramePr>
+              <p:cNvPr id="9" name="Slide Zoom 8">
+                <a:extLst>
+                  <a:ext uri="{FF2B5EF4-FFF2-40B4-BE49-F238E27FC236}">
+                    <a16:creationId xmlns:a16="http://schemas.microsoft.com/office/drawing/2014/main" id="{02E2DFD4-D2BB-42AC-B697-4E3899E263CF}"/>
+                  </a:ext>
+                </a:extLst>
+              </p:cNvPr>
+              <p:cNvGraphicFramePr>
+                <a:graphicFrameLocks noChangeAspect="1"/>
+              </p:cNvGraphicFramePr>
+              <p:nvPr>
+                <p:extLst>
+                  <p:ext uri="{D42A27DB-BD31-4B8C-83A1-F6EECF244321}">
+                    <p14:modId xmlns:p14="http://schemas.microsoft.com/office/powerpoint/2010/main" val="2109005333"/>
+                  </p:ext>
+                </p:extLst>
+              </p:nvPr>
+            </p:nvGraphicFramePr>
+            <p:xfrm>
+              <a:off x="7347473" y="1890830"/>
+              <a:ext cx="3048000" cy="1714500"/>
+            </p:xfrm>
+            <a:graphic>
+              <a:graphicData uri="http://schemas.microsoft.com/office/powerpoint/2016/slidezoom">
+                <pslz:sldZm>
+                  <pslz:sldZmObj sldId="261" cId="868648430">
+                    <pslz:zmPr id="{14384315-4ACA-4E5E-A36A-6A81E4C3863D}" returnToParent="0" transitionDur="1000">
+                      <p166:blipFill xmlns:p166="http://schemas.microsoft.com/office/powerpoint/2016/6/main">
+                        <a:blip r:embed="rId4"/>
+                        <a:stretch>
+                          <a:fillRect/>
+                        </a:stretch>
+                      </p166:blipFill>
+                      <p166:spPr xmlns:p166="http://schemas.microsoft.com/office/powerpoint/2016/6/main">
+                        <a:xfrm>
+                          <a:off x="0" y="0"/>
+                          <a:ext cx="3048000" cy="1714500"/>
+                        </a:xfrm>
+                        <a:prstGeom prst="rect">
+                          <a:avLst/>
+                        </a:prstGeom>
+                        <a:ln w="3175">
+                          <a:solidFill>
+                            <a:prstClr val="ltGray"/>
+                          </a:solidFill>
+                        </a:ln>
+                      </p166:spPr>
+                    </pslz:zmPr>
+                  </pslz:sldZmObj>
+                </pslz:sldZm>
+              </a:graphicData>
+            </a:graphic>
+          </p:graphicFrame>
+        </mc:Choice>
+        <mc:Fallback>
+          <p:pic>
+            <p:nvPicPr>
+              <p:cNvPr id="9" name="Slide Zoom 8">
+                <a:hlinkClick r:id="rId5" action="ppaction://hlinksldjump"/>
+                <a:extLst>
+                  <a:ext uri="{FF2B5EF4-FFF2-40B4-BE49-F238E27FC236}">
+                    <a16:creationId xmlns:a16="http://schemas.microsoft.com/office/drawing/2014/main" id="{02E2DFD4-D2BB-42AC-B697-4E3899E263CF}"/>
+                  </a:ext>
+                </a:extLst>
+              </p:cNvPr>
+              <p:cNvPicPr>
+                <a:picLocks noGrp="1" noRot="1" noChangeAspect="1" noMove="1" noResize="1" noEditPoints="1" noAdjustHandles="1" noChangeArrowheads="1" noChangeShapeType="1"/>
+              </p:cNvPicPr>
+              <p:nvPr/>
+            </p:nvPicPr>
+            <p:blipFill>
+              <a:blip r:embed="rId4"/>
+              <a:stretch>
+                <a:fillRect/>
+              </a:stretch>
+            </p:blipFill>
+            <p:spPr>
+              <a:xfrm>
+                <a:off x="7347473" y="1890830"/>
+                <a:ext cx="3048000" cy="1714500"/>
+              </a:xfrm>
+              <a:prstGeom prst="rect">
+                <a:avLst/>
+              </a:prstGeom>
+              <a:ln w="3175">
+                <a:solidFill>
+                  <a:prstClr val="ltGray"/>
+                </a:solidFill>
+              </a:ln>
+            </p:spPr>
+          </p:pic>
+        </mc:Fallback>
+      </mc:AlternateContent>
+      <mc:AlternateContent xmlns:mc="http://schemas.openxmlformats.org/markup-compatibility/2006">
+        <mc:Choice xmlns:pslz="http://schemas.microsoft.com/office/powerpoint/2016/slidezoom" Requires="pslz">
+          <p:graphicFrame>
+            <p:nvGraphicFramePr>
+              <p:cNvPr id="14" name="Slide Zoom 13">
+                <a:extLst>
+                  <a:ext uri="{FF2B5EF4-FFF2-40B4-BE49-F238E27FC236}">
+                    <a16:creationId xmlns:a16="http://schemas.microsoft.com/office/drawing/2014/main" id="{FA049D5C-FC79-4B10-81B9-15FE5435FC56}"/>
+                  </a:ext>
+                </a:extLst>
+              </p:cNvPr>
+              <p:cNvGraphicFramePr>
+                <a:graphicFrameLocks noChangeAspect="1"/>
+              </p:cNvGraphicFramePr>
+              <p:nvPr>
+                <p:extLst>
+                  <p:ext uri="{D42A27DB-BD31-4B8C-83A1-F6EECF244321}">
+                    <p14:modId xmlns:p14="http://schemas.microsoft.com/office/powerpoint/2010/main" val="137527697"/>
+                  </p:ext>
+                </p:extLst>
+              </p:nvPr>
+            </p:nvGraphicFramePr>
+            <p:xfrm>
+              <a:off x="4572000" y="4379777"/>
+              <a:ext cx="3048000" cy="1714500"/>
+            </p:xfrm>
+            <a:graphic>
+              <a:graphicData uri="http://schemas.microsoft.com/office/powerpoint/2016/slidezoom">
+                <pslz:sldZm>
+                  <pslz:sldZmObj sldId="263" cId="3727458633">
+                    <pslz:zmPr id="{C333F00B-5C3F-4876-818A-93F3F495ED2D}" returnToParent="0" transitionDur="1000">
+                      <p166:blipFill xmlns:p166="http://schemas.microsoft.com/office/powerpoint/2016/6/main">
+                        <a:blip r:embed="rId6"/>
+                        <a:stretch>
+                          <a:fillRect/>
+                        </a:stretch>
+                      </p166:blipFill>
+                      <p166:spPr xmlns:p166="http://schemas.microsoft.com/office/powerpoint/2016/6/main">
+                        <a:xfrm>
+                          <a:off x="0" y="0"/>
+                          <a:ext cx="3048000" cy="1714500"/>
+                        </a:xfrm>
+                        <a:prstGeom prst="rect">
+                          <a:avLst/>
+                        </a:prstGeom>
+                        <a:ln w="3175">
+                          <a:solidFill>
+                            <a:prstClr val="ltGray"/>
+                          </a:solidFill>
+                        </a:ln>
+                      </p166:spPr>
+                    </pslz:zmPr>
+                  </pslz:sldZmObj>
+                </pslz:sldZm>
+              </a:graphicData>
+            </a:graphic>
+          </p:graphicFrame>
+        </mc:Choice>
+        <mc:Fallback>
+          <p:pic>
+            <p:nvPicPr>
+              <p:cNvPr id="14" name="Slide Zoom 13">
+                <a:hlinkClick r:id="rId7" action="ppaction://hlinksldjump"/>
+                <a:extLst>
+                  <a:ext uri="{FF2B5EF4-FFF2-40B4-BE49-F238E27FC236}">
+                    <a16:creationId xmlns:a16="http://schemas.microsoft.com/office/drawing/2014/main" id="{FA049D5C-FC79-4B10-81B9-15FE5435FC56}"/>
+                  </a:ext>
+                </a:extLst>
+              </p:cNvPr>
+              <p:cNvPicPr>
+                <a:picLocks noGrp="1" noRot="1" noChangeAspect="1" noMove="1" noResize="1" noEditPoints="1" noAdjustHandles="1" noChangeArrowheads="1" noChangeShapeType="1"/>
+              </p:cNvPicPr>
+              <p:nvPr/>
+            </p:nvPicPr>
+            <p:blipFill>
+              <a:blip r:embed="rId6"/>
+              <a:stretch>
+                <a:fillRect/>
+              </a:stretch>
+            </p:blipFill>
+            <p:spPr>
+              <a:xfrm>
+                <a:off x="4572000" y="4379777"/>
+                <a:ext cx="3048000" cy="1714500"/>
+              </a:xfrm>
+              <a:prstGeom prst="rect">
+                <a:avLst/>
+              </a:prstGeom>
+              <a:ln w="3175">
+                <a:solidFill>
+                  <a:prstClr val="ltGray"/>
+                </a:solidFill>
+              </a:ln>
+            </p:spPr>
+          </p:pic>
+        </mc:Fallback>
+      </mc:AlternateContent>
+      <p:sp>
+        <p:nvSpPr>
+          <p:cNvPr id="15" name="TextBox 14">
+            <a:extLst>
+              <a:ext uri="{FF2B5EF4-FFF2-40B4-BE49-F238E27FC236}">
+                <a16:creationId xmlns:a16="http://schemas.microsoft.com/office/drawing/2014/main" id="{8DB7DE77-2575-4304-9F19-E4DFB2393516}"/>
+              </a:ext>
+            </a:extLst>
+          </p:cNvPr>
+          <p:cNvSpPr txBox="1"/>
+          <p:nvPr/>
+        </p:nvSpPr>
+        <p:spPr>
+          <a:xfrm>
+            <a:off x="5304881" y="2582515"/>
+            <a:ext cx="1589409" cy="369332"/>
+          </a:xfrm>
+          <a:prstGeom prst="rect">
+            <a:avLst/>
+          </a:prstGeom>
+          <a:noFill/>
+        </p:spPr>
+        <p:txBody>
+          <a:bodyPr wrap="none" rtlCol="0">
+            <a:spAutoFit/>
+          </a:bodyPr>
+          <a:lstStyle/>
+          <a:p>
+            <a:r>
+              <a:rPr lang="en-CA" dirty="0"/>
+              <a:t>Generative SPL</a:t>
+            </a:r>
+          </a:p>
+        </p:txBody>
+      </p:sp>
+    </p:spTree>
+    <p:extLst>
+      <p:ext uri="{BB962C8B-B14F-4D97-AF65-F5344CB8AC3E}">
+        <p14:creationId xmlns:p14="http://schemas.microsoft.com/office/powerpoint/2010/main" val="1899669875"/>
+      </p:ext>
+    </p:extLst>
+  </p:cSld>
+  <p:clrMapOvr>
+    <a:masterClrMapping/>
+  </p:clrMapOvr>
+</p:sld>
+</file>
+
+<file path=ppt/slides/slide5.xml><?xml version="1.0" encoding="utf-8"?>
+<p:sld xmlns:a="http://schemas.openxmlformats.org/drawingml/2006/main" xmlns:r="http://schemas.openxmlformats.org/officeDocument/2006/relationships" xmlns:p="http://schemas.openxmlformats.org/presentationml/2006/main">
+  <p:cSld>
+    <p:spTree>
+      <p:nvGrpSpPr>
+        <p:cNvPr id="1" name=""/>
+        <p:cNvGrpSpPr/>
+        <p:nvPr/>
+      </p:nvGrpSpPr>
+      <p:grpSpPr>
+        <a:xfrm>
+          <a:off x="0" y="0"/>
+          <a:ext cx="0" cy="0"/>
+          <a:chOff x="0" y="0"/>
+          <a:chExt cx="0" cy="0"/>
+        </a:xfrm>
+      </p:grpSpPr>
+      <p:sp>
+        <p:nvSpPr>
+          <p:cNvPr id="2" name="Title 1">
+            <a:extLst>
+              <a:ext uri="{FF2B5EF4-FFF2-40B4-BE49-F238E27FC236}">
+                <a16:creationId xmlns:a16="http://schemas.microsoft.com/office/drawing/2014/main" id="{C3B69D72-0D4D-4667-A1F1-308AE686E5EF}"/>
+              </a:ext>
+            </a:extLst>
+          </p:cNvPr>
+          <p:cNvSpPr>
+            <a:spLocks noGrp="1"/>
+          </p:cNvSpPr>
+          <p:nvPr>
+            <p:ph type="title"/>
+          </p:nvPr>
+        </p:nvSpPr>
+        <p:spPr/>
+        <p:txBody>
+          <a:bodyPr/>
+          <a:lstStyle/>
+          <a:p>
+            <a:r>
+              <a:rPr lang="en-CA" dirty="0"/>
+              <a:t>Strategies for Product-Line Verification[1]</a:t>
+            </a:r>
+          </a:p>
+        </p:txBody>
+      </p:sp>
+      <p:sp>
+        <p:nvSpPr>
+          <p:cNvPr id="4" name="Slide Number Placeholder 3">
+            <a:extLst>
+              <a:ext uri="{FF2B5EF4-FFF2-40B4-BE49-F238E27FC236}">
+                <a16:creationId xmlns:a16="http://schemas.microsoft.com/office/drawing/2014/main" id="{7EF20384-798C-4F44-9A4F-7826B1E55401}"/>
+              </a:ext>
+            </a:extLst>
+          </p:cNvPr>
+          <p:cNvSpPr>
+            <a:spLocks noGrp="1"/>
+          </p:cNvSpPr>
+          <p:nvPr>
+            <p:ph type="sldNum" sz="quarter" idx="12"/>
+          </p:nvPr>
+        </p:nvSpPr>
+        <p:spPr/>
+        <p:txBody>
+          <a:bodyPr/>
+          <a:lstStyle/>
+          <a:p>
+            <a:fld id="{89456DF9-7ABE-4DA3-87DA-B2AEED84E1A6}" type="slidenum">
+              <a:rPr lang="en-CA" smtClean="0"/>
+              <a:t>5</a:t>
+            </a:fld>
+            <a:endParaRPr lang="en-CA"/>
+          </a:p>
+        </p:txBody>
+      </p:sp>
+      <p:pic>
+        <p:nvPicPr>
+          <p:cNvPr id="5" name="Content Placeholder 4">
+            <a:extLst>
+              <a:ext uri="{FF2B5EF4-FFF2-40B4-BE49-F238E27FC236}">
+                <a16:creationId xmlns:a16="http://schemas.microsoft.com/office/drawing/2014/main" id="{A4EF26E0-77C8-44EC-B39F-C8957C5463B7}"/>
+              </a:ext>
+            </a:extLst>
+          </p:cNvPr>
+          <p:cNvPicPr>
+            <a:picLocks noGrp="1" noChangeAspect="1"/>
+          </p:cNvPicPr>
+          <p:nvPr>
+            <p:ph idx="1"/>
+          </p:nvPr>
+        </p:nvPicPr>
+        <p:blipFill>
+          <a:blip r:embed="rId2"/>
+          <a:stretch>
+            <a:fillRect/>
+          </a:stretch>
+        </p:blipFill>
+        <p:spPr>
+          <a:xfrm>
+            <a:off x="1623943" y="2232213"/>
+            <a:ext cx="8955221" cy="3657600"/>
           </a:xfrm>
           <a:prstGeom prst="rect">
             <a:avLst/>
@@ -5230,39 +9387,10 @@
           </a:effectLst>
         </p:spPr>
       </p:pic>
-      <p:sp>
-        <p:nvSpPr>
-          <p:cNvPr id="4" name="Slide Number Placeholder 3">
-            <a:extLst>
-              <a:ext uri="{FF2B5EF4-FFF2-40B4-BE49-F238E27FC236}">
-                <a16:creationId xmlns:a16="http://schemas.microsoft.com/office/drawing/2014/main" id="{D4273263-61CE-4A3F-8D40-80FB18AAA55D}"/>
-              </a:ext>
-            </a:extLst>
-          </p:cNvPr>
-          <p:cNvSpPr>
-            <a:spLocks noGrp="1"/>
-          </p:cNvSpPr>
-          <p:nvPr>
-            <p:ph type="sldNum" sz="quarter" idx="12"/>
-          </p:nvPr>
-        </p:nvSpPr>
-        <p:spPr/>
-        <p:txBody>
-          <a:bodyPr/>
-          <a:lstStyle/>
-          <a:p>
-            <a:fld id="{89456DF9-7ABE-4DA3-87DA-B2AEED84E1A6}" type="slidenum">
-              <a:rPr lang="en-CA" smtClean="0"/>
-              <a:t>2</a:t>
-            </a:fld>
-            <a:endParaRPr lang="en-CA"/>
-          </a:p>
-        </p:txBody>
-      </p:sp>
     </p:spTree>
     <p:extLst>
       <p:ext uri="{BB962C8B-B14F-4D97-AF65-F5344CB8AC3E}">
-        <p14:creationId xmlns:p14="http://schemas.microsoft.com/office/powerpoint/2010/main" val="1419154819"/>
+        <p14:creationId xmlns:p14="http://schemas.microsoft.com/office/powerpoint/2010/main" val="694886442"/>
       </p:ext>
     </p:extLst>
   </p:cSld>
@@ -5272,7 +9400,7 @@
 </p:sld>
 </file>
 
-<file path=ppt/slides/slide3.xml><?xml version="1.0" encoding="utf-8"?>
+<file path=ppt/slides/slide6.xml><?xml version="1.0" encoding="utf-8"?>
 <p:sld xmlns:a="http://schemas.openxmlformats.org/drawingml/2006/main" xmlns:r="http://schemas.openxmlformats.org/officeDocument/2006/relationships" xmlns:p="http://schemas.openxmlformats.org/presentationml/2006/main" show="0">
   <p:cSld>
     <p:spTree>
@@ -5312,7 +9440,7 @@
           <a:p>
             <a:r>
               <a:rPr lang="en-CA" dirty="0"/>
-              <a:t>Strategies for Product-line Verification[1]</a:t>
+              <a:t>Strategies for Product-Line Verification[1]</a:t>
             </a:r>
           </a:p>
         </p:txBody>
@@ -5340,7 +9468,7 @@
           <a:p>
             <a:fld id="{89456DF9-7ABE-4DA3-87DA-B2AEED84E1A6}" type="slidenum">
               <a:rPr lang="en-CA" smtClean="0"/>
-              <a:t>3</a:t>
+              <a:t>6</a:t>
             </a:fld>
             <a:endParaRPr lang="en-CA"/>
           </a:p>
@@ -5389,7 +9517,7 @@
 </p:sld>
 </file>
 
-<file path=ppt/slides/slide4.xml><?xml version="1.0" encoding="utf-8"?>
+<file path=ppt/slides/slide7.xml><?xml version="1.0" encoding="utf-8"?>
 <p:sld xmlns:a="http://schemas.openxmlformats.org/drawingml/2006/main" xmlns:r="http://schemas.openxmlformats.org/officeDocument/2006/relationships" xmlns:p="http://schemas.openxmlformats.org/presentationml/2006/main" show="0">
   <p:cSld>
     <p:spTree>
@@ -5429,7 +9557,7 @@
           <a:p>
             <a:r>
               <a:rPr lang="en-CA" dirty="0"/>
-              <a:t>Strategies for Product-line Verification[1]</a:t>
+              <a:t>Strategies for Product-Line Verification[1]</a:t>
             </a:r>
           </a:p>
         </p:txBody>
@@ -5457,7 +9585,7 @@
           <a:p>
             <a:fld id="{89456DF9-7ABE-4DA3-87DA-B2AEED84E1A6}" type="slidenum">
               <a:rPr lang="en-CA" smtClean="0"/>
-              <a:t>4</a:t>
+              <a:t>7</a:t>
             </a:fld>
             <a:endParaRPr lang="en-CA"/>
           </a:p>
@@ -5506,7 +9634,7 @@
 </p:sld>
 </file>
 
-<file path=ppt/slides/slide5.xml><?xml version="1.0" encoding="utf-8"?>
+<file path=ppt/slides/slide8.xml><?xml version="1.0" encoding="utf-8"?>
 <p:sld xmlns:a="http://schemas.openxmlformats.org/drawingml/2006/main" xmlns:r="http://schemas.openxmlformats.org/officeDocument/2006/relationships" xmlns:p="http://schemas.openxmlformats.org/presentationml/2006/main">
   <p:cSld>
     <p:spTree>
@@ -5546,7 +9674,7 @@
           <a:p>
             <a:r>
               <a:rPr lang="en-CA" dirty="0"/>
-              <a:t>Strategies for Product-line Verification[1]</a:t>
+              <a:t>Strategies for Product-Line Verification[1]</a:t>
             </a:r>
           </a:p>
         </p:txBody>
@@ -5574,7 +9702,7 @@
           <a:p>
             <a:fld id="{89456DF9-7ABE-4DA3-87DA-B2AEED84E1A6}" type="slidenum">
               <a:rPr lang="en-CA" smtClean="0"/>
-              <a:t>5</a:t>
+              <a:t>8</a:t>
             </a:fld>
             <a:endParaRPr lang="en-CA"/>
           </a:p>
@@ -5602,8 +9730,8 @@
         </p:blipFill>
         <p:spPr>
           <a:xfrm>
-            <a:off x="2433637" y="2804319"/>
-            <a:ext cx="7324725" cy="2438400"/>
+            <a:off x="838200" y="2140772"/>
+            <a:ext cx="9726804" cy="3238052"/>
           </a:xfrm>
           <a:prstGeom prst="rect">
             <a:avLst/>
@@ -5623,7 +9751,7 @@
 </p:sld>
 </file>
 
-<file path=ppt/slides/slide6.xml><?xml version="1.0" encoding="utf-8"?>
+<file path=ppt/slides/slide9.xml><?xml version="1.0" encoding="utf-8"?>
 <p:sld xmlns:a="http://schemas.openxmlformats.org/drawingml/2006/main" xmlns:r="http://schemas.openxmlformats.org/officeDocument/2006/relationships" xmlns:p="http://schemas.openxmlformats.org/presentationml/2006/main">
   <p:cSld>
     <p:spTree>
@@ -5663,7 +9791,7 @@
           <a:p>
             <a:r>
               <a:rPr lang="en-CA" dirty="0"/>
-              <a:t>Strategies for Product-line Verification[1]</a:t>
+              <a:t>Strategies for Product-Line Verification[1]</a:t>
             </a:r>
           </a:p>
         </p:txBody>
@@ -5691,193 +9819,7 @@
           <a:p>
             <a:fld id="{89456DF9-7ABE-4DA3-87DA-B2AEED84E1A6}" type="slidenum">
               <a:rPr lang="en-CA" smtClean="0"/>
-              <a:t>6</a:t>
-            </a:fld>
-            <a:endParaRPr lang="en-CA"/>
-          </a:p>
-        </p:txBody>
-      </p:sp>
-      <p:pic>
-        <p:nvPicPr>
-          <p:cNvPr id="3" name="Picture 2">
-            <a:extLst>
-              <a:ext uri="{FF2B5EF4-FFF2-40B4-BE49-F238E27FC236}">
-                <a16:creationId xmlns:a16="http://schemas.microsoft.com/office/drawing/2014/main" id="{13AD59C7-46F3-400C-8C0E-F109BB69EC34}"/>
-              </a:ext>
-            </a:extLst>
-          </p:cNvPr>
-          <p:cNvPicPr>
-            <a:picLocks noChangeAspect="1"/>
-          </p:cNvPicPr>
-          <p:nvPr/>
-        </p:nvPicPr>
-        <p:blipFill>
-          <a:blip r:embed="rId3"/>
-          <a:stretch>
-            <a:fillRect/>
-          </a:stretch>
-        </p:blipFill>
-        <p:spPr>
-          <a:xfrm>
-            <a:off x="369481" y="2700353"/>
-            <a:ext cx="5494867" cy="2971362"/>
-          </a:xfrm>
-          <a:prstGeom prst="rect">
-            <a:avLst/>
-          </a:prstGeom>
-        </p:spPr>
-      </p:pic>
-      <p:pic>
-        <p:nvPicPr>
-          <p:cNvPr id="5" name="Picture 4">
-            <a:extLst>
-              <a:ext uri="{FF2B5EF4-FFF2-40B4-BE49-F238E27FC236}">
-                <a16:creationId xmlns:a16="http://schemas.microsoft.com/office/drawing/2014/main" id="{D2F5F896-FE74-4023-941A-5694A0BD1F05}"/>
-              </a:ext>
-            </a:extLst>
-          </p:cNvPr>
-          <p:cNvPicPr>
-            <a:picLocks noChangeAspect="1"/>
-          </p:cNvPicPr>
-          <p:nvPr/>
-        </p:nvPicPr>
-        <p:blipFill>
-          <a:blip r:embed="rId4"/>
-          <a:stretch>
-            <a:fillRect/>
-          </a:stretch>
-        </p:blipFill>
-        <p:spPr>
-          <a:xfrm>
-            <a:off x="6096000" y="2603430"/>
-            <a:ext cx="5763716" cy="3068285"/>
-          </a:xfrm>
-          <a:prstGeom prst="rect">
-            <a:avLst/>
-          </a:prstGeom>
-        </p:spPr>
-      </p:pic>
-      <p:sp>
-        <p:nvSpPr>
-          <p:cNvPr id="6" name="TextBox 5">
-            <a:extLst>
-              <a:ext uri="{FF2B5EF4-FFF2-40B4-BE49-F238E27FC236}">
-                <a16:creationId xmlns:a16="http://schemas.microsoft.com/office/drawing/2014/main" id="{E4E7E561-C259-43B4-837A-A093A4F2E773}"/>
-              </a:ext>
-            </a:extLst>
-          </p:cNvPr>
-          <p:cNvSpPr txBox="1"/>
-          <p:nvPr/>
-        </p:nvSpPr>
-        <p:spPr>
-          <a:xfrm>
-            <a:off x="4399510" y="1690688"/>
-            <a:ext cx="3392980" cy="523220"/>
-          </a:xfrm>
-          <a:prstGeom prst="rect">
-            <a:avLst/>
-          </a:prstGeom>
-          <a:noFill/>
-        </p:spPr>
-        <p:txBody>
-          <a:bodyPr wrap="none" rtlCol="0">
-            <a:spAutoFit/>
-          </a:bodyPr>
-          <a:lstStyle/>
-          <a:p>
-            <a:r>
-              <a:rPr lang="en-CA" sz="2800" dirty="0" err="1"/>
-              <a:t>EMailClient</a:t>
-            </a:r>
-            <a:r>
-              <a:rPr lang="en-CA" sz="2800" dirty="0"/>
-              <a:t> + Forward</a:t>
-            </a:r>
-          </a:p>
-        </p:txBody>
-      </p:sp>
-    </p:spTree>
-    <p:extLst>
-      <p:ext uri="{BB962C8B-B14F-4D97-AF65-F5344CB8AC3E}">
-        <p14:creationId xmlns:p14="http://schemas.microsoft.com/office/powerpoint/2010/main" val="888469222"/>
-      </p:ext>
-    </p:extLst>
-  </p:cSld>
-  <p:clrMapOvr>
-    <a:masterClrMapping/>
-  </p:clrMapOvr>
-</p:sld>
-</file>
-
-<file path=ppt/slides/slide7.xml><?xml version="1.0" encoding="utf-8"?>
-<p:sld xmlns:a="http://schemas.openxmlformats.org/drawingml/2006/main" xmlns:r="http://schemas.openxmlformats.org/officeDocument/2006/relationships" xmlns:p="http://schemas.openxmlformats.org/presentationml/2006/main">
-  <p:cSld>
-    <p:spTree>
-      <p:nvGrpSpPr>
-        <p:cNvPr id="1" name=""/>
-        <p:cNvGrpSpPr/>
-        <p:nvPr/>
-      </p:nvGrpSpPr>
-      <p:grpSpPr>
-        <a:xfrm>
-          <a:off x="0" y="0"/>
-          <a:ext cx="0" cy="0"/>
-          <a:chOff x="0" y="0"/>
-          <a:chExt cx="0" cy="0"/>
-        </a:xfrm>
-      </p:grpSpPr>
-      <p:sp>
-        <p:nvSpPr>
-          <p:cNvPr id="2" name="Title 1">
-            <a:extLst>
-              <a:ext uri="{FF2B5EF4-FFF2-40B4-BE49-F238E27FC236}">
-                <a16:creationId xmlns:a16="http://schemas.microsoft.com/office/drawing/2014/main" id="{EE8E102B-5563-4DF4-BBFB-7A521914ED54}"/>
-              </a:ext>
-            </a:extLst>
-          </p:cNvPr>
-          <p:cNvSpPr>
-            <a:spLocks noGrp="1"/>
-          </p:cNvSpPr>
-          <p:nvPr>
-            <p:ph type="title"/>
-          </p:nvPr>
-        </p:nvSpPr>
-        <p:spPr/>
-        <p:txBody>
-          <a:bodyPr/>
-          <a:lstStyle/>
-          <a:p>
-            <a:r>
-              <a:rPr lang="en-CA" dirty="0"/>
-              <a:t>Strategies for Product-line Verification[1]</a:t>
-            </a:r>
-          </a:p>
-        </p:txBody>
-      </p:sp>
-      <p:sp>
-        <p:nvSpPr>
-          <p:cNvPr id="4" name="Slide Number Placeholder 3">
-            <a:extLst>
-              <a:ext uri="{FF2B5EF4-FFF2-40B4-BE49-F238E27FC236}">
-                <a16:creationId xmlns:a16="http://schemas.microsoft.com/office/drawing/2014/main" id="{D4273263-61CE-4A3F-8D40-80FB18AAA55D}"/>
-              </a:ext>
-            </a:extLst>
-          </p:cNvPr>
-          <p:cNvSpPr>
-            <a:spLocks noGrp="1"/>
-          </p:cNvSpPr>
-          <p:nvPr>
-            <p:ph type="sldNum" sz="quarter" idx="12"/>
-          </p:nvPr>
-        </p:nvSpPr>
-        <p:spPr/>
-        <p:txBody>
-          <a:bodyPr/>
-          <a:lstStyle/>
-          <a:p>
-            <a:fld id="{89456DF9-7ABE-4DA3-87DA-B2AEED84E1A6}" type="slidenum">
-              <a:rPr lang="en-CA" smtClean="0"/>
-              <a:t>7</a:t>
+              <a:t>9</a:t>
             </a:fld>
             <a:endParaRPr lang="en-CA"/>
           </a:p>
@@ -6034,6 +9976,100 @@
           </a:p>
         </p:txBody>
       </p:sp>
+      <p:sp>
+        <p:nvSpPr>
+          <p:cNvPr id="8" name="Rectangle 7">
+            <a:extLst>
+              <a:ext uri="{FF2B5EF4-FFF2-40B4-BE49-F238E27FC236}">
+                <a16:creationId xmlns:a16="http://schemas.microsoft.com/office/drawing/2014/main" id="{6B9EAB1F-8750-4674-97AD-12B83D847452}"/>
+              </a:ext>
+            </a:extLst>
+          </p:cNvPr>
+          <p:cNvSpPr/>
+          <p:nvPr/>
+        </p:nvSpPr>
+        <p:spPr>
+          <a:xfrm>
+            <a:off x="970059" y="2941983"/>
+            <a:ext cx="1828800" cy="214685"/>
+          </a:xfrm>
+          <a:prstGeom prst="rect">
+            <a:avLst/>
+          </a:prstGeom>
+          <a:noFill/>
+        </p:spPr>
+        <p:style>
+          <a:lnRef idx="2">
+            <a:schemeClr val="accent1">
+              <a:shade val="50000"/>
+            </a:schemeClr>
+          </a:lnRef>
+          <a:fillRef idx="1">
+            <a:schemeClr val="accent1"/>
+          </a:fillRef>
+          <a:effectRef idx="0">
+            <a:schemeClr val="accent1"/>
+          </a:effectRef>
+          <a:fontRef idx="minor">
+            <a:schemeClr val="lt1"/>
+          </a:fontRef>
+        </p:style>
+        <p:txBody>
+          <a:bodyPr rtlCol="0" anchor="ctr"/>
+          <a:lstStyle/>
+          <a:p>
+            <a:pPr algn="ctr"/>
+            <a:endParaRPr lang="en-CA" dirty="0"/>
+          </a:p>
+        </p:txBody>
+      </p:sp>
+      <p:sp>
+        <p:nvSpPr>
+          <p:cNvPr id="9" name="Rectangle 8">
+            <a:extLst>
+              <a:ext uri="{FF2B5EF4-FFF2-40B4-BE49-F238E27FC236}">
+                <a16:creationId xmlns:a16="http://schemas.microsoft.com/office/drawing/2014/main" id="{BFA73AC3-291F-409B-BF43-7BF126FEB7D5}"/>
+              </a:ext>
+            </a:extLst>
+          </p:cNvPr>
+          <p:cNvSpPr/>
+          <p:nvPr/>
+        </p:nvSpPr>
+        <p:spPr>
+          <a:xfrm>
+            <a:off x="2665012" y="3786146"/>
+            <a:ext cx="3099684" cy="214685"/>
+          </a:xfrm>
+          <a:prstGeom prst="rect">
+            <a:avLst/>
+          </a:prstGeom>
+          <a:noFill/>
+        </p:spPr>
+        <p:style>
+          <a:lnRef idx="2">
+            <a:schemeClr val="accent1">
+              <a:shade val="50000"/>
+            </a:schemeClr>
+          </a:lnRef>
+          <a:fillRef idx="1">
+            <a:schemeClr val="accent1"/>
+          </a:fillRef>
+          <a:effectRef idx="0">
+            <a:schemeClr val="accent1"/>
+          </a:effectRef>
+          <a:fontRef idx="minor">
+            <a:schemeClr val="lt1"/>
+          </a:fontRef>
+        </p:style>
+        <p:txBody>
+          <a:bodyPr rtlCol="0" anchor="ctr"/>
+          <a:lstStyle/>
+          <a:p>
+            <a:pPr algn="ctr"/>
+            <a:endParaRPr lang="en-CA" dirty="0"/>
+          </a:p>
+        </p:txBody>
+      </p:sp>
     </p:spTree>
     <p:extLst>
       <p:ext uri="{BB962C8B-B14F-4D97-AF65-F5344CB8AC3E}">
@@ -6044,337 +10080,140 @@
   <p:clrMapOvr>
     <a:masterClrMapping/>
   </p:clrMapOvr>
-</p:sld>
-</file>
-
-<file path=ppt/slides/slide8.xml><?xml version="1.0" encoding="utf-8"?>
-<p:sld xmlns:a="http://schemas.openxmlformats.org/drawingml/2006/main" xmlns:r="http://schemas.openxmlformats.org/officeDocument/2006/relationships" xmlns:p="http://schemas.openxmlformats.org/presentationml/2006/main">
-  <p:cSld>
-    <p:spTree>
-      <p:nvGrpSpPr>
-        <p:cNvPr id="1" name=""/>
-        <p:cNvGrpSpPr/>
-        <p:nvPr/>
-      </p:nvGrpSpPr>
-      <p:grpSpPr>
-        <a:xfrm>
-          <a:off x="0" y="0"/>
-          <a:ext cx="0" cy="0"/>
-          <a:chOff x="0" y="0"/>
-          <a:chExt cx="0" cy="0"/>
-        </a:xfrm>
-      </p:grpSpPr>
-      <p:sp>
-        <p:nvSpPr>
-          <p:cNvPr id="2" name="Title 1">
-            <a:extLst>
-              <a:ext uri="{FF2B5EF4-FFF2-40B4-BE49-F238E27FC236}">
-                <a16:creationId xmlns:a16="http://schemas.microsoft.com/office/drawing/2014/main" id="{EE8E102B-5563-4DF4-BBFB-7A521914ED54}"/>
-              </a:ext>
-            </a:extLst>
-          </p:cNvPr>
-          <p:cNvSpPr>
-            <a:spLocks noGrp="1"/>
-          </p:cNvSpPr>
-          <p:nvPr>
-            <p:ph type="title"/>
-          </p:nvPr>
-        </p:nvSpPr>
-        <p:spPr/>
-        <p:txBody>
-          <a:bodyPr/>
-          <a:lstStyle/>
-          <a:p>
-            <a:r>
-              <a:rPr lang="en-CA" dirty="0"/>
-              <a:t>Strategies for Product-line Verification[1]</a:t>
-            </a:r>
-          </a:p>
-        </p:txBody>
-      </p:sp>
-      <p:sp>
-        <p:nvSpPr>
-          <p:cNvPr id="4" name="Slide Number Placeholder 3">
-            <a:extLst>
-              <a:ext uri="{FF2B5EF4-FFF2-40B4-BE49-F238E27FC236}">
-                <a16:creationId xmlns:a16="http://schemas.microsoft.com/office/drawing/2014/main" id="{D4273263-61CE-4A3F-8D40-80FB18AAA55D}"/>
-              </a:ext>
-            </a:extLst>
-          </p:cNvPr>
-          <p:cNvSpPr>
-            <a:spLocks noGrp="1"/>
-          </p:cNvSpPr>
-          <p:nvPr>
-            <p:ph type="sldNum" sz="quarter" idx="12"/>
-          </p:nvPr>
-        </p:nvSpPr>
-        <p:spPr/>
-        <p:txBody>
-          <a:bodyPr/>
-          <a:lstStyle/>
-          <a:p>
-            <a:fld id="{89456DF9-7ABE-4DA3-87DA-B2AEED84E1A6}" type="slidenum">
-              <a:rPr lang="en-CA" smtClean="0"/>
-              <a:t>8</a:t>
-            </a:fld>
-            <a:endParaRPr lang="en-CA"/>
-          </a:p>
-        </p:txBody>
-      </p:sp>
-      <p:pic>
-        <p:nvPicPr>
-          <p:cNvPr id="8" name="Picture 7">
-            <a:extLst>
-              <a:ext uri="{FF2B5EF4-FFF2-40B4-BE49-F238E27FC236}">
-                <a16:creationId xmlns:a16="http://schemas.microsoft.com/office/drawing/2014/main" id="{C4CA2672-C033-4377-AD3B-5F634FACA2B2}"/>
-              </a:ext>
-            </a:extLst>
-          </p:cNvPr>
-          <p:cNvPicPr>
-            <a:picLocks noChangeAspect="1"/>
-          </p:cNvPicPr>
-          <p:nvPr/>
-        </p:nvPicPr>
-        <p:blipFill>
-          <a:blip r:embed="rId3"/>
-          <a:stretch>
-            <a:fillRect/>
-          </a:stretch>
-        </p:blipFill>
-        <p:spPr>
-          <a:xfrm>
-            <a:off x="409477" y="2316034"/>
-            <a:ext cx="4386457" cy="2387232"/>
-          </a:xfrm>
-          <a:prstGeom prst="rect">
-            <a:avLst/>
-          </a:prstGeom>
-        </p:spPr>
-      </p:pic>
-      <p:pic>
-        <p:nvPicPr>
-          <p:cNvPr id="9" name="Picture 8">
-            <a:extLst>
-              <a:ext uri="{FF2B5EF4-FFF2-40B4-BE49-F238E27FC236}">
-                <a16:creationId xmlns:a16="http://schemas.microsoft.com/office/drawing/2014/main" id="{506DC69E-0EB3-45FD-AF38-89A2DCF835D2}"/>
-              </a:ext>
-            </a:extLst>
-          </p:cNvPr>
-          <p:cNvPicPr>
-            <a:picLocks noChangeAspect="1"/>
-          </p:cNvPicPr>
-          <p:nvPr/>
-        </p:nvPicPr>
-        <p:blipFill>
-          <a:blip r:embed="rId4"/>
-          <a:stretch>
-            <a:fillRect/>
-          </a:stretch>
-        </p:blipFill>
-        <p:spPr>
-          <a:xfrm>
-            <a:off x="5277705" y="2316034"/>
-            <a:ext cx="6665789" cy="2836506"/>
-          </a:xfrm>
-          <a:prstGeom prst="rect">
-            <a:avLst/>
-          </a:prstGeom>
-        </p:spPr>
-      </p:pic>
-    </p:spTree>
-    <p:extLst>
-      <p:ext uri="{BB962C8B-B14F-4D97-AF65-F5344CB8AC3E}">
-        <p14:creationId xmlns:p14="http://schemas.microsoft.com/office/powerpoint/2010/main" val="1938303144"/>
-      </p:ext>
-    </p:extLst>
-  </p:cSld>
-  <p:clrMapOvr>
-    <a:masterClrMapping/>
-  </p:clrMapOvr>
-</p:sld>
-</file>
-
-<file path=ppt/slides/slide9.xml><?xml version="1.0" encoding="utf-8"?>
-<p:sld xmlns:a="http://schemas.openxmlformats.org/drawingml/2006/main" xmlns:r="http://schemas.openxmlformats.org/officeDocument/2006/relationships" xmlns:p="http://schemas.openxmlformats.org/presentationml/2006/main">
-  <p:cSld>
-    <p:spTree>
-      <p:nvGrpSpPr>
-        <p:cNvPr id="1" name=""/>
-        <p:cNvGrpSpPr/>
-        <p:nvPr/>
-      </p:nvGrpSpPr>
-      <p:grpSpPr>
-        <a:xfrm>
-          <a:off x="0" y="0"/>
-          <a:ext cx="0" cy="0"/>
-          <a:chOff x="0" y="0"/>
-          <a:chExt cx="0" cy="0"/>
-        </a:xfrm>
-      </p:grpSpPr>
-      <p:sp>
-        <p:nvSpPr>
-          <p:cNvPr id="2" name="Title 1">
-            <a:extLst>
-              <a:ext uri="{FF2B5EF4-FFF2-40B4-BE49-F238E27FC236}">
-                <a16:creationId xmlns:a16="http://schemas.microsoft.com/office/drawing/2014/main" id="{EE8E102B-5563-4DF4-BBFB-7A521914ED54}"/>
-              </a:ext>
-            </a:extLst>
-          </p:cNvPr>
-          <p:cNvSpPr>
-            <a:spLocks noGrp="1"/>
-          </p:cNvSpPr>
-          <p:nvPr>
-            <p:ph type="title"/>
-          </p:nvPr>
-        </p:nvSpPr>
-        <p:spPr/>
-        <p:txBody>
-          <a:bodyPr/>
-          <a:lstStyle/>
-          <a:p>
-            <a:r>
-              <a:rPr lang="en-CA" dirty="0"/>
-              <a:t>Strategies for Product-line Verification[1]</a:t>
-            </a:r>
-          </a:p>
-        </p:txBody>
-      </p:sp>
-      <p:sp>
-        <p:nvSpPr>
-          <p:cNvPr id="4" name="Slide Number Placeholder 3">
-            <a:extLst>
-              <a:ext uri="{FF2B5EF4-FFF2-40B4-BE49-F238E27FC236}">
-                <a16:creationId xmlns:a16="http://schemas.microsoft.com/office/drawing/2014/main" id="{D4273263-61CE-4A3F-8D40-80FB18AAA55D}"/>
-              </a:ext>
-            </a:extLst>
-          </p:cNvPr>
-          <p:cNvSpPr>
-            <a:spLocks noGrp="1"/>
-          </p:cNvSpPr>
-          <p:nvPr>
-            <p:ph type="sldNum" sz="quarter" idx="12"/>
-          </p:nvPr>
-        </p:nvSpPr>
-        <p:spPr/>
-        <p:txBody>
-          <a:bodyPr/>
-          <a:lstStyle/>
-          <a:p>
-            <a:fld id="{89456DF9-7ABE-4DA3-87DA-B2AEED84E1A6}" type="slidenum">
-              <a:rPr lang="en-CA" smtClean="0"/>
-              <a:t>9</a:t>
-            </a:fld>
-            <a:endParaRPr lang="en-CA"/>
-          </a:p>
-        </p:txBody>
-      </p:sp>
-      <p:sp>
-        <p:nvSpPr>
-          <p:cNvPr id="3" name="TextBox 2">
-            <a:extLst>
-              <a:ext uri="{FF2B5EF4-FFF2-40B4-BE49-F238E27FC236}">
-                <a16:creationId xmlns:a16="http://schemas.microsoft.com/office/drawing/2014/main" id="{D1F45AEB-782B-4CC8-92B4-B4E69F14D6AF}"/>
-              </a:ext>
-            </a:extLst>
-          </p:cNvPr>
-          <p:cNvSpPr txBox="1"/>
-          <p:nvPr/>
-        </p:nvSpPr>
-        <p:spPr>
-          <a:xfrm>
-            <a:off x="838200" y="1926454"/>
-            <a:ext cx="10515600" cy="4524315"/>
-          </a:xfrm>
-          <a:prstGeom prst="rect">
-            <a:avLst/>
-          </a:prstGeom>
-          <a:noFill/>
-        </p:spPr>
-        <p:txBody>
-          <a:bodyPr wrap="square" rtlCol="0">
-            <a:spAutoFit/>
-          </a:bodyPr>
-          <a:lstStyle/>
-          <a:p>
-            <a:pPr marL="285750" indent="-285750">
-              <a:buFont typeface="Arial" panose="020B0604020202020204" pitchFamily="34" charset="0"/>
-              <a:buChar char="•"/>
-            </a:pPr>
-            <a:r>
-              <a:rPr lang="en-CA" sz="3200" dirty="0"/>
-              <a:t>Compares product-based, sampling-based and family-based strategies</a:t>
-            </a:r>
-          </a:p>
-          <a:p>
-            <a:pPr marL="285750" indent="-285750">
-              <a:buFont typeface="Arial" panose="020B0604020202020204" pitchFamily="34" charset="0"/>
-              <a:buChar char="•"/>
-            </a:pPr>
-            <a:r>
-              <a:rPr lang="en-CA" sz="3200" dirty="0"/>
-              <a:t>Uses existing model checkers (</a:t>
-            </a:r>
-            <a:r>
-              <a:rPr lang="en-CA" sz="3200" dirty="0" err="1"/>
-              <a:t>CPAChecker</a:t>
-            </a:r>
-            <a:r>
-              <a:rPr lang="en-CA" sz="3200" dirty="0"/>
-              <a:t> and Java Pathfinder) as is</a:t>
-            </a:r>
-          </a:p>
-          <a:p>
-            <a:pPr marL="285750" indent="-285750">
-              <a:buFont typeface="Arial" panose="020B0604020202020204" pitchFamily="34" charset="0"/>
-              <a:buChar char="•"/>
-            </a:pPr>
-            <a:r>
-              <a:rPr lang="en-CA" sz="3200" dirty="0"/>
-              <a:t>Applicable only to generative product lines</a:t>
-            </a:r>
-          </a:p>
-          <a:p>
-            <a:pPr marL="285750" indent="-285750">
-              <a:buFont typeface="Arial" panose="020B0604020202020204" pitchFamily="34" charset="0"/>
-              <a:buChar char="•"/>
-            </a:pPr>
-            <a:r>
-              <a:rPr lang="en-CA" sz="3200" dirty="0"/>
-              <a:t>Only supports very basic forms of variability</a:t>
-            </a:r>
-          </a:p>
-          <a:p>
-            <a:pPr marL="285750" indent="-285750">
-              <a:buFont typeface="Arial" panose="020B0604020202020204" pitchFamily="34" charset="0"/>
-              <a:buChar char="•"/>
-            </a:pPr>
-            <a:r>
-              <a:rPr lang="en-CA" sz="3200" dirty="0"/>
-              <a:t>Generates a new function per configuration</a:t>
-            </a:r>
-          </a:p>
-          <a:p>
-            <a:pPr marL="285750" indent="-285750">
-              <a:buFont typeface="Arial" panose="020B0604020202020204" pitchFamily="34" charset="0"/>
-              <a:buChar char="•"/>
-            </a:pPr>
-            <a:r>
-              <a:rPr lang="en-CA" sz="3200" dirty="0"/>
-              <a:t>Evaluates only single-wise, pair-wise and triple-wise sampling</a:t>
-            </a:r>
-          </a:p>
-        </p:txBody>
-      </p:sp>
-    </p:spTree>
-    <p:extLst>
-      <p:ext uri="{BB962C8B-B14F-4D97-AF65-F5344CB8AC3E}">
-        <p14:creationId xmlns:p14="http://schemas.microsoft.com/office/powerpoint/2010/main" val="2159293825"/>
-      </p:ext>
-    </p:extLst>
-  </p:cSld>
-  <p:clrMapOvr>
-    <a:masterClrMapping/>
-  </p:clrMapOvr>
+  <p:timing>
+    <p:tnLst>
+      <p:par>
+        <p:cTn id="1" dur="indefinite" restart="never" nodeType="tmRoot">
+          <p:childTnLst>
+            <p:seq concurrent="1" nextAc="seek">
+              <p:cTn id="2" dur="indefinite" nodeType="mainSeq">
+                <p:childTnLst>
+                  <p:par>
+                    <p:cTn id="3" fill="hold">
+                      <p:stCondLst>
+                        <p:cond delay="indefinite"/>
+                      </p:stCondLst>
+                      <p:childTnLst>
+                        <p:par>
+                          <p:cTn id="4" fill="hold">
+                            <p:stCondLst>
+                              <p:cond delay="0"/>
+                            </p:stCondLst>
+                            <p:childTnLst>
+                              <p:par>
+                                <p:cTn id="5" presetID="1" presetClass="entr" presetSubtype="0" fill="hold" grpId="0" nodeType="clickEffect">
+                                  <p:stCondLst>
+                                    <p:cond delay="0"/>
+                                  </p:stCondLst>
+                                  <p:childTnLst>
+                                    <p:set>
+                                      <p:cBhvr>
+                                        <p:cTn id="6" dur="1" fill="hold">
+                                          <p:stCondLst>
+                                            <p:cond delay="0"/>
+                                          </p:stCondLst>
+                                        </p:cTn>
+                                        <p:tgtEl>
+                                          <p:spTgt spid="7"/>
+                                        </p:tgtEl>
+                                        <p:attrNameLst>
+                                          <p:attrName>style.visibility</p:attrName>
+                                        </p:attrNameLst>
+                                      </p:cBhvr>
+                                      <p:to>
+                                        <p:strVal val="visible"/>
+                                      </p:to>
+                                    </p:set>
+                                  </p:childTnLst>
+                                </p:cTn>
+                              </p:par>
+                              <p:par>
+                                <p:cTn id="7" presetID="1" presetClass="entr" presetSubtype="0" fill="hold" grpId="0" nodeType="withEffect">
+                                  <p:stCondLst>
+                                    <p:cond delay="0"/>
+                                  </p:stCondLst>
+                                  <p:childTnLst>
+                                    <p:set>
+                                      <p:cBhvr>
+                                        <p:cTn id="8" dur="1" fill="hold">
+                                          <p:stCondLst>
+                                            <p:cond delay="0"/>
+                                          </p:stCondLst>
+                                        </p:cTn>
+                                        <p:tgtEl>
+                                          <p:spTgt spid="8"/>
+                                        </p:tgtEl>
+                                        <p:attrNameLst>
+                                          <p:attrName>style.visibility</p:attrName>
+                                        </p:attrNameLst>
+                                      </p:cBhvr>
+                                      <p:to>
+                                        <p:strVal val="visible"/>
+                                      </p:to>
+                                    </p:set>
+                                  </p:childTnLst>
+                                </p:cTn>
+                              </p:par>
+                              <p:par>
+                                <p:cTn id="9" presetID="1" presetClass="entr" presetSubtype="0" fill="hold" grpId="0" nodeType="withEffect">
+                                  <p:stCondLst>
+                                    <p:cond delay="0"/>
+                                  </p:stCondLst>
+                                  <p:childTnLst>
+                                    <p:set>
+                                      <p:cBhvr>
+                                        <p:cTn id="10" dur="1" fill="hold">
+                                          <p:stCondLst>
+                                            <p:cond delay="0"/>
+                                          </p:stCondLst>
+                                        </p:cTn>
+                                        <p:tgtEl>
+                                          <p:spTgt spid="9"/>
+                                        </p:tgtEl>
+                                        <p:attrNameLst>
+                                          <p:attrName>style.visibility</p:attrName>
+                                        </p:attrNameLst>
+                                      </p:cBhvr>
+                                      <p:to>
+                                        <p:strVal val="visible"/>
+                                      </p:to>
+                                    </p:set>
+                                  </p:childTnLst>
+                                </p:cTn>
+                              </p:par>
+                            </p:childTnLst>
+                          </p:cTn>
+                        </p:par>
+                      </p:childTnLst>
+                    </p:cTn>
+                  </p:par>
+                </p:childTnLst>
+              </p:cTn>
+              <p:prevCondLst>
+                <p:cond evt="onPrev" delay="0">
+                  <p:tgtEl>
+                    <p:sldTgt/>
+                  </p:tgtEl>
+                </p:cond>
+              </p:prevCondLst>
+              <p:nextCondLst>
+                <p:cond evt="onNext" delay="0">
+                  <p:tgtEl>
+                    <p:sldTgt/>
+                  </p:tgtEl>
+                </p:cond>
+              </p:nextCondLst>
+            </p:seq>
+          </p:childTnLst>
+        </p:cTn>
+      </p:par>
+    </p:tnLst>
+    <p:bldLst>
+      <p:bldP spid="7" grpId="0" animBg="1"/>
+      <p:bldP spid="8" grpId="0" animBg="1"/>
+      <p:bldP spid="9" grpId="0" animBg="1"/>
+    </p:bldLst>
+  </p:timing>
 </p:sld>
 </file>
 
